--- a/doc/SnagPy04.pptx
+++ b/doc/SnagPy04.pptx
@@ -5,7 +5,7 @@
     <p:sldMasterId id="2147483648" r:id="rId1"/>
   </p:sldMasterIdLst>
   <p:notesMasterIdLst>
-    <p:notesMasterId r:id="rId30"/>
+    <p:notesMasterId r:id="rId35"/>
   </p:notesMasterIdLst>
   <p:sldIdLst>
     <p:sldId id="256" r:id="rId2"/>
@@ -36,6 +36,11 @@
     <p:sldId id="323" r:id="rId27"/>
     <p:sldId id="324" r:id="rId28"/>
     <p:sldId id="321" r:id="rId29"/>
+    <p:sldId id="325" r:id="rId30"/>
+    <p:sldId id="328" r:id="rId31"/>
+    <p:sldId id="326" r:id="rId32"/>
+    <p:sldId id="327" r:id="rId33"/>
+    <p:sldId id="329" r:id="rId34"/>
   </p:sldIdLst>
   <p:sldSz cx="12192000" cy="6858000"/>
   <p:notesSz cx="6858000" cy="9144000"/>
@@ -145,7 +150,7 @@
 <file path=ppt/revisionInfo.xml><?xml version="1.0" encoding="utf-8"?>
 <p1510:revInfo xmlns:a="http://schemas.openxmlformats.org/drawingml/2006/main" xmlns:r="http://schemas.openxmlformats.org/officeDocument/2006/relationships" xmlns:p1510="http://schemas.microsoft.com/office/powerpoint/2015/10/main">
   <p1510:revLst>
-    <p1510:client id="{36911A39-C873-47E8-B0C9-7265D283C170}" v="83" dt="2023-04-22T16:33:03.041"/>
+    <p1510:client id="{36911A39-C873-47E8-B0C9-7265D283C170}" v="100" dt="2023-05-07T19:31:26.733"/>
   </p1510:revLst>
 </p1510:revInfo>
 </file>
@@ -1391,7 +1396,7 @@
   <pc:docChgLst>
     <pc:chgData name="Famiglia Frasca" userId="bb3c054bf86d7ba1" providerId="LiveId" clId="{36911A39-C873-47E8-B0C9-7265D283C170}"/>
     <pc:docChg chg="undo redo custSel addSld delSld modSld sldOrd">
-      <pc:chgData name="Famiglia Frasca" userId="bb3c054bf86d7ba1" providerId="LiveId" clId="{36911A39-C873-47E8-B0C9-7265D283C170}" dt="2023-04-22T17:07:49.310" v="10362" actId="5793"/>
+      <pc:chgData name="Famiglia Frasca" userId="bb3c054bf86d7ba1" providerId="LiveId" clId="{36911A39-C873-47E8-B0C9-7265D283C170}" dt="2023-05-09T19:35:16.998" v="12173" actId="1076"/>
       <pc:docMkLst>
         <pc:docMk/>
       </pc:docMkLst>
@@ -1411,13 +1416,13 @@
         </pc:spChg>
       </pc:sldChg>
       <pc:sldChg chg="modSp mod">
-        <pc:chgData name="Famiglia Frasca" userId="bb3c054bf86d7ba1" providerId="LiveId" clId="{36911A39-C873-47E8-B0C9-7265D283C170}" dt="2023-04-11T15:16:33.630" v="224" actId="207"/>
+        <pc:chgData name="Famiglia Frasca" userId="bb3c054bf86d7ba1" providerId="LiveId" clId="{36911A39-C873-47E8-B0C9-7265D283C170}" dt="2023-05-05T09:37:45.491" v="11059" actId="207"/>
         <pc:sldMkLst>
           <pc:docMk/>
           <pc:sldMk cId="3804905029" sldId="298"/>
         </pc:sldMkLst>
         <pc:spChg chg="mod">
-          <ac:chgData name="Famiglia Frasca" userId="bb3c054bf86d7ba1" providerId="LiveId" clId="{36911A39-C873-47E8-B0C9-7265D283C170}" dt="2023-04-11T15:15:20.663" v="207" actId="207"/>
+          <ac:chgData name="Famiglia Frasca" userId="bb3c054bf86d7ba1" providerId="LiveId" clId="{36911A39-C873-47E8-B0C9-7265D283C170}" dt="2023-05-05T09:37:45.491" v="11059" actId="207"/>
           <ac:spMkLst>
             <pc:docMk/>
             <pc:sldMk cId="3804905029" sldId="298"/>
@@ -1425,7 +1430,7 @@
           </ac:spMkLst>
         </pc:spChg>
         <pc:spChg chg="mod">
-          <ac:chgData name="Famiglia Frasca" userId="bb3c054bf86d7ba1" providerId="LiveId" clId="{36911A39-C873-47E8-B0C9-7265D283C170}" dt="2023-04-11T15:16:33.630" v="224" actId="207"/>
+          <ac:chgData name="Famiglia Frasca" userId="bb3c054bf86d7ba1" providerId="LiveId" clId="{36911A39-C873-47E8-B0C9-7265D283C170}" dt="2023-05-04T13:39:05.322" v="11058" actId="1076"/>
           <ac:spMkLst>
             <pc:docMk/>
             <pc:sldMk cId="3804905029" sldId="298"/>
@@ -1442,13 +1447,13 @@
         </pc:spChg>
       </pc:sldChg>
       <pc:sldChg chg="modSp mod">
-        <pc:chgData name="Famiglia Frasca" userId="bb3c054bf86d7ba1" providerId="LiveId" clId="{36911A39-C873-47E8-B0C9-7265D283C170}" dt="2023-04-17T14:38:21.431" v="9061" actId="20577"/>
+        <pc:chgData name="Famiglia Frasca" userId="bb3c054bf86d7ba1" providerId="LiveId" clId="{36911A39-C873-47E8-B0C9-7265D283C170}" dt="2023-05-09T19:00:23.306" v="11901" actId="20577"/>
         <pc:sldMkLst>
           <pc:docMk/>
           <pc:sldMk cId="1462013200" sldId="299"/>
         </pc:sldMkLst>
         <pc:spChg chg="mod">
-          <ac:chgData name="Famiglia Frasca" userId="bb3c054bf86d7ba1" providerId="LiveId" clId="{36911A39-C873-47E8-B0C9-7265D283C170}" dt="2023-04-11T15:07:50.011" v="17" actId="20577"/>
+          <ac:chgData name="Famiglia Frasca" userId="bb3c054bf86d7ba1" providerId="LiveId" clId="{36911A39-C873-47E8-B0C9-7265D283C170}" dt="2023-05-09T19:00:23.306" v="11901" actId="20577"/>
           <ac:spMkLst>
             <pc:docMk/>
             <pc:sldMk cId="1462013200" sldId="299"/>
@@ -1456,7 +1461,7 @@
           </ac:spMkLst>
         </pc:spChg>
         <pc:spChg chg="mod">
-          <ac:chgData name="Famiglia Frasca" userId="bb3c054bf86d7ba1" providerId="LiveId" clId="{36911A39-C873-47E8-B0C9-7265D283C170}" dt="2023-04-17T14:38:21.431" v="9061" actId="20577"/>
+          <ac:chgData name="Famiglia Frasca" userId="bb3c054bf86d7ba1" providerId="LiveId" clId="{36911A39-C873-47E8-B0C9-7265D283C170}" dt="2023-05-04T13:37:17.530" v="11023" actId="20577"/>
           <ac:spMkLst>
             <pc:docMk/>
             <pc:sldMk cId="1462013200" sldId="299"/>
@@ -1465,13 +1470,13 @@
         </pc:spChg>
       </pc:sldChg>
       <pc:sldChg chg="modSp mod">
-        <pc:chgData name="Famiglia Frasca" userId="bb3c054bf86d7ba1" providerId="LiveId" clId="{36911A39-C873-47E8-B0C9-7265D283C170}" dt="2023-04-22T16:19:42.431" v="10049" actId="20577"/>
+        <pc:chgData name="Famiglia Frasca" userId="bb3c054bf86d7ba1" providerId="LiveId" clId="{36911A39-C873-47E8-B0C9-7265D283C170}" dt="2023-05-09T19:03:05.659" v="11960" actId="20577"/>
         <pc:sldMkLst>
           <pc:docMk/>
           <pc:sldMk cId="545342666" sldId="300"/>
         </pc:sldMkLst>
         <pc:spChg chg="mod">
-          <ac:chgData name="Famiglia Frasca" userId="bb3c054bf86d7ba1" providerId="LiveId" clId="{36911A39-C873-47E8-B0C9-7265D283C170}" dt="2023-04-22T16:19:42.431" v="10049" actId="20577"/>
+          <ac:chgData name="Famiglia Frasca" userId="bb3c054bf86d7ba1" providerId="LiveId" clId="{36911A39-C873-47E8-B0C9-7265D283C170}" dt="2023-05-09T19:03:05.659" v="11960" actId="20577"/>
           <ac:spMkLst>
             <pc:docMk/>
             <pc:sldMk cId="545342666" sldId="300"/>
@@ -1737,13 +1742,13 @@
         </pc:sldMkLst>
       </pc:sldChg>
       <pc:sldChg chg="addSp modSp add mod">
-        <pc:chgData name="Famiglia Frasca" userId="bb3c054bf86d7ba1" providerId="LiveId" clId="{36911A39-C873-47E8-B0C9-7265D283C170}" dt="2023-04-17T19:52:01.056" v="9068" actId="1076"/>
+        <pc:chgData name="Famiglia Frasca" userId="bb3c054bf86d7ba1" providerId="LiveId" clId="{36911A39-C873-47E8-B0C9-7265D283C170}" dt="2023-04-22T19:17:32.552" v="10363" actId="14100"/>
         <pc:sldMkLst>
           <pc:docMk/>
           <pc:sldMk cId="1963860125" sldId="308"/>
         </pc:sldMkLst>
         <pc:spChg chg="mod">
-          <ac:chgData name="Famiglia Frasca" userId="bb3c054bf86d7ba1" providerId="LiveId" clId="{36911A39-C873-47E8-B0C9-7265D283C170}" dt="2023-04-11T18:24:19.137" v="2898" actId="20577"/>
+          <ac:chgData name="Famiglia Frasca" userId="bb3c054bf86d7ba1" providerId="LiveId" clId="{36911A39-C873-47E8-B0C9-7265D283C170}" dt="2023-04-22T19:17:32.552" v="10363" actId="14100"/>
           <ac:spMkLst>
             <pc:docMk/>
             <pc:sldMk cId="1963860125" sldId="308"/>
@@ -2054,7 +2059,7 @@
         </pc:spChg>
       </pc:sldChg>
       <pc:sldChg chg="addSp modSp add mod">
-        <pc:chgData name="Famiglia Frasca" userId="bb3c054bf86d7ba1" providerId="LiveId" clId="{36911A39-C873-47E8-B0C9-7265D283C170}" dt="2023-04-22T16:04:52.487" v="10006"/>
+        <pc:chgData name="Famiglia Frasca" userId="bb3c054bf86d7ba1" providerId="LiveId" clId="{36911A39-C873-47E8-B0C9-7265D283C170}" dt="2023-05-09T19:28:19.086" v="12019" actId="20577"/>
         <pc:sldMkLst>
           <pc:docMk/>
           <pc:sldMk cId="2603386016" sldId="315"/>
@@ -2068,7 +2073,7 @@
           </ac:spMkLst>
         </pc:spChg>
         <pc:spChg chg="add mod">
-          <ac:chgData name="Famiglia Frasca" userId="bb3c054bf86d7ba1" providerId="LiveId" clId="{36911A39-C873-47E8-B0C9-7265D283C170}" dt="2023-04-22T16:04:52.487" v="10006"/>
+          <ac:chgData name="Famiglia Frasca" userId="bb3c054bf86d7ba1" providerId="LiveId" clId="{36911A39-C873-47E8-B0C9-7265D283C170}" dt="2023-05-09T19:28:19.086" v="12019" actId="20577"/>
           <ac:spMkLst>
             <pc:docMk/>
             <pc:sldMk cId="2603386016" sldId="315"/>
@@ -2193,7 +2198,7 @@
         </pc:picChg>
       </pc:sldChg>
       <pc:sldChg chg="addSp modSp add mod">
-        <pc:chgData name="Famiglia Frasca" userId="bb3c054bf86d7ba1" providerId="LiveId" clId="{36911A39-C873-47E8-B0C9-7265D283C170}" dt="2023-04-22T16:35:50.799" v="10333" actId="14100"/>
+        <pc:chgData name="Famiglia Frasca" userId="bb3c054bf86d7ba1" providerId="LiveId" clId="{36911A39-C873-47E8-B0C9-7265D283C170}" dt="2023-05-09T19:35:16.998" v="12173" actId="1076"/>
         <pc:sldMkLst>
           <pc:docMk/>
           <pc:sldMk cId="1406098459" sldId="320"/>
@@ -2207,7 +2212,7 @@
           </ac:spMkLst>
         </pc:spChg>
         <pc:spChg chg="add mod">
-          <ac:chgData name="Famiglia Frasca" userId="bb3c054bf86d7ba1" providerId="LiveId" clId="{36911A39-C873-47E8-B0C9-7265D283C170}" dt="2023-04-22T16:35:43.211" v="10332" actId="20577"/>
+          <ac:chgData name="Famiglia Frasca" userId="bb3c054bf86d7ba1" providerId="LiveId" clId="{36911A39-C873-47E8-B0C9-7265D283C170}" dt="2023-05-09T19:35:16.998" v="12173" actId="1076"/>
           <ac:spMkLst>
             <pc:docMk/>
             <pc:sldMk cId="1406098459" sldId="320"/>
@@ -2216,13 +2221,13 @@
         </pc:spChg>
       </pc:sldChg>
       <pc:sldChg chg="addSp modSp add mod ord">
-        <pc:chgData name="Famiglia Frasca" userId="bb3c054bf86d7ba1" providerId="LiveId" clId="{36911A39-C873-47E8-B0C9-7265D283C170}" dt="2023-04-20T10:13:50.563" v="9208" actId="20577"/>
+        <pc:chgData name="Famiglia Frasca" userId="bb3c054bf86d7ba1" providerId="LiveId" clId="{36911A39-C873-47E8-B0C9-7265D283C170}" dt="2023-05-02T10:31:43.340" v="10952" actId="1076"/>
         <pc:sldMkLst>
           <pc:docMk/>
           <pc:sldMk cId="1879440967" sldId="321"/>
         </pc:sldMkLst>
         <pc:spChg chg="mod">
-          <ac:chgData name="Famiglia Frasca" userId="bb3c054bf86d7ba1" providerId="LiveId" clId="{36911A39-C873-47E8-B0C9-7265D283C170}" dt="2023-04-20T10:13:50.563" v="9208" actId="20577"/>
+          <ac:chgData name="Famiglia Frasca" userId="bb3c054bf86d7ba1" providerId="LiveId" clId="{36911A39-C873-47E8-B0C9-7265D283C170}" dt="2023-05-01T15:08:27.465" v="10708" actId="1076"/>
           <ac:spMkLst>
             <pc:docMk/>
             <pc:sldMk cId="1879440967" sldId="321"/>
@@ -2230,7 +2235,15 @@
           </ac:spMkLst>
         </pc:spChg>
         <pc:spChg chg="add mod">
-          <ac:chgData name="Famiglia Frasca" userId="bb3c054bf86d7ba1" providerId="LiveId" clId="{36911A39-C873-47E8-B0C9-7265D283C170}" dt="2023-04-17T20:05:09.977" v="9190" actId="14100"/>
+          <ac:chgData name="Famiglia Frasca" userId="bb3c054bf86d7ba1" providerId="LiveId" clId="{36911A39-C873-47E8-B0C9-7265D283C170}" dt="2023-05-02T10:31:43.340" v="10952" actId="1076"/>
+          <ac:spMkLst>
+            <pc:docMk/>
+            <pc:sldMk cId="1879440967" sldId="321"/>
+            <ac:spMk id="4" creationId="{2937C794-EAE7-4A3E-AA65-BB9CEF75B401}"/>
+          </ac:spMkLst>
+        </pc:spChg>
+        <pc:spChg chg="add mod">
+          <ac:chgData name="Famiglia Frasca" userId="bb3c054bf86d7ba1" providerId="LiveId" clId="{36911A39-C873-47E8-B0C9-7265D283C170}" dt="2023-05-01T15:05:26.048" v="10704" actId="403"/>
           <ac:spMkLst>
             <pc:docMk/>
             <pc:sldMk cId="1879440967" sldId="321"/>
@@ -2435,6 +2448,184 @@
           </ac:picMkLst>
         </pc:picChg>
       </pc:sldChg>
+      <pc:sldChg chg="addSp delSp modSp add mod">
+        <pc:chgData name="Famiglia Frasca" userId="bb3c054bf86d7ba1" providerId="LiveId" clId="{36911A39-C873-47E8-B0C9-7265D283C170}" dt="2023-05-02T12:46:05.088" v="10994" actId="1076"/>
+        <pc:sldMkLst>
+          <pc:docMk/>
+          <pc:sldMk cId="517680360" sldId="325"/>
+        </pc:sldMkLst>
+        <pc:spChg chg="mod">
+          <ac:chgData name="Famiglia Frasca" userId="bb3c054bf86d7ba1" providerId="LiveId" clId="{36911A39-C873-47E8-B0C9-7265D283C170}" dt="2023-05-01T15:09:37.166" v="10723" actId="20577"/>
+          <ac:spMkLst>
+            <pc:docMk/>
+            <pc:sldMk cId="517680360" sldId="325"/>
+            <ac:spMk id="3" creationId="{D5D6FA7C-E224-38AB-8F1A-3909D88F9B55}"/>
+          </ac:spMkLst>
+        </pc:spChg>
+        <pc:spChg chg="mod">
+          <ac:chgData name="Famiglia Frasca" userId="bb3c054bf86d7ba1" providerId="LiveId" clId="{36911A39-C873-47E8-B0C9-7265D283C170}" dt="2023-05-01T15:38:22.954" v="10843" actId="1076"/>
+          <ac:spMkLst>
+            <pc:docMk/>
+            <pc:sldMk cId="517680360" sldId="325"/>
+            <ac:spMk id="5" creationId="{2BA99E83-FE26-26A4-DA75-2025CAFD8DF8}"/>
+          </ac:spMkLst>
+        </pc:spChg>
+        <pc:spChg chg="add mod">
+          <ac:chgData name="Famiglia Frasca" userId="bb3c054bf86d7ba1" providerId="LiveId" clId="{36911A39-C873-47E8-B0C9-7265D283C170}" dt="2023-05-02T11:52:56.260" v="10962" actId="1076"/>
+          <ac:spMkLst>
+            <pc:docMk/>
+            <pc:sldMk cId="517680360" sldId="325"/>
+            <ac:spMk id="7" creationId="{31CCEE9F-0C23-93BD-BAD2-4B3E6FD9F8E2}"/>
+          </ac:spMkLst>
+        </pc:spChg>
+        <pc:spChg chg="add mod">
+          <ac:chgData name="Famiglia Frasca" userId="bb3c054bf86d7ba1" providerId="LiveId" clId="{36911A39-C873-47E8-B0C9-7265D283C170}" dt="2023-05-02T12:46:05.088" v="10994" actId="1076"/>
+          <ac:spMkLst>
+            <pc:docMk/>
+            <pc:sldMk cId="517680360" sldId="325"/>
+            <ac:spMk id="11" creationId="{3B763BF3-2CEC-1AC8-A640-8BEEFE89FD34}"/>
+          </ac:spMkLst>
+        </pc:spChg>
+        <pc:picChg chg="add mod">
+          <ac:chgData name="Famiglia Frasca" userId="bb3c054bf86d7ba1" providerId="LiveId" clId="{36911A39-C873-47E8-B0C9-7265D283C170}" dt="2023-05-02T12:44:05.550" v="10974" actId="1076"/>
+          <ac:picMkLst>
+            <pc:docMk/>
+            <pc:sldMk cId="517680360" sldId="325"/>
+            <ac:picMk id="6" creationId="{BA6642BF-F618-D472-A01B-CCB9071523E4}"/>
+          </ac:picMkLst>
+        </pc:picChg>
+        <pc:picChg chg="add del mod">
+          <ac:chgData name="Famiglia Frasca" userId="bb3c054bf86d7ba1" providerId="LiveId" clId="{36911A39-C873-47E8-B0C9-7265D283C170}" dt="2023-05-01T17:03:18.059" v="10866" actId="478"/>
+          <ac:picMkLst>
+            <pc:docMk/>
+            <pc:sldMk cId="517680360" sldId="325"/>
+            <ac:picMk id="6" creationId="{FA57C6B0-0CD7-CF98-F29D-3A31666712DF}"/>
+          </ac:picMkLst>
+        </pc:picChg>
+        <pc:picChg chg="add del mod">
+          <ac:chgData name="Famiglia Frasca" userId="bb3c054bf86d7ba1" providerId="LiveId" clId="{36911A39-C873-47E8-B0C9-7265D283C170}" dt="2023-05-02T11:52:30.786" v="10957" actId="478"/>
+          <ac:picMkLst>
+            <pc:docMk/>
+            <pc:sldMk cId="517680360" sldId="325"/>
+            <ac:picMk id="8" creationId="{18086F74-8732-3FF5-4114-3C7860C297EC}"/>
+          </ac:picMkLst>
+        </pc:picChg>
+        <pc:picChg chg="add mod">
+          <ac:chgData name="Famiglia Frasca" userId="bb3c054bf86d7ba1" providerId="LiveId" clId="{36911A39-C873-47E8-B0C9-7265D283C170}" dt="2023-05-02T12:45:53.749" v="10993" actId="14100"/>
+          <ac:picMkLst>
+            <pc:docMk/>
+            <pc:sldMk cId="517680360" sldId="325"/>
+            <ac:picMk id="10" creationId="{1CBE830A-F835-AE3E-9AAF-461E4F77B107}"/>
+          </ac:picMkLst>
+        </pc:picChg>
+      </pc:sldChg>
+      <pc:sldChg chg="addSp delSp modSp add mod">
+        <pc:chgData name="Famiglia Frasca" userId="bb3c054bf86d7ba1" providerId="LiveId" clId="{36911A39-C873-47E8-B0C9-7265D283C170}" dt="2023-05-05T17:10:14.483" v="11193" actId="1076"/>
+        <pc:sldMkLst>
+          <pc:docMk/>
+          <pc:sldMk cId="1813601678" sldId="326"/>
+        </pc:sldMkLst>
+        <pc:spChg chg="mod">
+          <ac:chgData name="Famiglia Frasca" userId="bb3c054bf86d7ba1" providerId="LiveId" clId="{36911A39-C873-47E8-B0C9-7265D283C170}" dt="2023-05-05T17:04:39.028" v="11163" actId="20577"/>
+          <ac:spMkLst>
+            <pc:docMk/>
+            <pc:sldMk cId="1813601678" sldId="326"/>
+            <ac:spMk id="3" creationId="{D5D6FA7C-E224-38AB-8F1A-3909D88F9B55}"/>
+          </ac:spMkLst>
+        </pc:spChg>
+        <pc:spChg chg="del mod">
+          <ac:chgData name="Famiglia Frasca" userId="bb3c054bf86d7ba1" providerId="LiveId" clId="{36911A39-C873-47E8-B0C9-7265D283C170}" dt="2023-05-05T17:01:38.017" v="11128"/>
+          <ac:spMkLst>
+            <pc:docMk/>
+            <pc:sldMk cId="1813601678" sldId="326"/>
+            <ac:spMk id="5" creationId="{2BA99E83-FE26-26A4-DA75-2025CAFD8DF8}"/>
+          </ac:spMkLst>
+        </pc:spChg>
+        <pc:picChg chg="add del mod">
+          <ac:chgData name="Famiglia Frasca" userId="bb3c054bf86d7ba1" providerId="LiveId" clId="{36911A39-C873-47E8-B0C9-7265D283C170}" dt="2023-05-05T17:09:52.512" v="11188" actId="478"/>
+          <ac:picMkLst>
+            <pc:docMk/>
+            <pc:sldMk cId="1813601678" sldId="326"/>
+            <ac:picMk id="6" creationId="{5F1F41E4-84C3-A2B4-317F-6F66CC1E1110}"/>
+          </ac:picMkLst>
+        </pc:picChg>
+        <pc:picChg chg="add mod">
+          <ac:chgData name="Famiglia Frasca" userId="bb3c054bf86d7ba1" providerId="LiveId" clId="{36911A39-C873-47E8-B0C9-7265D283C170}" dt="2023-05-05T17:10:14.483" v="11193" actId="1076"/>
+          <ac:picMkLst>
+            <pc:docMk/>
+            <pc:sldMk cId="1813601678" sldId="326"/>
+            <ac:picMk id="8" creationId="{3875C0FB-335C-88F5-68EB-107B7A7C24BF}"/>
+          </ac:picMkLst>
+        </pc:picChg>
+      </pc:sldChg>
+      <pc:sldChg chg="modSp add mod">
+        <pc:chgData name="Famiglia Frasca" userId="bb3c054bf86d7ba1" providerId="LiveId" clId="{36911A39-C873-47E8-B0C9-7265D283C170}" dt="2023-05-09T18:56:34.311" v="11867" actId="20577"/>
+        <pc:sldMkLst>
+          <pc:docMk/>
+          <pc:sldMk cId="1214978458" sldId="327"/>
+        </pc:sldMkLst>
+        <pc:spChg chg="mod">
+          <ac:chgData name="Famiglia Frasca" userId="bb3c054bf86d7ba1" providerId="LiveId" clId="{36911A39-C873-47E8-B0C9-7265D283C170}" dt="2023-05-07T19:25:33.147" v="11210" actId="20577"/>
+          <ac:spMkLst>
+            <pc:docMk/>
+            <pc:sldMk cId="1214978458" sldId="327"/>
+            <ac:spMk id="3" creationId="{D5D6FA7C-E224-38AB-8F1A-3909D88F9B55}"/>
+          </ac:spMkLst>
+        </pc:spChg>
+        <pc:spChg chg="mod">
+          <ac:chgData name="Famiglia Frasca" userId="bb3c054bf86d7ba1" providerId="LiveId" clId="{36911A39-C873-47E8-B0C9-7265D283C170}" dt="2023-05-09T18:56:34.311" v="11867" actId="20577"/>
+          <ac:spMkLst>
+            <pc:docMk/>
+            <pc:sldMk cId="1214978458" sldId="327"/>
+            <ac:spMk id="5" creationId="{2BA99E83-FE26-26A4-DA75-2025CAFD8DF8}"/>
+          </ac:spMkLst>
+        </pc:spChg>
+      </pc:sldChg>
+      <pc:sldChg chg="modSp new del mod">
+        <pc:chgData name="Famiglia Frasca" userId="bb3c054bf86d7ba1" providerId="LiveId" clId="{36911A39-C873-47E8-B0C9-7265D283C170}" dt="2023-05-05T17:00:35.802" v="11084" actId="2696"/>
+        <pc:sldMkLst>
+          <pc:docMk/>
+          <pc:sldMk cId="3562373776" sldId="327"/>
+        </pc:sldMkLst>
+        <pc:spChg chg="mod">
+          <ac:chgData name="Famiglia Frasca" userId="bb3c054bf86d7ba1" providerId="LiveId" clId="{36911A39-C873-47E8-B0C9-7265D283C170}" dt="2023-05-05T17:00:14.501" v="11083" actId="20577"/>
+          <ac:spMkLst>
+            <pc:docMk/>
+            <pc:sldMk cId="3562373776" sldId="327"/>
+            <ac:spMk id="2" creationId="{627C2703-36C1-8C4A-EC68-6CA16890C378}"/>
+          </ac:spMkLst>
+        </pc:spChg>
+      </pc:sldChg>
+      <pc:sldChg chg="addSp modSp add mod ord">
+        <pc:chgData name="Famiglia Frasca" userId="bb3c054bf86d7ba1" providerId="LiveId" clId="{36911A39-C873-47E8-B0C9-7265D283C170}" dt="2023-05-05T17:05:44.291" v="11187" actId="20577"/>
+        <pc:sldMkLst>
+          <pc:docMk/>
+          <pc:sldMk cId="1350480639" sldId="328"/>
+        </pc:sldMkLst>
+        <pc:spChg chg="mod">
+          <ac:chgData name="Famiglia Frasca" userId="bb3c054bf86d7ba1" providerId="LiveId" clId="{36911A39-C873-47E8-B0C9-7265D283C170}" dt="2023-05-05T17:05:44.291" v="11187" actId="20577"/>
+          <ac:spMkLst>
+            <pc:docMk/>
+            <pc:sldMk cId="1350480639" sldId="328"/>
+            <ac:spMk id="3" creationId="{D5D6FA7C-E224-38AB-8F1A-3909D88F9B55}"/>
+          </ac:spMkLst>
+        </pc:spChg>
+        <pc:picChg chg="add mod">
+          <ac:chgData name="Famiglia Frasca" userId="bb3c054bf86d7ba1" providerId="LiveId" clId="{36911A39-C873-47E8-B0C9-7265D283C170}" dt="2023-05-05T17:02:40.901" v="11134" actId="1076"/>
+          <ac:picMkLst>
+            <pc:docMk/>
+            <pc:sldMk cId="1350480639" sldId="328"/>
+            <ac:picMk id="5" creationId="{F5FC3D34-3DC3-73D8-52B2-821E9003B2C9}"/>
+          </ac:picMkLst>
+        </pc:picChg>
+      </pc:sldChg>
+      <pc:sldChg chg="add">
+        <pc:chgData name="Famiglia Frasca" userId="bb3c054bf86d7ba1" providerId="LiveId" clId="{36911A39-C873-47E8-B0C9-7265D283C170}" dt="2023-05-07T19:25:13.586" v="11194"/>
+        <pc:sldMkLst>
+          <pc:docMk/>
+          <pc:sldMk cId="2334505566" sldId="329"/>
+        </pc:sldMkLst>
+      </pc:sldChg>
     </pc:docChg>
   </pc:docChgLst>
 </pc:chgInfo>
@@ -2522,7 +2713,7 @@
           <a:p>
             <a:fld id="{30B0BA31-C8A9-43DD-A40A-0688D227A51C}" type="datetimeFigureOut">
               <a:rPr lang="en-US" smtClean="0"/>
-              <a:t>4/22/2023</a:t>
+              <a:t>5/9/2023</a:t>
             </a:fld>
             <a:endParaRPr lang="en-US"/>
           </a:p>
@@ -2980,7 +3171,7 @@
           <a:p>
             <a:fld id="{98C9E10B-7D18-436D-8C9D-3D7F46357368}" type="datetime1">
               <a:rPr lang="en-US" smtClean="0"/>
-              <a:t>4/22/2023</a:t>
+              <a:t>5/9/2023</a:t>
             </a:fld>
             <a:endParaRPr lang="en-US" dirty="0"/>
           </a:p>
@@ -3412,7 +3603,7 @@
           <a:p>
             <a:fld id="{46073B20-64F9-4ADB-AE68-B96CF4262B59}" type="datetime1">
               <a:rPr lang="en-US" smtClean="0"/>
-              <a:t>4/22/2023</a:t>
+              <a:t>5/9/2023</a:t>
             </a:fld>
             <a:endParaRPr lang="en-US" dirty="0"/>
           </a:p>
@@ -3658,7 +3849,7 @@
           <a:p>
             <a:fld id="{620EEC1E-6B6B-47E9-8714-E91573E0F14D}" type="datetime1">
               <a:rPr lang="en-US" smtClean="0"/>
-              <a:t>4/22/2023</a:t>
+              <a:t>5/9/2023</a:t>
             </a:fld>
             <a:endParaRPr lang="en-US" dirty="0"/>
           </a:p>
@@ -3962,7 +4153,7 @@
           <a:p>
             <a:fld id="{ACFBFC28-A426-4B54-B8D0-AD19397A8A28}" type="datetime1">
               <a:rPr lang="en-US" smtClean="0"/>
-              <a:t>4/22/2023</a:t>
+              <a:t>5/9/2023</a:t>
             </a:fld>
             <a:endParaRPr lang="en-US" dirty="0"/>
           </a:p>
@@ -4276,7 +4467,7 @@
           <a:p>
             <a:fld id="{CFC8339E-8749-498C-B882-A50D536E71FB}" type="datetime1">
               <a:rPr lang="en-US" smtClean="0"/>
-              <a:t>4/22/2023</a:t>
+              <a:t>5/9/2023</a:t>
             </a:fld>
             <a:endParaRPr lang="en-US" dirty="0"/>
           </a:p>
@@ -4574,7 +4765,7 @@
           <a:p>
             <a:fld id="{49E744F5-6046-44B5-892D-7BF0F719275D}" type="datetime1">
               <a:rPr lang="en-US" smtClean="0"/>
-              <a:t>4/22/2023</a:t>
+              <a:t>5/9/2023</a:t>
             </a:fld>
             <a:endParaRPr lang="en-US" dirty="0"/>
           </a:p>
@@ -4937,7 +5128,7 @@
           <a:p>
             <a:fld id="{18467BB3-A0B1-4A78-A4E8-AA732A2385C9}" type="datetime1">
               <a:rPr lang="en-US" smtClean="0"/>
-              <a:t>4/22/2023</a:t>
+              <a:t>5/9/2023</a:t>
             </a:fld>
             <a:endParaRPr lang="en-US" dirty="0"/>
           </a:p>
@@ -5107,7 +5298,7 @@
           <a:p>
             <a:fld id="{0DBC8546-1571-4A63-B22A-8F50A4744B94}" type="datetime1">
               <a:rPr lang="en-US" smtClean="0"/>
-              <a:t>4/22/2023</a:t>
+              <a:t>5/9/2023</a:t>
             </a:fld>
             <a:endParaRPr lang="en-US" dirty="0"/>
           </a:p>
@@ -5283,7 +5474,7 @@
           <a:p>
             <a:fld id="{89CA6798-494D-403D-9109-FA6B5591D999}" type="datetime1">
               <a:rPr lang="en-US" smtClean="0"/>
-              <a:t>4/22/2023</a:t>
+              <a:t>5/9/2023</a:t>
             </a:fld>
             <a:endParaRPr lang="en-US" dirty="0"/>
           </a:p>
@@ -5449,7 +5640,7 @@
           <a:p>
             <a:fld id="{2418FB31-0A7C-4E3A-8A21-B21A6CB5E956}" type="datetime1">
               <a:rPr lang="en-US" smtClean="0"/>
-              <a:t>4/22/2023</a:t>
+              <a:t>5/9/2023</a:t>
             </a:fld>
             <a:endParaRPr lang="en-US" dirty="0"/>
           </a:p>
@@ -5695,7 +5886,7 @@
           <a:p>
             <a:fld id="{F0D1BDA7-ECDF-4191-A1D0-F2BB626BEB44}" type="datetime1">
               <a:rPr lang="en-US" smtClean="0"/>
-              <a:t>4/22/2023</a:t>
+              <a:t>5/9/2023</a:t>
             </a:fld>
             <a:endParaRPr lang="en-US" dirty="0"/>
           </a:p>
@@ -5927,7 +6118,7 @@
           <a:p>
             <a:fld id="{57B0E563-21A7-4833-90C7-9123E1C793FD}" type="datetime1">
               <a:rPr lang="en-US" smtClean="0"/>
-              <a:t>4/22/2023</a:t>
+              <a:t>5/9/2023</a:t>
             </a:fld>
             <a:endParaRPr lang="en-US" dirty="0"/>
           </a:p>
@@ -6305,7 +6496,7 @@
           <a:p>
             <a:fld id="{CC2A0605-CF22-4929-A9C8-4B63E07A5B5E}" type="datetime1">
               <a:rPr lang="en-US" smtClean="0"/>
-              <a:t>4/22/2023</a:t>
+              <a:t>5/9/2023</a:t>
             </a:fld>
             <a:endParaRPr lang="en-US" dirty="0"/>
           </a:p>
@@ -6419,7 +6610,7 @@
           <a:p>
             <a:fld id="{E31A972B-6721-4473-AED4-F58C3C74BD94}" type="datetime1">
               <a:rPr lang="en-US" smtClean="0"/>
-              <a:t>4/22/2023</a:t>
+              <a:t>5/9/2023</a:t>
             </a:fld>
             <a:endParaRPr lang="en-US" dirty="0"/>
           </a:p>
@@ -6510,7 +6701,7 @@
           <a:p>
             <a:fld id="{CBDC601E-0D3D-409F-93D6-9167C6098CA4}" type="datetime1">
               <a:rPr lang="en-US" smtClean="0"/>
-              <a:t>4/22/2023</a:t>
+              <a:t>5/9/2023</a:t>
             </a:fld>
             <a:endParaRPr lang="en-US" dirty="0"/>
           </a:p>
@@ -6761,7 +6952,7 @@
           <a:p>
             <a:fld id="{CF89C204-D136-439B-8D24-C6AAC728DB3A}" type="datetime1">
               <a:rPr lang="en-US" smtClean="0"/>
-              <a:t>4/22/2023</a:t>
+              <a:t>5/9/2023</a:t>
             </a:fld>
             <a:endParaRPr lang="en-US" dirty="0"/>
           </a:p>
@@ -7040,7 +7231,7 @@
           <a:p>
             <a:fld id="{BC711A0D-6EF5-4B02-984F-1E50B55C238B}" type="datetime1">
               <a:rPr lang="en-US" smtClean="0"/>
-              <a:t>4/22/2023</a:t>
+              <a:t>5/9/2023</a:t>
             </a:fld>
             <a:endParaRPr lang="en-US" dirty="0"/>
           </a:p>
@@ -7442,7 +7633,7 @@
           <a:p>
             <a:fld id="{DA7F3223-5E7C-499B-B9EC-EF9189971B1E}" type="datetime1">
               <a:rPr lang="en-US" smtClean="0"/>
-              <a:t>4/22/2023</a:t>
+              <a:t>5/9/2023</a:t>
             </a:fld>
             <a:endParaRPr lang="en-US" dirty="0"/>
           </a:p>
@@ -9152,8 +9343,8 @@
         </p:nvSpPr>
         <p:spPr>
           <a:xfrm>
-            <a:off x="673239" y="341644"/>
-            <a:ext cx="10832205" cy="584775"/>
+            <a:off x="673240" y="341644"/>
+            <a:ext cx="6551526" cy="584775"/>
           </a:xfrm>
           <a:prstGeom prst="rect">
             <a:avLst/>
@@ -10422,7 +10613,7 @@
         <p:spPr>
           <a:xfrm>
             <a:off x="745293" y="1124958"/>
-            <a:ext cx="10189029" cy="4431983"/>
+            <a:ext cx="10189029" cy="4985980"/>
           </a:xfrm>
           <a:prstGeom prst="rect">
             <a:avLst/>
@@ -10650,6 +10841,39 @@
                 </a:solidFill>
               </a:rPr>
               <a:t>si creano in un attimo alcuni file *.html ; starting.html contiene…</a:t>
+            </a:r>
+          </a:p>
+          <a:p>
+            <a:endParaRPr lang="it-IT" b="1" dirty="0">
+              <a:solidFill>
+                <a:srgbClr val="FFFF00"/>
+              </a:solidFill>
+            </a:endParaRPr>
+          </a:p>
+          <a:p>
+            <a:r>
+              <a:rPr lang="it-IT" b="1" dirty="0">
+                <a:solidFill>
+                  <a:srgbClr val="FFFF00"/>
+                </a:solidFill>
+              </a:rPr>
+              <a:t>(gli html creati li trovate nel folder html del </a:t>
+            </a:r>
+            <a:r>
+              <a:rPr lang="it-IT" b="1" dirty="0" err="1">
+                <a:solidFill>
+                  <a:srgbClr val="FFFF00"/>
+                </a:solidFill>
+              </a:rPr>
+              <a:t>github</a:t>
+            </a:r>
+            <a:r>
+              <a:rPr lang="it-IT" b="1" dirty="0">
+                <a:solidFill>
+                  <a:srgbClr val="FFFF00"/>
+                </a:solidFill>
+              </a:rPr>
+              <a:t>)</a:t>
             </a:r>
           </a:p>
         </p:txBody>
@@ -12366,7 +12590,7 @@
         <p:spPr>
           <a:xfrm>
             <a:off x="924448" y="361025"/>
-            <a:ext cx="10580997" cy="646331"/>
+            <a:ext cx="5416061" cy="646331"/>
           </a:xfrm>
           <a:prstGeom prst="rect">
             <a:avLst/>
@@ -12385,7 +12609,23 @@
                   <a:srgbClr val="FF0000"/>
                 </a:solidFill>
               </a:rPr>
-              <a:t>Novità</a:t>
+              <a:t>Cose</a:t>
+            </a:r>
+            <a:r>
+              <a:rPr lang="en-US" sz="3600" b="1" dirty="0">
+                <a:solidFill>
+                  <a:srgbClr val="FF0000"/>
+                </a:solidFill>
+              </a:rPr>
+              <a:t> da </a:t>
+            </a:r>
+            <a:r>
+              <a:rPr lang="en-US" sz="3600" b="1" dirty="0" err="1">
+                <a:solidFill>
+                  <a:srgbClr val="FF0000"/>
+                </a:solidFill>
+              </a:rPr>
+              <a:t>discutere</a:t>
             </a:r>
             <a:endParaRPr lang="it-IT" sz="3600" b="1" dirty="0">
               <a:solidFill>
@@ -12410,7 +12650,7 @@
         <p:spPr>
           <a:xfrm>
             <a:off x="465615" y="1536174"/>
-            <a:ext cx="10688056" cy="4093428"/>
+            <a:ext cx="10688056" cy="4785926"/>
           </a:xfrm>
           <a:prstGeom prst="rect">
             <a:avLst/>
@@ -12431,92 +12671,12 @@
               <a:buChar char="•"/>
             </a:pPr>
             <a:r>
-              <a:rPr lang="en-US" sz="2000" b="1" dirty="0">
-                <a:solidFill>
-                  <a:srgbClr val="FFFF00"/>
-                </a:solidFill>
-              </a:rPr>
-              <a:t>Poche per il </a:t>
-            </a:r>
-            <a:r>
-              <a:rPr lang="en-US" sz="2000" b="1" dirty="0" err="1">
-                <a:solidFill>
-                  <a:srgbClr val="FFFF00"/>
-                </a:solidFill>
-              </a:rPr>
-              <a:t>codice</a:t>
-            </a:r>
-            <a:r>
-              <a:rPr lang="en-US" sz="2000" b="1" dirty="0">
-                <a:solidFill>
-                  <a:srgbClr val="FFFF00"/>
-                </a:solidFill>
-              </a:rPr>
-              <a:t>, </a:t>
-            </a:r>
-            <a:r>
-              <a:rPr lang="en-US" sz="2000" b="1" dirty="0" err="1">
-                <a:solidFill>
-                  <a:srgbClr val="FFFF00"/>
-                </a:solidFill>
-              </a:rPr>
-              <a:t>qualcuna</a:t>
-            </a:r>
-            <a:r>
-              <a:rPr lang="en-US" sz="2000" b="1" dirty="0">
-                <a:solidFill>
-                  <a:srgbClr val="FFFF00"/>
-                </a:solidFill>
-              </a:rPr>
-              <a:t> per la </a:t>
-            </a:r>
-            <a:r>
-              <a:rPr lang="en-US" sz="2000" b="1" dirty="0" err="1">
-                <a:solidFill>
-                  <a:srgbClr val="FFFF00"/>
-                </a:solidFill>
-              </a:rPr>
-              <a:t>strategia</a:t>
-            </a:r>
-            <a:r>
-              <a:rPr lang="en-US" sz="2000" b="1" dirty="0">
-                <a:solidFill>
-                  <a:srgbClr val="FFFF00"/>
-                </a:solidFill>
-              </a:rPr>
-              <a:t>: </a:t>
-            </a:r>
-            <a:r>
-              <a:rPr lang="en-US" sz="2000" b="1" dirty="0" err="1">
-                <a:solidFill>
-                  <a:srgbClr val="FFFF00"/>
-                </a:solidFill>
-              </a:rPr>
-              <a:t>momento</a:t>
-            </a:r>
-            <a:r>
-              <a:rPr lang="en-US" sz="2000" b="1" dirty="0">
-                <a:solidFill>
-                  <a:srgbClr val="FFFF00"/>
-                </a:solidFill>
-              </a:rPr>
-              <a:t> di </a:t>
-            </a:r>
-            <a:r>
-              <a:rPr lang="en-US" sz="2000" b="1" dirty="0" err="1">
-                <a:solidFill>
-                  <a:srgbClr val="FFFF00"/>
-                </a:solidFill>
-              </a:rPr>
-              <a:t>riflessione</a:t>
-            </a:r>
-            <a:r>
-              <a:rPr lang="en-US" sz="2000" b="1" dirty="0">
-                <a:solidFill>
-                  <a:srgbClr val="FFFF00"/>
-                </a:solidFill>
-              </a:rPr>
-              <a:t>.</a:t>
+              <a:rPr lang="it-IT" sz="2000" b="1" dirty="0">
+                <a:solidFill>
+                  <a:srgbClr val="FFFF00"/>
+                </a:solidFill>
+              </a:rPr>
+              <a:t>Riflessioni sulla documentazione.</a:t>
             </a:r>
           </a:p>
           <a:p>
@@ -12533,7 +12693,23 @@
                   <a:srgbClr val="FFFF00"/>
                 </a:solidFill>
               </a:rPr>
-              <a:t>Riflessioni sulla documentazione.</a:t>
+              <a:t>Sviluppo della classe «</a:t>
+            </a:r>
+            <a:r>
+              <a:rPr lang="it-IT" sz="2000" b="1" dirty="0" err="1">
+                <a:solidFill>
+                  <a:srgbClr val="FFFF00"/>
+                </a:solidFill>
+              </a:rPr>
+              <a:t>Intervals</a:t>
+            </a:r>
+            <a:r>
+              <a:rPr lang="it-IT" sz="2000" b="1" dirty="0">
+                <a:solidFill>
+                  <a:srgbClr val="FFFF00"/>
+                </a:solidFill>
+              </a:rPr>
+              <a:t>». </a:t>
             </a:r>
           </a:p>
           <a:p>
@@ -12550,23 +12726,24 @@
                   <a:srgbClr val="FFFF00"/>
                 </a:solidFill>
               </a:rPr>
-              <a:t>Sviluppo della classe «</a:t>
-            </a:r>
-            <a:r>
-              <a:rPr lang="it-IT" sz="2000" b="1" dirty="0" err="1">
-                <a:solidFill>
-                  <a:srgbClr val="FFFF00"/>
-                </a:solidFill>
-              </a:rPr>
-              <a:t>Intervals</a:t>
-            </a:r>
+              <a:t>Sviluppi di grafica e statistica</a:t>
+            </a:r>
+          </a:p>
+          <a:p>
+            <a:pPr marL="285750" indent="-285750">
+              <a:spcAft>
+                <a:spcPts val="3000"/>
+              </a:spcAft>
+              <a:buFont typeface="Arial" panose="020B0604020202020204" pitchFamily="34" charset="0"/>
+              <a:buChar char="•"/>
+            </a:pPr>
             <a:r>
               <a:rPr lang="it-IT" sz="2000" b="1" dirty="0">
                 <a:solidFill>
                   <a:srgbClr val="FFFF00"/>
                 </a:solidFill>
               </a:rPr>
-              <a:t>». </a:t>
+              <a:t>Idee sui BSD</a:t>
             </a:r>
           </a:p>
           <a:p>
@@ -13692,8 +13869,8 @@
         </p:nvSpPr>
         <p:spPr>
           <a:xfrm>
-            <a:off x="793819" y="1366576"/>
-            <a:ext cx="10018207" cy="4801314"/>
+            <a:off x="783771" y="1245995"/>
+            <a:ext cx="10018207" cy="5355312"/>
           </a:xfrm>
           <a:prstGeom prst="rect">
             <a:avLst/>
@@ -13933,7 +14110,71 @@
                   <a:srgbClr val="FFFF00"/>
                 </a:solidFill>
               </a:rPr>
-              <a:t> è in sviluppo e si dovrebbe arricchire ulteriormente.</a:t>
+              <a:t> è in sviluppo e si dovrebbe arricchire ulteriormente. Tra l’altro </a:t>
+            </a:r>
+            <a:r>
+              <a:rPr lang="it-IT" b="1" dirty="0" err="1">
+                <a:solidFill>
+                  <a:srgbClr val="FFFF00"/>
+                </a:solidFill>
+              </a:rPr>
+              <a:t>e’parzialmente</a:t>
+            </a:r>
+            <a:r>
+              <a:rPr lang="it-IT" b="1" dirty="0">
+                <a:solidFill>
+                  <a:srgbClr val="FFFF00"/>
+                </a:solidFill>
+              </a:rPr>
+              <a:t> sviluppata la funzione </a:t>
+            </a:r>
+            <a:r>
+              <a:rPr lang="it-IT" b="1" dirty="0" err="1">
+                <a:solidFill>
+                  <a:srgbClr val="FFFF00"/>
+                </a:solidFill>
+              </a:rPr>
+              <a:t>interv_code</a:t>
+            </a:r>
+            <a:r>
+              <a:rPr lang="it-IT" b="1" dirty="0">
+                <a:solidFill>
+                  <a:srgbClr val="FFFF00"/>
+                </a:solidFill>
+              </a:rPr>
+              <a:t> (e </a:t>
+            </a:r>
+            <a:r>
+              <a:rPr lang="it-IT" b="1" dirty="0" err="1">
+                <a:solidFill>
+                  <a:srgbClr val="FFFF00"/>
+                </a:solidFill>
+              </a:rPr>
+              <a:t>interv_decode</a:t>
+            </a:r>
+            <a:r>
+              <a:rPr lang="it-IT" b="1" dirty="0">
+                <a:solidFill>
+                  <a:srgbClr val="FFFF00"/>
+                </a:solidFill>
+              </a:rPr>
+              <a:t>) che offre un formato «naturalmente» compresso ai </a:t>
+            </a:r>
+            <a:r>
+              <a:rPr lang="it-IT" b="1" dirty="0" err="1">
+                <a:solidFill>
+                  <a:srgbClr val="FFFF00"/>
+                </a:solidFill>
+              </a:rPr>
+              <a:t>gd</a:t>
+            </a:r>
+            <a:r>
+              <a:rPr lang="it-IT" b="1" dirty="0">
+                <a:solidFill>
+                  <a:srgbClr val="FFFF00"/>
+                </a:solidFill>
+              </a:rPr>
+              <a:t> (e gd2).</a:t>
             </a:r>
           </a:p>
           <a:p>
@@ -18891,7 +19132,7 @@
         </p:nvSpPr>
         <p:spPr>
           <a:xfrm>
-            <a:off x="673239" y="341644"/>
+            <a:off x="298060" y="101119"/>
             <a:ext cx="10832205" cy="584775"/>
           </a:xfrm>
           <a:prstGeom prst="rect">
@@ -18929,7 +19170,7 @@
                 </a:solidFill>
                 <a:latin typeface="Century Gothic" panose="020B0502020202020204"/>
               </a:rPr>
-              <a:t>Sito</a:t>
+              <a:t>Novità</a:t>
             </a:r>
             <a:r>
               <a:rPr lang="en-US" sz="3200" b="1" dirty="0">
@@ -18938,7 +19179,70 @@
                 </a:solidFill>
                 <a:latin typeface="Century Gothic" panose="020B0502020202020204"/>
               </a:rPr>
-              <a:t> utile</a:t>
+              <a:t> per </a:t>
+            </a:r>
+            <a:r>
+              <a:rPr lang="en-US" sz="3200" b="1" dirty="0" err="1">
+                <a:solidFill>
+                  <a:srgbClr val="FF0000"/>
+                </a:solidFill>
+                <a:latin typeface="Century Gothic" panose="020B0502020202020204"/>
+              </a:rPr>
+              <a:t>i</a:t>
+            </a:r>
+            <a:r>
+              <a:rPr lang="en-US" sz="3200" b="1" dirty="0">
+                <a:solidFill>
+                  <a:srgbClr val="FF0000"/>
+                </a:solidFill>
+                <a:latin typeface="Century Gothic" panose="020B0502020202020204"/>
+              </a:rPr>
+              <a:t> </a:t>
+            </a:r>
+            <a:r>
+              <a:rPr lang="en-US" sz="3200" b="1" dirty="0" err="1">
+                <a:solidFill>
+                  <a:srgbClr val="FF0000"/>
+                </a:solidFill>
+                <a:latin typeface="Century Gothic" panose="020B0502020202020204"/>
+              </a:rPr>
+              <a:t>grafici</a:t>
+            </a:r>
+            <a:r>
+              <a:rPr lang="en-US" sz="3200" b="1" dirty="0">
+                <a:solidFill>
+                  <a:srgbClr val="FF0000"/>
+                </a:solidFill>
+                <a:latin typeface="Century Gothic" panose="020B0502020202020204"/>
+              </a:rPr>
+              <a:t>: la </a:t>
+            </a:r>
+            <a:r>
+              <a:rPr lang="en-US" sz="3200" b="1" dirty="0" err="1">
+                <a:solidFill>
+                  <a:srgbClr val="FF0000"/>
+                </a:solidFill>
+                <a:latin typeface="Century Gothic" panose="020B0502020202020204"/>
+              </a:rPr>
+              <a:t>funzione</a:t>
+            </a:r>
+            <a:r>
+              <a:rPr lang="en-US" sz="3200" b="1" dirty="0">
+                <a:solidFill>
+                  <a:srgbClr val="FF0000"/>
+                </a:solidFill>
+                <a:latin typeface="Century Gothic" panose="020B0502020202020204"/>
+              </a:rPr>
+              <a:t> </a:t>
+            </a:r>
+            <a:r>
+              <a:rPr lang="en-US" sz="3200" b="1" dirty="0" err="1">
+                <a:solidFill>
+                  <a:srgbClr val="FF0000"/>
+                </a:solidFill>
+                <a:latin typeface="Century Gothic" panose="020B0502020202020204"/>
+              </a:rPr>
+              <a:t>GD.plot</a:t>
             </a:r>
             <a:endParaRPr kumimoji="0" lang="it-IT" sz="2000" b="1" i="0" u="none" strike="noStrike" kern="1200" cap="none" spc="0" normalizeH="0" baseline="0" noProof="0" dirty="0">
               <a:ln>
@@ -18973,8 +19277,8 @@
         </p:nvSpPr>
         <p:spPr>
           <a:xfrm>
-            <a:off x="673239" y="1867452"/>
-            <a:ext cx="10952704" cy="984885"/>
+            <a:off x="472353" y="808086"/>
+            <a:ext cx="10952704" cy="6001643"/>
           </a:xfrm>
           <a:prstGeom prst="rect">
             <a:avLst/>
@@ -18987,7 +19291,33 @@
           </a:bodyPr>
           <a:lstStyle/>
           <a:p>
-            <a:endParaRPr lang="it-IT" b="1" dirty="0">
+            <a:pPr marL="285750" indent="-285750">
+              <a:buFont typeface="Arial" panose="020B0604020202020204" pitchFamily="34" charset="0"/>
+              <a:buChar char="•"/>
+            </a:pPr>
+            <a:r>
+              <a:rPr lang="it-IT" b="1" dirty="0" err="1">
+                <a:solidFill>
+                  <a:srgbClr val="FFFF00"/>
+                </a:solidFill>
+              </a:rPr>
+              <a:t>plot_gd</a:t>
+            </a:r>
+            <a:r>
+              <a:rPr lang="it-IT" b="1" dirty="0">
+                <a:solidFill>
+                  <a:srgbClr val="FFFF00"/>
+                </a:solidFill>
+              </a:rPr>
+              <a:t> rimane, con la gestione a tre funzioni, ma è affiancata da</a:t>
+            </a:r>
+          </a:p>
+          <a:p>
+            <a:pPr marL="342900" indent="-342900">
+              <a:buFont typeface="Arial" panose="020B0604020202020204" pitchFamily="34" charset="0"/>
+              <a:buChar char="•"/>
+            </a:pPr>
+            <a:endParaRPr lang="it-IT" sz="1600" b="1" dirty="0">
               <a:solidFill>
                 <a:srgbClr val="FFFF00"/>
               </a:solidFill>
@@ -18995,35 +19325,989 @@
           </a:p>
           <a:p>
             <a:r>
-              <a:rPr lang="it-IT" sz="2000" b="1" i="1" dirty="0">
-                <a:solidFill>
-                  <a:srgbClr val="FFFF00"/>
-                </a:solidFill>
-              </a:rPr>
-              <a:t>Vorrei segnalare questo sito </a:t>
-            </a:r>
-            <a:r>
-              <a:rPr lang="it-IT" sz="2000" b="1" i="1" dirty="0">
-                <a:solidFill>
-                  <a:srgbClr val="FFFF00"/>
-                </a:solidFill>
-                <a:hlinkClick r:id="rId2">
-                  <a:extLst>
-                    <a:ext uri="{A12FA001-AC4F-418D-AE19-62706E023703}">
-                      <ahyp:hlinkClr xmlns:ahyp="http://schemas.microsoft.com/office/drawing/2018/hyperlinkcolor" val="tx"/>
-                    </a:ext>
-                  </a:extLst>
-                </a:hlinkClick>
-              </a:rPr>
-              <a:t>http://robyp.x10host.com/3/</a:t>
-            </a:r>
-            <a:r>
-              <a:rPr lang="it-IT" sz="2000" b="1" i="1" dirty="0">
-                <a:solidFill>
-                  <a:srgbClr val="FFFF00"/>
-                </a:solidFill>
-              </a:rPr>
-              <a:t> che offre help per caratteristiche avanzate di Python (in genere non presenti nei manuali che si trovano).</a:t>
+              <a:rPr lang="it-IT" sz="1600" b="1" dirty="0" err="1">
+                <a:solidFill>
+                  <a:srgbClr val="FFFF00"/>
+                </a:solidFill>
+                <a:effectLst/>
+                <a:latin typeface="Consolas" panose="020B0609020204030204" pitchFamily="49" charset="0"/>
+              </a:rPr>
+              <a:t>def</a:t>
+            </a:r>
+            <a:r>
+              <a:rPr lang="it-IT" sz="1600" b="1" dirty="0">
+                <a:solidFill>
+                  <a:srgbClr val="FFFF00"/>
+                </a:solidFill>
+                <a:effectLst/>
+                <a:latin typeface="Consolas" panose="020B0609020204030204" pitchFamily="49" charset="0"/>
+              </a:rPr>
+              <a:t> plot(</a:t>
+            </a:r>
+            <a:r>
+              <a:rPr lang="it-IT" sz="1600" b="1" dirty="0" err="1">
+                <a:solidFill>
+                  <a:srgbClr val="FFFF00"/>
+                </a:solidFill>
+                <a:effectLst/>
+                <a:latin typeface="Consolas" panose="020B0609020204030204" pitchFamily="49" charset="0"/>
+              </a:rPr>
+              <a:t>ingd</a:t>
+            </a:r>
+            <a:r>
+              <a:rPr lang="it-IT" sz="1600" b="1" dirty="0">
+                <a:solidFill>
+                  <a:srgbClr val="FFFF00"/>
+                </a:solidFill>
+                <a:effectLst/>
+                <a:latin typeface="Consolas" panose="020B0609020204030204" pitchFamily="49" charset="0"/>
+              </a:rPr>
+              <a:t>,**</a:t>
+            </a:r>
+            <a:r>
+              <a:rPr lang="it-IT" sz="1600" b="1" dirty="0" err="1">
+                <a:solidFill>
+                  <a:srgbClr val="FFFF00"/>
+                </a:solidFill>
+                <a:effectLst/>
+                <a:latin typeface="Consolas" panose="020B0609020204030204" pitchFamily="49" charset="0"/>
+              </a:rPr>
+              <a:t>plotpar</a:t>
+            </a:r>
+            <a:r>
+              <a:rPr lang="it-IT" sz="1600" b="1" dirty="0">
+                <a:solidFill>
+                  <a:srgbClr val="FFFF00"/>
+                </a:solidFill>
+                <a:effectLst/>
+                <a:latin typeface="Consolas" panose="020B0609020204030204" pitchFamily="49" charset="0"/>
+              </a:rPr>
+              <a:t>):</a:t>
+            </a:r>
+          </a:p>
+          <a:p>
+            <a:r>
+              <a:rPr lang="it-IT" sz="1600" b="1" dirty="0">
+                <a:solidFill>
+                  <a:srgbClr val="FFFF00"/>
+                </a:solidFill>
+                <a:effectLst/>
+                <a:latin typeface="Consolas" panose="020B0609020204030204" pitchFamily="49" charset="0"/>
+              </a:rPr>
+              <a:t>    </a:t>
+            </a:r>
+            <a:r>
+              <a:rPr lang="it-IT" sz="1600" b="1" dirty="0" err="1">
+                <a:solidFill>
+                  <a:srgbClr val="FFFF00"/>
+                </a:solidFill>
+                <a:effectLst/>
+                <a:latin typeface="Consolas" panose="020B0609020204030204" pitchFamily="49" charset="0"/>
+              </a:rPr>
+              <a:t>ingd</a:t>
+            </a:r>
+            <a:r>
+              <a:rPr lang="it-IT" sz="1600" b="1" dirty="0">
+                <a:solidFill>
+                  <a:srgbClr val="FFFF00"/>
+                </a:solidFill>
+                <a:effectLst/>
+                <a:latin typeface="Consolas" panose="020B0609020204030204" pitchFamily="49" charset="0"/>
+              </a:rPr>
+              <a:t>   input </a:t>
+            </a:r>
+            <a:r>
+              <a:rPr lang="it-IT" sz="1600" b="1" dirty="0" err="1">
+                <a:solidFill>
+                  <a:srgbClr val="FFFF00"/>
+                </a:solidFill>
+                <a:effectLst/>
+                <a:latin typeface="Consolas" panose="020B0609020204030204" pitchFamily="49" charset="0"/>
+              </a:rPr>
+              <a:t>gd</a:t>
+            </a:r>
+            <a:r>
+              <a:rPr lang="it-IT" sz="1600" b="1" dirty="0">
+                <a:solidFill>
+                  <a:srgbClr val="FFFF00"/>
+                </a:solidFill>
+                <a:effectLst/>
+                <a:latin typeface="Consolas" panose="020B0609020204030204" pitchFamily="49" charset="0"/>
+              </a:rPr>
+              <a:t> or array</a:t>
+            </a:r>
+          </a:p>
+          <a:p>
+            <a:r>
+              <a:rPr lang="it-IT" sz="1600" b="1" dirty="0">
+                <a:solidFill>
+                  <a:srgbClr val="FFFF00"/>
+                </a:solidFill>
+                <a:effectLst/>
+                <a:latin typeface="Consolas" panose="020B0609020204030204" pitchFamily="49" charset="0"/>
+              </a:rPr>
+              <a:t>    x      </a:t>
+            </a:r>
+            <a:r>
+              <a:rPr lang="it-IT" sz="1600" b="1" dirty="0" err="1">
+                <a:solidFill>
+                  <a:srgbClr val="FFFF00"/>
+                </a:solidFill>
+                <a:effectLst/>
+                <a:latin typeface="Consolas" panose="020B0609020204030204" pitchFamily="49" charset="0"/>
+              </a:rPr>
+              <a:t>changed</a:t>
+            </a:r>
+            <a:r>
+              <a:rPr lang="it-IT" sz="1600" b="1" dirty="0">
+                <a:solidFill>
+                  <a:srgbClr val="FFFF00"/>
+                </a:solidFill>
+                <a:effectLst/>
+                <a:latin typeface="Consolas" panose="020B0609020204030204" pitchFamily="49" charset="0"/>
+              </a:rPr>
+              <a:t> x</a:t>
+            </a:r>
+          </a:p>
+          <a:p>
+            <a:br>
+              <a:rPr lang="it-IT" sz="1600" b="1" dirty="0">
+                <a:solidFill>
+                  <a:srgbClr val="FFFF00"/>
+                </a:solidFill>
+                <a:effectLst/>
+                <a:latin typeface="Consolas" panose="020B0609020204030204" pitchFamily="49" charset="0"/>
+              </a:rPr>
+            </a:br>
+            <a:r>
+              <a:rPr lang="it-IT" sz="1600" b="1" dirty="0">
+                <a:solidFill>
+                  <a:srgbClr val="FFFF00"/>
+                </a:solidFill>
+                <a:effectLst/>
+                <a:latin typeface="Consolas" panose="020B0609020204030204" pitchFamily="49" charset="0"/>
+              </a:rPr>
+              <a:t>    keywords:</a:t>
+            </a:r>
+          </a:p>
+          <a:p>
+            <a:r>
+              <a:rPr lang="it-IT" sz="1600" b="1" dirty="0">
+                <a:solidFill>
+                  <a:srgbClr val="FFFF00"/>
+                </a:solidFill>
+                <a:effectLst/>
+                <a:latin typeface="Consolas" panose="020B0609020204030204" pitchFamily="49" charset="0"/>
+              </a:rPr>
+              <a:t>        more=1          no </a:t>
+            </a:r>
+            <a:r>
+              <a:rPr lang="it-IT" sz="1600" b="1" dirty="0" err="1">
+                <a:solidFill>
+                  <a:srgbClr val="FFFF00"/>
+                </a:solidFill>
+                <a:effectLst/>
+                <a:latin typeface="Consolas" panose="020B0609020204030204" pitchFamily="49" charset="0"/>
+              </a:rPr>
+              <a:t>newfig</a:t>
+            </a:r>
+            <a:endParaRPr lang="it-IT" sz="1600" b="1" dirty="0">
+              <a:solidFill>
+                <a:srgbClr val="FFFF00"/>
+              </a:solidFill>
+              <a:effectLst/>
+              <a:latin typeface="Consolas" panose="020B0609020204030204" pitchFamily="49" charset="0"/>
+            </a:endParaRPr>
+          </a:p>
+          <a:p>
+            <a:r>
+              <a:rPr lang="it-IT" sz="1600" b="1" dirty="0">
+                <a:solidFill>
+                  <a:srgbClr val="FFFF00"/>
+                </a:solidFill>
+                <a:effectLst/>
+                <a:latin typeface="Consolas" panose="020B0609020204030204" pitchFamily="49" charset="0"/>
+              </a:rPr>
+              <a:t>        mode='step'</a:t>
+            </a:r>
+          </a:p>
+          <a:p>
+            <a:r>
+              <a:rPr lang="it-IT" sz="1600" b="1" dirty="0">
+                <a:solidFill>
+                  <a:srgbClr val="FFFF00"/>
+                </a:solidFill>
+                <a:effectLst/>
+                <a:latin typeface="Consolas" panose="020B0609020204030204" pitchFamily="49" charset="0"/>
+              </a:rPr>
+              <a:t>        mode='</a:t>
+            </a:r>
+            <a:r>
+              <a:rPr lang="it-IT" sz="1600" b="1" dirty="0" err="1">
+                <a:solidFill>
+                  <a:srgbClr val="FFFF00"/>
+                </a:solidFill>
+                <a:effectLst/>
+                <a:latin typeface="Consolas" panose="020B0609020204030204" pitchFamily="49" charset="0"/>
+              </a:rPr>
+              <a:t>scatter</a:t>
+            </a:r>
+            <a:r>
+              <a:rPr lang="it-IT" sz="1600" b="1" dirty="0">
+                <a:solidFill>
+                  <a:srgbClr val="FFFF00"/>
+                </a:solidFill>
+                <a:effectLst/>
+                <a:latin typeface="Consolas" panose="020B0609020204030204" pitchFamily="49" charset="0"/>
+              </a:rPr>
+              <a:t>'</a:t>
+            </a:r>
+          </a:p>
+          <a:p>
+            <a:r>
+              <a:rPr lang="it-IT" sz="1600" b="1" dirty="0">
+                <a:solidFill>
+                  <a:srgbClr val="FFFF00"/>
+                </a:solidFill>
+                <a:effectLst/>
+                <a:latin typeface="Consolas" panose="020B0609020204030204" pitchFamily="49" charset="0"/>
+              </a:rPr>
+              <a:t>        </a:t>
+            </a:r>
+            <a:r>
+              <a:rPr lang="it-IT" sz="1600" b="1" dirty="0" err="1">
+                <a:solidFill>
+                  <a:srgbClr val="FFFF00"/>
+                </a:solidFill>
+                <a:effectLst/>
+                <a:latin typeface="Consolas" panose="020B0609020204030204" pitchFamily="49" charset="0"/>
+              </a:rPr>
+              <a:t>xlog</a:t>
+            </a:r>
+            <a:r>
+              <a:rPr lang="it-IT" sz="1600" b="1" dirty="0">
+                <a:solidFill>
+                  <a:srgbClr val="FFFF00"/>
+                </a:solidFill>
+                <a:effectLst/>
+                <a:latin typeface="Consolas" panose="020B0609020204030204" pitchFamily="49" charset="0"/>
+              </a:rPr>
+              <a:t>=1</a:t>
+            </a:r>
+          </a:p>
+          <a:p>
+            <a:r>
+              <a:rPr lang="it-IT" sz="1600" b="1" dirty="0">
+                <a:solidFill>
+                  <a:srgbClr val="FFFF00"/>
+                </a:solidFill>
+                <a:effectLst/>
+                <a:latin typeface="Consolas" panose="020B0609020204030204" pitchFamily="49" charset="0"/>
+              </a:rPr>
+              <a:t>        </a:t>
+            </a:r>
+            <a:r>
+              <a:rPr lang="it-IT" sz="1600" b="1" dirty="0" err="1">
+                <a:solidFill>
+                  <a:srgbClr val="FFFF00"/>
+                </a:solidFill>
+                <a:effectLst/>
+                <a:latin typeface="Consolas" panose="020B0609020204030204" pitchFamily="49" charset="0"/>
+              </a:rPr>
+              <a:t>ylog</a:t>
+            </a:r>
+            <a:r>
+              <a:rPr lang="it-IT" sz="1600" b="1" dirty="0">
+                <a:solidFill>
+                  <a:srgbClr val="FFFF00"/>
+                </a:solidFill>
+                <a:effectLst/>
+                <a:latin typeface="Consolas" panose="020B0609020204030204" pitchFamily="49" charset="0"/>
+              </a:rPr>
+              <a:t>=1</a:t>
+            </a:r>
+          </a:p>
+          <a:p>
+            <a:r>
+              <a:rPr lang="it-IT" sz="1600" b="1" dirty="0">
+                <a:solidFill>
+                  <a:srgbClr val="FFFF00"/>
+                </a:solidFill>
+                <a:effectLst/>
+                <a:latin typeface="Consolas" panose="020B0609020204030204" pitchFamily="49" charset="0"/>
+              </a:rPr>
+              <a:t>        </a:t>
+            </a:r>
+            <a:r>
+              <a:rPr lang="it-IT" sz="1600" b="1" dirty="0" err="1">
+                <a:solidFill>
+                  <a:srgbClr val="FFFF00"/>
+                </a:solidFill>
+                <a:effectLst/>
+                <a:latin typeface="Consolas" panose="020B0609020204030204" pitchFamily="49" charset="0"/>
+              </a:rPr>
+              <a:t>loglog</a:t>
+            </a:r>
+            <a:r>
+              <a:rPr lang="it-IT" sz="1600" b="1" dirty="0">
+                <a:solidFill>
+                  <a:srgbClr val="FFFF00"/>
+                </a:solidFill>
+                <a:effectLst/>
+                <a:latin typeface="Consolas" panose="020B0609020204030204" pitchFamily="49" charset="0"/>
+              </a:rPr>
+              <a:t>=1</a:t>
+            </a:r>
+          </a:p>
+          <a:p>
+            <a:r>
+              <a:rPr lang="it-IT" sz="1600" b="1" dirty="0">
+                <a:solidFill>
+                  <a:srgbClr val="FFFF00"/>
+                </a:solidFill>
+                <a:effectLst/>
+                <a:latin typeface="Consolas" panose="020B0609020204030204" pitchFamily="49" charset="0"/>
+              </a:rPr>
+              <a:t>        </a:t>
+            </a:r>
+            <a:r>
+              <a:rPr lang="it-IT" sz="1600" b="1" dirty="0" err="1">
+                <a:solidFill>
+                  <a:srgbClr val="FFFF00"/>
+                </a:solidFill>
+                <a:effectLst/>
+                <a:latin typeface="Consolas" panose="020B0609020204030204" pitchFamily="49" charset="0"/>
+              </a:rPr>
+              <a:t>plmodif</a:t>
+            </a:r>
+            <a:r>
+              <a:rPr lang="it-IT" sz="1600" b="1" dirty="0">
+                <a:solidFill>
+                  <a:srgbClr val="FFFF00"/>
+                </a:solidFill>
+                <a:effectLst/>
+                <a:latin typeface="Consolas" panose="020B0609020204030204" pitchFamily="49" charset="0"/>
+              </a:rPr>
+              <a:t>         plot </a:t>
+            </a:r>
+            <a:r>
+              <a:rPr lang="it-IT" sz="1600" b="1" dirty="0" err="1">
+                <a:solidFill>
+                  <a:srgbClr val="FFFF00"/>
+                </a:solidFill>
+                <a:effectLst/>
+                <a:latin typeface="Consolas" panose="020B0609020204030204" pitchFamily="49" charset="0"/>
+              </a:rPr>
+              <a:t>modifier</a:t>
+            </a:r>
+            <a:r>
+              <a:rPr lang="it-IT" sz="1600" b="1" dirty="0">
+                <a:solidFill>
+                  <a:srgbClr val="FFFF00"/>
+                </a:solidFill>
+                <a:effectLst/>
+                <a:latin typeface="Consolas" panose="020B0609020204030204" pitchFamily="49" charset="0"/>
+              </a:rPr>
+              <a:t> (es.: 'r+', </a:t>
+            </a:r>
+          </a:p>
+          <a:p>
+            <a:r>
+              <a:rPr lang="it-IT" sz="1600" b="1" dirty="0">
+                <a:solidFill>
+                  <a:srgbClr val="FFFF00"/>
+                </a:solidFill>
+                <a:effectLst/>
+                <a:latin typeface="Consolas" panose="020B0609020204030204" pitchFamily="49" charset="0"/>
+              </a:rPr>
+              <a:t>                        </a:t>
+            </a:r>
+            <a:r>
+              <a:rPr lang="it-IT" sz="1600" b="1" dirty="0" err="1">
+                <a:solidFill>
+                  <a:srgbClr val="FFFF00"/>
+                </a:solidFill>
+                <a:effectLst/>
+                <a:latin typeface="Consolas" panose="020B0609020204030204" pitchFamily="49" charset="0"/>
+              </a:rPr>
+              <a:t>see</a:t>
+            </a:r>
+            <a:r>
+              <a:rPr lang="it-IT" sz="1600" b="1" dirty="0">
+                <a:solidFill>
+                  <a:srgbClr val="FFFF00"/>
+                </a:solidFill>
+                <a:effectLst/>
+                <a:latin typeface="Consolas" panose="020B0609020204030204" pitchFamily="49" charset="0"/>
+              </a:rPr>
+              <a:t> https://matplotlib.org/2.1.1/api/_</a:t>
+            </a:r>
+            <a:r>
+              <a:rPr lang="it-IT" sz="1600" b="1" dirty="0" err="1">
+                <a:solidFill>
+                  <a:srgbClr val="FFFF00"/>
+                </a:solidFill>
+                <a:effectLst/>
+                <a:latin typeface="Consolas" panose="020B0609020204030204" pitchFamily="49" charset="0"/>
+              </a:rPr>
+              <a:t>as_gen</a:t>
+            </a:r>
+            <a:r>
+              <a:rPr lang="it-IT" sz="1600" b="1" dirty="0">
+                <a:solidFill>
+                  <a:srgbClr val="FFFF00"/>
+                </a:solidFill>
+                <a:effectLst/>
+                <a:latin typeface="Consolas" panose="020B0609020204030204" pitchFamily="49" charset="0"/>
+              </a:rPr>
+              <a:t>/matplotlib.pyplot.plot.html)</a:t>
+            </a:r>
+          </a:p>
+          <a:p>
+            <a:r>
+              <a:rPr lang="it-IT" sz="1600" b="1" dirty="0">
+                <a:solidFill>
+                  <a:srgbClr val="FFFF00"/>
+                </a:solidFill>
+                <a:effectLst/>
+                <a:latin typeface="Consolas" panose="020B0609020204030204" pitchFamily="49" charset="0"/>
+              </a:rPr>
+              <a:t>        x=array         </a:t>
+            </a:r>
+            <a:r>
+              <a:rPr lang="it-IT" sz="1600" b="1" dirty="0" err="1">
+                <a:solidFill>
+                  <a:srgbClr val="FFFF00"/>
+                </a:solidFill>
+                <a:effectLst/>
+                <a:latin typeface="Consolas" panose="020B0609020204030204" pitchFamily="49" charset="0"/>
+              </a:rPr>
+              <a:t>abscissa</a:t>
+            </a:r>
+            <a:r>
+              <a:rPr lang="it-IT" sz="1600" b="1" dirty="0">
+                <a:solidFill>
+                  <a:srgbClr val="FFFF00"/>
+                </a:solidFill>
+                <a:effectLst/>
+                <a:latin typeface="Consolas" panose="020B0609020204030204" pitchFamily="49" charset="0"/>
+              </a:rPr>
+              <a:t> </a:t>
+            </a:r>
+            <a:r>
+              <a:rPr lang="it-IT" sz="1600" b="1" dirty="0" err="1">
+                <a:solidFill>
+                  <a:srgbClr val="FFFF00"/>
+                </a:solidFill>
+                <a:effectLst/>
+                <a:latin typeface="Consolas" panose="020B0609020204030204" pitchFamily="49" charset="0"/>
+              </a:rPr>
+              <a:t>modification</a:t>
+            </a:r>
+            <a:endParaRPr lang="it-IT" sz="1600" b="1" dirty="0">
+              <a:solidFill>
+                <a:srgbClr val="FFFF00"/>
+              </a:solidFill>
+              <a:effectLst/>
+              <a:latin typeface="Consolas" panose="020B0609020204030204" pitchFamily="49" charset="0"/>
+            </a:endParaRPr>
+          </a:p>
+          <a:p>
+            <a:r>
+              <a:rPr lang="it-IT" sz="1600" b="1" dirty="0">
+                <a:solidFill>
+                  <a:srgbClr val="FFFF00"/>
+                </a:solidFill>
+                <a:effectLst/>
+                <a:latin typeface="Consolas" panose="020B0609020204030204" pitchFamily="49" charset="0"/>
+              </a:rPr>
+              <a:t>        </a:t>
+            </a:r>
+            <a:r>
+              <a:rPr lang="it-IT" sz="1600" b="1" dirty="0" err="1">
+                <a:solidFill>
+                  <a:srgbClr val="FFFF00"/>
+                </a:solidFill>
+                <a:effectLst/>
+                <a:latin typeface="Consolas" panose="020B0609020204030204" pitchFamily="49" charset="0"/>
+              </a:rPr>
+              <a:t>fmt</a:t>
+            </a:r>
+            <a:r>
+              <a:rPr lang="it-IT" sz="1600" b="1" dirty="0">
+                <a:solidFill>
+                  <a:srgbClr val="FFFF00"/>
+                </a:solidFill>
+                <a:effectLst/>
+                <a:latin typeface="Consolas" panose="020B0609020204030204" pitchFamily="49" charset="0"/>
+              </a:rPr>
+              <a:t>='</a:t>
+            </a:r>
+            <a:r>
+              <a:rPr lang="it-IT" sz="1600" b="1" dirty="0" err="1">
+                <a:solidFill>
+                  <a:srgbClr val="FFFF00"/>
+                </a:solidFill>
+                <a:effectLst/>
+                <a:latin typeface="Consolas" panose="020B0609020204030204" pitchFamily="49" charset="0"/>
+              </a:rPr>
+              <a:t>r','b</a:t>
+            </a:r>
+            <a:r>
+              <a:rPr lang="it-IT" sz="1600" b="1" dirty="0">
+                <a:solidFill>
+                  <a:srgbClr val="FFFF00"/>
+                </a:solidFill>
+                <a:effectLst/>
+                <a:latin typeface="Consolas" panose="020B0609020204030204" pitchFamily="49" charset="0"/>
+              </a:rPr>
+              <a:t>',... (for step)</a:t>
+            </a:r>
+          </a:p>
+          <a:p>
+            <a:br>
+              <a:rPr lang="it-IT" sz="1600" b="1" dirty="0">
+                <a:solidFill>
+                  <a:srgbClr val="FFFF00"/>
+                </a:solidFill>
+                <a:effectLst/>
+                <a:latin typeface="Consolas" panose="020B0609020204030204" pitchFamily="49" charset="0"/>
+              </a:rPr>
+            </a:br>
+            <a:r>
+              <a:rPr lang="it-IT" sz="1600" b="1" dirty="0">
+                <a:solidFill>
+                  <a:srgbClr val="FFFF00"/>
+                </a:solidFill>
+                <a:effectLst/>
+                <a:latin typeface="Consolas" panose="020B0609020204030204" pitchFamily="49" charset="0"/>
+              </a:rPr>
+              <a:t>        </a:t>
+            </a:r>
+            <a:r>
+              <a:rPr lang="it-IT" sz="1600" b="1" dirty="0" err="1">
+                <a:solidFill>
+                  <a:srgbClr val="FFFF00"/>
+                </a:solidFill>
+                <a:effectLst/>
+                <a:latin typeface="Consolas" panose="020B0609020204030204" pitchFamily="49" charset="0"/>
+              </a:rPr>
+              <a:t>title</a:t>
+            </a:r>
+            <a:r>
+              <a:rPr lang="it-IT" sz="1600" b="1" dirty="0">
+                <a:solidFill>
+                  <a:srgbClr val="FFFF00"/>
+                </a:solidFill>
+                <a:effectLst/>
+                <a:latin typeface="Consolas" panose="020B0609020204030204" pitchFamily="49" charset="0"/>
+              </a:rPr>
+              <a:t>='</a:t>
+            </a:r>
+            <a:r>
+              <a:rPr lang="it-IT" sz="1600" b="1" dirty="0" err="1">
+                <a:solidFill>
+                  <a:srgbClr val="FFFF00"/>
+                </a:solidFill>
+                <a:effectLst/>
+                <a:latin typeface="Consolas" panose="020B0609020204030204" pitchFamily="49" charset="0"/>
+              </a:rPr>
+              <a:t>Something</a:t>
+            </a:r>
+            <a:r>
+              <a:rPr lang="it-IT" sz="1600" b="1" dirty="0">
+                <a:solidFill>
+                  <a:srgbClr val="FFFF00"/>
+                </a:solidFill>
+                <a:effectLst/>
+                <a:latin typeface="Consolas" panose="020B0609020204030204" pitchFamily="49" charset="0"/>
+              </a:rPr>
+              <a:t>'  put a </a:t>
+            </a:r>
+            <a:r>
+              <a:rPr lang="it-IT" sz="1600" b="1" dirty="0" err="1">
+                <a:solidFill>
+                  <a:srgbClr val="FFFF00"/>
+                </a:solidFill>
+                <a:effectLst/>
+                <a:latin typeface="Consolas" panose="020B0609020204030204" pitchFamily="49" charset="0"/>
+              </a:rPr>
+              <a:t>title</a:t>
+            </a:r>
+            <a:endParaRPr lang="it-IT" sz="1600" b="1" dirty="0">
+              <a:solidFill>
+                <a:srgbClr val="FFFF00"/>
+              </a:solidFill>
+              <a:effectLst/>
+              <a:latin typeface="Consolas" panose="020B0609020204030204" pitchFamily="49" charset="0"/>
+            </a:endParaRPr>
+          </a:p>
+          <a:p>
+            <a:r>
+              <a:rPr lang="it-IT" sz="1600" b="1" dirty="0">
+                <a:solidFill>
+                  <a:srgbClr val="FFFF00"/>
+                </a:solidFill>
+                <a:effectLst/>
+                <a:latin typeface="Consolas" panose="020B0609020204030204" pitchFamily="49" charset="0"/>
+              </a:rPr>
+              <a:t>        </a:t>
+            </a:r>
+            <a:r>
+              <a:rPr lang="it-IT" sz="1600" b="1" dirty="0" err="1">
+                <a:solidFill>
+                  <a:srgbClr val="FFFF00"/>
+                </a:solidFill>
+                <a:effectLst/>
+                <a:latin typeface="Consolas" panose="020B0609020204030204" pitchFamily="49" charset="0"/>
+              </a:rPr>
+              <a:t>xlab</a:t>
+            </a:r>
+            <a:r>
+              <a:rPr lang="it-IT" sz="1600" b="1" dirty="0">
+                <a:solidFill>
+                  <a:srgbClr val="FFFF00"/>
+                </a:solidFill>
+                <a:effectLst/>
+                <a:latin typeface="Consolas" panose="020B0609020204030204" pitchFamily="49" charset="0"/>
+              </a:rPr>
+              <a:t>='</a:t>
+            </a:r>
+            <a:r>
+              <a:rPr lang="it-IT" sz="1600" b="1" dirty="0" err="1">
+                <a:solidFill>
+                  <a:srgbClr val="FFFF00"/>
+                </a:solidFill>
+                <a:effectLst/>
+                <a:latin typeface="Consolas" panose="020B0609020204030204" pitchFamily="49" charset="0"/>
+              </a:rPr>
+              <a:t>Something</a:t>
+            </a:r>
+            <a:r>
+              <a:rPr lang="it-IT" sz="1600" b="1" dirty="0">
+                <a:solidFill>
+                  <a:srgbClr val="FFFF00"/>
+                </a:solidFill>
+                <a:effectLst/>
+                <a:latin typeface="Consolas" panose="020B0609020204030204" pitchFamily="49" charset="0"/>
+              </a:rPr>
+              <a:t>'   put a </a:t>
+            </a:r>
+            <a:r>
+              <a:rPr lang="it-IT" sz="1600" b="1" dirty="0" err="1">
+                <a:solidFill>
+                  <a:srgbClr val="FFFF00"/>
+                </a:solidFill>
+                <a:effectLst/>
+                <a:latin typeface="Consolas" panose="020B0609020204030204" pitchFamily="49" charset="0"/>
+              </a:rPr>
+              <a:t>xlabel</a:t>
+            </a:r>
+            <a:endParaRPr lang="it-IT" sz="1600" b="1" dirty="0">
+              <a:solidFill>
+                <a:srgbClr val="FFFF00"/>
+              </a:solidFill>
+              <a:effectLst/>
+              <a:latin typeface="Consolas" panose="020B0609020204030204" pitchFamily="49" charset="0"/>
+            </a:endParaRPr>
+          </a:p>
+          <a:p>
+            <a:r>
+              <a:rPr lang="it-IT" sz="1600" b="1" dirty="0">
+                <a:solidFill>
+                  <a:srgbClr val="FFFF00"/>
+                </a:solidFill>
+                <a:effectLst/>
+                <a:latin typeface="Consolas" panose="020B0609020204030204" pitchFamily="49" charset="0"/>
+              </a:rPr>
+              <a:t>        </a:t>
+            </a:r>
+            <a:r>
+              <a:rPr lang="it-IT" sz="1600" b="1" dirty="0" err="1">
+                <a:solidFill>
+                  <a:srgbClr val="FFFF00"/>
+                </a:solidFill>
+                <a:effectLst/>
+                <a:latin typeface="Consolas" panose="020B0609020204030204" pitchFamily="49" charset="0"/>
+              </a:rPr>
+              <a:t>ylab</a:t>
+            </a:r>
+            <a:r>
+              <a:rPr lang="it-IT" sz="1600" b="1" dirty="0">
+                <a:solidFill>
+                  <a:srgbClr val="FFFF00"/>
+                </a:solidFill>
+                <a:effectLst/>
+                <a:latin typeface="Consolas" panose="020B0609020204030204" pitchFamily="49" charset="0"/>
+              </a:rPr>
+              <a:t>='</a:t>
+            </a:r>
+            <a:r>
+              <a:rPr lang="it-IT" sz="1600" b="1" dirty="0" err="1">
+                <a:solidFill>
+                  <a:srgbClr val="FFFF00"/>
+                </a:solidFill>
+                <a:effectLst/>
+                <a:latin typeface="Consolas" panose="020B0609020204030204" pitchFamily="49" charset="0"/>
+              </a:rPr>
+              <a:t>Something</a:t>
+            </a:r>
+            <a:r>
+              <a:rPr lang="it-IT" sz="1600" b="1" dirty="0">
+                <a:solidFill>
+                  <a:srgbClr val="FFFF00"/>
+                </a:solidFill>
+                <a:effectLst/>
+                <a:latin typeface="Consolas" panose="020B0609020204030204" pitchFamily="49" charset="0"/>
+              </a:rPr>
+              <a:t>'   put a </a:t>
+            </a:r>
+            <a:r>
+              <a:rPr lang="it-IT" sz="1600" b="1" dirty="0" err="1">
+                <a:solidFill>
+                  <a:srgbClr val="FFFF00"/>
+                </a:solidFill>
+                <a:effectLst/>
+                <a:latin typeface="Consolas" panose="020B0609020204030204" pitchFamily="49" charset="0"/>
+              </a:rPr>
+              <a:t>ylabel</a:t>
+            </a:r>
+            <a:endParaRPr lang="it-IT" sz="1600" b="1" dirty="0">
+              <a:solidFill>
+                <a:srgbClr val="FFFF00"/>
+              </a:solidFill>
+              <a:effectLst/>
+              <a:latin typeface="Consolas" panose="020B0609020204030204" pitchFamily="49" charset="0"/>
+            </a:endParaRPr>
+          </a:p>
+          <a:p>
+            <a:br>
+              <a:rPr lang="it-IT" sz="1600" b="1" dirty="0">
+                <a:solidFill>
+                  <a:srgbClr val="FFFF00"/>
+                </a:solidFill>
+                <a:effectLst/>
+                <a:latin typeface="Consolas" panose="020B0609020204030204" pitchFamily="49" charset="0"/>
+              </a:rPr>
+            </a:br>
+            <a:r>
+              <a:rPr lang="it-IT" sz="1600" b="1" dirty="0">
+                <a:solidFill>
+                  <a:srgbClr val="FFFF00"/>
+                </a:solidFill>
+                <a:effectLst/>
+                <a:latin typeface="Consolas" panose="020B0609020204030204" pitchFamily="49" charset="0"/>
+              </a:rPr>
+              <a:t>        label='</a:t>
+            </a:r>
+            <a:r>
+              <a:rPr lang="it-IT" sz="1600" b="1" dirty="0" err="1">
+                <a:solidFill>
+                  <a:srgbClr val="FFFF00"/>
+                </a:solidFill>
+                <a:effectLst/>
+                <a:latin typeface="Consolas" panose="020B0609020204030204" pitchFamily="49" charset="0"/>
+              </a:rPr>
+              <a:t>Something</a:t>
+            </a:r>
+            <a:r>
+              <a:rPr lang="it-IT" sz="1600" b="1" dirty="0">
+                <a:solidFill>
+                  <a:srgbClr val="FFFF00"/>
+                </a:solidFill>
+                <a:effectLst/>
+                <a:latin typeface="Consolas" panose="020B0609020204030204" pitchFamily="49" charset="0"/>
+              </a:rPr>
+              <a:t>'  sets a label to the line</a:t>
+            </a:r>
+          </a:p>
+        </p:txBody>
+      </p:sp>
+      <p:sp>
+        <p:nvSpPr>
+          <p:cNvPr id="4" name="CasellaDiTesto 3">
+            <a:extLst>
+              <a:ext uri="{FF2B5EF4-FFF2-40B4-BE49-F238E27FC236}">
+                <a16:creationId xmlns:a16="http://schemas.microsoft.com/office/drawing/2014/main" id="{2937C794-EAE7-4A3E-AA65-BB9CEF75B401}"/>
+              </a:ext>
+            </a:extLst>
+          </p:cNvPr>
+          <p:cNvSpPr txBox="1"/>
+          <p:nvPr/>
+        </p:nvSpPr>
+        <p:spPr>
+          <a:xfrm>
+            <a:off x="7194619" y="1346479"/>
+            <a:ext cx="3506875" cy="2862322"/>
+          </a:xfrm>
+          <a:prstGeom prst="rect">
+            <a:avLst/>
+          </a:prstGeom>
+          <a:solidFill>
+            <a:schemeClr val="accent3">
+              <a:lumMod val="60000"/>
+              <a:lumOff val="40000"/>
+            </a:schemeClr>
+          </a:solidFill>
+          <a:ln w="44450">
+            <a:solidFill>
+              <a:srgbClr val="FFFF00"/>
+            </a:solidFill>
+          </a:ln>
+        </p:spPr>
+        <p:txBody>
+          <a:bodyPr wrap="square" rtlCol="0">
+            <a:spAutoFit/>
+          </a:bodyPr>
+          <a:lstStyle/>
+          <a:p>
+            <a:r>
+              <a:rPr lang="it-IT" sz="2000" b="1" dirty="0">
+                <a:solidFill>
+                  <a:schemeClr val="accent2">
+                    <a:lumMod val="60000"/>
+                    <a:lumOff val="40000"/>
+                  </a:schemeClr>
+                </a:solidFill>
+              </a:rPr>
+              <a:t>Tutto è gestito da keyword con valori default.</a:t>
+            </a:r>
+          </a:p>
+          <a:p>
+            <a:endParaRPr lang="it-IT" sz="2000" b="1" dirty="0">
+              <a:solidFill>
+                <a:schemeClr val="accent2">
+                  <a:lumMod val="60000"/>
+                  <a:lumOff val="40000"/>
+                </a:schemeClr>
+              </a:solidFill>
+            </a:endParaRPr>
+          </a:p>
+          <a:p>
+            <a:r>
+              <a:rPr lang="it-IT" sz="2000" b="1" dirty="0">
+                <a:solidFill>
+                  <a:schemeClr val="accent2">
+                    <a:lumMod val="60000"/>
+                    <a:lumOff val="40000"/>
+                  </a:schemeClr>
+                </a:solidFill>
+              </a:rPr>
+              <a:t>Ci sono vari </a:t>
+            </a:r>
+            <a:r>
+              <a:rPr lang="it-IT" sz="2000" b="1" dirty="0" err="1">
+                <a:solidFill>
+                  <a:schemeClr val="accent2">
+                    <a:lumMod val="60000"/>
+                    <a:lumOff val="40000"/>
+                  </a:schemeClr>
+                </a:solidFill>
+              </a:rPr>
+              <a:t>wrapper</a:t>
+            </a:r>
+            <a:r>
+              <a:rPr lang="it-IT" sz="2000" b="1" dirty="0">
+                <a:solidFill>
+                  <a:schemeClr val="accent2">
+                    <a:lumMod val="60000"/>
+                    <a:lumOff val="40000"/>
+                  </a:schemeClr>
+                </a:solidFill>
+              </a:rPr>
+              <a:t> che semplificano l’uso:</a:t>
+            </a:r>
+          </a:p>
+          <a:p>
+            <a:pPr marL="342900" indent="-342900">
+              <a:buFont typeface="Arial" panose="020B0604020202020204" pitchFamily="34" charset="0"/>
+              <a:buChar char="•"/>
+            </a:pPr>
+            <a:r>
+              <a:rPr lang="it-IT" sz="2000" b="1" dirty="0" err="1">
+                <a:solidFill>
+                  <a:schemeClr val="accent2">
+                    <a:lumMod val="60000"/>
+                    <a:lumOff val="40000"/>
+                  </a:schemeClr>
+                </a:solidFill>
+              </a:rPr>
+              <a:t>semilogx</a:t>
+            </a:r>
+            <a:endParaRPr lang="it-IT" sz="2000" b="1" dirty="0">
+              <a:solidFill>
+                <a:schemeClr val="accent2">
+                  <a:lumMod val="60000"/>
+                  <a:lumOff val="40000"/>
+                </a:schemeClr>
+              </a:solidFill>
+            </a:endParaRPr>
+          </a:p>
+          <a:p>
+            <a:pPr marL="342900" indent="-342900">
+              <a:buFont typeface="Arial" panose="020B0604020202020204" pitchFamily="34" charset="0"/>
+              <a:buChar char="•"/>
+            </a:pPr>
+            <a:r>
+              <a:rPr lang="it-IT" sz="2000" b="1" dirty="0" err="1">
+                <a:solidFill>
+                  <a:schemeClr val="accent2">
+                    <a:lumMod val="60000"/>
+                    <a:lumOff val="40000"/>
+                  </a:schemeClr>
+                </a:solidFill>
+              </a:rPr>
+              <a:t>semilogy</a:t>
+            </a:r>
+            <a:endParaRPr lang="it-IT" sz="2000" b="1" dirty="0">
+              <a:solidFill>
+                <a:schemeClr val="accent2">
+                  <a:lumMod val="60000"/>
+                  <a:lumOff val="40000"/>
+                </a:schemeClr>
+              </a:solidFill>
+            </a:endParaRPr>
+          </a:p>
+          <a:p>
+            <a:pPr marL="342900" indent="-342900">
+              <a:buFont typeface="Arial" panose="020B0604020202020204" pitchFamily="34" charset="0"/>
+              <a:buChar char="•"/>
+            </a:pPr>
+            <a:r>
+              <a:rPr lang="it-IT" sz="2000" b="1" dirty="0" err="1">
+                <a:solidFill>
+                  <a:schemeClr val="accent2">
+                    <a:lumMod val="60000"/>
+                    <a:lumOff val="40000"/>
+                  </a:schemeClr>
+                </a:solidFill>
+              </a:rPr>
+              <a:t>loglog</a:t>
+            </a:r>
+            <a:endParaRPr lang="it-IT" sz="2000" b="1" dirty="0">
+              <a:solidFill>
+                <a:schemeClr val="accent2">
+                  <a:lumMod val="60000"/>
+                  <a:lumOff val="40000"/>
+                </a:schemeClr>
+              </a:solidFill>
+            </a:endParaRPr>
+          </a:p>
+          <a:p>
+            <a:pPr marL="342900" indent="-342900">
+              <a:buFont typeface="Arial" panose="020B0604020202020204" pitchFamily="34" charset="0"/>
+              <a:buChar char="•"/>
+            </a:pPr>
+            <a:r>
+              <a:rPr lang="it-IT" sz="2000" b="1" dirty="0">
+                <a:solidFill>
+                  <a:schemeClr val="accent2">
+                    <a:lumMod val="60000"/>
+                    <a:lumOff val="40000"/>
+                  </a:schemeClr>
+                </a:solidFill>
+              </a:rPr>
+              <a:t>step</a:t>
             </a:r>
           </a:p>
         </p:txBody>
@@ -19032,6 +20316,490 @@
     <p:extLst>
       <p:ext uri="{BB962C8B-B14F-4D97-AF65-F5344CB8AC3E}">
         <p14:creationId xmlns:p14="http://schemas.microsoft.com/office/powerpoint/2010/main" val="1879440967"/>
+      </p:ext>
+    </p:extLst>
+  </p:cSld>
+  <p:clrMapOvr>
+    <a:masterClrMapping/>
+  </p:clrMapOvr>
+</p:sld>
+</file>
+
+<file path=ppt/slides/slide29.xml><?xml version="1.0" encoding="utf-8"?>
+<p:sld xmlns:a="http://schemas.openxmlformats.org/drawingml/2006/main" xmlns:r="http://schemas.openxmlformats.org/officeDocument/2006/relationships" xmlns:p="http://schemas.openxmlformats.org/presentationml/2006/main">
+  <p:cSld>
+    <p:spTree>
+      <p:nvGrpSpPr>
+        <p:cNvPr id="1" name=""/>
+        <p:cNvGrpSpPr/>
+        <p:nvPr/>
+      </p:nvGrpSpPr>
+      <p:grpSpPr>
+        <a:xfrm>
+          <a:off x="0" y="0"/>
+          <a:ext cx="0" cy="0"/>
+          <a:chOff x="0" y="0"/>
+          <a:chExt cx="0" cy="0"/>
+        </a:xfrm>
+      </p:grpSpPr>
+      <p:sp>
+        <p:nvSpPr>
+          <p:cNvPr id="2" name="Segnaposto numero diapositiva 1">
+            <a:extLst>
+              <a:ext uri="{FF2B5EF4-FFF2-40B4-BE49-F238E27FC236}">
+                <a16:creationId xmlns:a16="http://schemas.microsoft.com/office/drawing/2014/main" id="{FB210142-F8FA-AFFD-83C4-DCDEAE505735}"/>
+              </a:ext>
+            </a:extLst>
+          </p:cNvPr>
+          <p:cNvSpPr>
+            <a:spLocks noGrp="1"/>
+          </p:cNvSpPr>
+          <p:nvPr>
+            <p:ph type="sldNum" sz="quarter" idx="12"/>
+          </p:nvPr>
+        </p:nvSpPr>
+        <p:spPr/>
+        <p:txBody>
+          <a:bodyPr/>
+          <a:lstStyle/>
+          <a:p>
+            <a:pPr marL="0" marR="0" lvl="0" indent="0" algn="r" defTabSz="457200" rtl="0" eaLnBrk="1" fontAlgn="auto" latinLnBrk="0" hangingPunct="1">
+              <a:lnSpc>
+                <a:spcPct val="100000"/>
+              </a:lnSpc>
+              <a:spcBef>
+                <a:spcPts val="0"/>
+              </a:spcBef>
+              <a:spcAft>
+                <a:spcPts val="0"/>
+              </a:spcAft>
+              <a:buClrTx/>
+              <a:buSzTx/>
+              <a:buFontTx/>
+              <a:buNone/>
+              <a:tabLst/>
+              <a:defRPr/>
+            </a:pPr>
+            <a:fld id="{D57F1E4F-1CFF-5643-939E-217C01CDF565}" type="slidenum">
+              <a:rPr kumimoji="0" lang="en-US" sz="3200" b="0" i="0" u="none" strike="noStrike" kern="1200" cap="none" spc="0" normalizeH="0" baseline="0" noProof="0" smtClean="0">
+                <a:ln>
+                  <a:noFill/>
+                </a:ln>
+                <a:solidFill>
+                  <a:srgbClr val="146194">
+                    <a:lumMod val="50000"/>
+                  </a:srgbClr>
+                </a:solidFill>
+                <a:effectLst/>
+                <a:uLnTx/>
+                <a:uFillTx/>
+                <a:latin typeface="Century Gothic" panose="020B0502020202020204"/>
+                <a:ea typeface="+mn-ea"/>
+                <a:cs typeface="+mn-cs"/>
+              </a:rPr>
+              <a:pPr marL="0" marR="0" lvl="0" indent="0" algn="r" defTabSz="457200" rtl="0" eaLnBrk="1" fontAlgn="auto" latinLnBrk="0" hangingPunct="1">
+                <a:lnSpc>
+                  <a:spcPct val="100000"/>
+                </a:lnSpc>
+                <a:spcBef>
+                  <a:spcPts val="0"/>
+                </a:spcBef>
+                <a:spcAft>
+                  <a:spcPts val="0"/>
+                </a:spcAft>
+                <a:buClrTx/>
+                <a:buSzTx/>
+                <a:buFontTx/>
+                <a:buNone/>
+                <a:tabLst/>
+                <a:defRPr/>
+              </a:pPr>
+              <a:t>29</a:t>
+            </a:fld>
+            <a:endParaRPr kumimoji="0" lang="en-US" sz="3200" b="0" i="0" u="none" strike="noStrike" kern="1200" cap="none" spc="0" normalizeH="0" baseline="0" noProof="0" dirty="0">
+              <a:ln>
+                <a:noFill/>
+              </a:ln>
+              <a:solidFill>
+                <a:srgbClr val="146194">
+                  <a:lumMod val="50000"/>
+                </a:srgbClr>
+              </a:solidFill>
+              <a:effectLst/>
+              <a:uLnTx/>
+              <a:uFillTx/>
+              <a:latin typeface="Century Gothic" panose="020B0502020202020204"/>
+              <a:ea typeface="+mn-ea"/>
+              <a:cs typeface="+mn-cs"/>
+            </a:endParaRPr>
+          </a:p>
+        </p:txBody>
+      </p:sp>
+      <p:sp>
+        <p:nvSpPr>
+          <p:cNvPr id="3" name="CasellaDiTesto 2">
+            <a:extLst>
+              <a:ext uri="{FF2B5EF4-FFF2-40B4-BE49-F238E27FC236}">
+                <a16:creationId xmlns:a16="http://schemas.microsoft.com/office/drawing/2014/main" id="{D5D6FA7C-E224-38AB-8F1A-3909D88F9B55}"/>
+              </a:ext>
+            </a:extLst>
+          </p:cNvPr>
+          <p:cNvSpPr txBox="1"/>
+          <p:nvPr/>
+        </p:nvSpPr>
+        <p:spPr>
+          <a:xfrm>
+            <a:off x="592852" y="317212"/>
+            <a:ext cx="10832205" cy="523220"/>
+          </a:xfrm>
+          <a:prstGeom prst="rect">
+            <a:avLst/>
+          </a:prstGeom>
+          <a:noFill/>
+        </p:spPr>
+        <p:txBody>
+          <a:bodyPr wrap="square" rtlCol="0">
+            <a:spAutoFit/>
+          </a:bodyPr>
+          <a:lstStyle/>
+          <a:p>
+            <a:pPr>
+              <a:defRPr/>
+            </a:pPr>
+            <a:r>
+              <a:rPr lang="en-US" sz="2800" b="1" dirty="0" err="1">
+                <a:solidFill>
+                  <a:srgbClr val="FF0000"/>
+                </a:solidFill>
+                <a:latin typeface="Century Gothic" panose="020B0502020202020204"/>
+              </a:rPr>
+              <a:t>Novità</a:t>
+            </a:r>
+            <a:r>
+              <a:rPr lang="en-US" sz="2800" b="1" dirty="0">
+                <a:solidFill>
+                  <a:srgbClr val="FF0000"/>
+                </a:solidFill>
+                <a:latin typeface="Century Gothic" panose="020B0502020202020204"/>
+              </a:rPr>
+              <a:t> per </a:t>
+            </a:r>
+            <a:r>
+              <a:rPr lang="en-US" sz="2800" b="1" dirty="0" err="1">
+                <a:solidFill>
+                  <a:srgbClr val="FF0000"/>
+                </a:solidFill>
+                <a:latin typeface="Century Gothic" panose="020B0502020202020204"/>
+              </a:rPr>
+              <a:t>i</a:t>
+            </a:r>
+            <a:r>
+              <a:rPr lang="en-US" sz="2800" b="1" dirty="0">
+                <a:solidFill>
+                  <a:srgbClr val="FF0000"/>
+                </a:solidFill>
+                <a:latin typeface="Century Gothic" panose="020B0502020202020204"/>
+              </a:rPr>
+              <a:t> </a:t>
+            </a:r>
+            <a:r>
+              <a:rPr lang="en-US" sz="2800" b="1" dirty="0" err="1">
+                <a:solidFill>
+                  <a:srgbClr val="FF0000"/>
+                </a:solidFill>
+                <a:latin typeface="Century Gothic" panose="020B0502020202020204"/>
+              </a:rPr>
+              <a:t>grafici</a:t>
+            </a:r>
+            <a:r>
+              <a:rPr lang="en-US" sz="2800" b="1" dirty="0">
+                <a:solidFill>
+                  <a:srgbClr val="FF0000"/>
+                </a:solidFill>
+                <a:latin typeface="Century Gothic" panose="020B0502020202020204"/>
+              </a:rPr>
+              <a:t>: la </a:t>
+            </a:r>
+            <a:r>
+              <a:rPr lang="en-US" sz="2800" b="1" dirty="0" err="1">
+                <a:solidFill>
+                  <a:srgbClr val="FF0000"/>
+                </a:solidFill>
+                <a:latin typeface="Century Gothic" panose="020B0502020202020204"/>
+              </a:rPr>
+              <a:t>funzione</a:t>
+            </a:r>
+            <a:r>
+              <a:rPr lang="en-US" sz="2800" b="1" dirty="0">
+                <a:solidFill>
+                  <a:srgbClr val="FF0000"/>
+                </a:solidFill>
+                <a:latin typeface="Century Gothic" panose="020B0502020202020204"/>
+              </a:rPr>
+              <a:t> GD2.grey_map</a:t>
+            </a:r>
+            <a:endParaRPr kumimoji="0" lang="it-IT" b="1" i="0" u="none" strike="noStrike" kern="1200" cap="none" spc="0" normalizeH="0" baseline="0" noProof="0" dirty="0">
+              <a:ln>
+                <a:noFill/>
+              </a:ln>
+              <a:solidFill>
+                <a:schemeClr val="accent2">
+                  <a:lumMod val="75000"/>
+                </a:schemeClr>
+              </a:solidFill>
+              <a:effectLst/>
+              <a:uLnTx/>
+              <a:uFillTx/>
+              <a:latin typeface="Century Gothic" panose="020B0502020202020204"/>
+              <a:ea typeface="+mn-ea"/>
+              <a:cs typeface="+mn-cs"/>
+            </a:endParaRPr>
+          </a:p>
+        </p:txBody>
+      </p:sp>
+      <p:sp>
+        <p:nvSpPr>
+          <p:cNvPr id="5" name="CasellaDiTesto 4">
+            <a:extLst>
+              <a:ext uri="{FF2B5EF4-FFF2-40B4-BE49-F238E27FC236}">
+                <a16:creationId xmlns:a16="http://schemas.microsoft.com/office/drawing/2014/main" id="{2BA99E83-FE26-26A4-DA75-2025CAFD8DF8}"/>
+              </a:ext>
+            </a:extLst>
+          </p:cNvPr>
+          <p:cNvSpPr txBox="1"/>
+          <p:nvPr/>
+        </p:nvSpPr>
+        <p:spPr>
+          <a:xfrm>
+            <a:off x="287159" y="1090585"/>
+            <a:ext cx="10952704" cy="646331"/>
+          </a:xfrm>
+          <a:prstGeom prst="rect">
+            <a:avLst/>
+          </a:prstGeom>
+          <a:noFill/>
+        </p:spPr>
+        <p:txBody>
+          <a:bodyPr wrap="square">
+            <a:spAutoFit/>
+          </a:bodyPr>
+          <a:lstStyle/>
+          <a:p>
+            <a:r>
+              <a:rPr lang="it-IT" b="1" dirty="0">
+                <a:solidFill>
+                  <a:srgbClr val="FFFF00"/>
+                </a:solidFill>
+              </a:rPr>
+              <a:t>La funzione </a:t>
+            </a:r>
+            <a:r>
+              <a:rPr lang="it-IT" b="1" dirty="0" err="1">
+                <a:solidFill>
+                  <a:srgbClr val="FFFF00"/>
+                </a:solidFill>
+              </a:rPr>
+              <a:t>grey_map</a:t>
+            </a:r>
+            <a:r>
+              <a:rPr lang="it-IT" b="1" dirty="0">
+                <a:solidFill>
+                  <a:srgbClr val="FFFF00"/>
+                </a:solidFill>
+              </a:rPr>
+              <a:t> è stata potenziata, con </a:t>
+            </a:r>
+            <a:r>
+              <a:rPr lang="it-IT" b="1" dirty="0" err="1">
+                <a:solidFill>
+                  <a:srgbClr val="FFFF00"/>
+                </a:solidFill>
+              </a:rPr>
+              <a:t>colormap</a:t>
+            </a:r>
+            <a:r>
+              <a:rPr lang="it-IT" b="1" dirty="0">
+                <a:solidFill>
+                  <a:srgbClr val="FFFF00"/>
+                </a:solidFill>
+              </a:rPr>
+              <a:t> personalizzabili, e può essere gestita anche senza </a:t>
+            </a:r>
+            <a:r>
+              <a:rPr lang="it-IT" b="1" dirty="0" err="1">
+                <a:solidFill>
+                  <a:srgbClr val="FFFF00"/>
+                </a:solidFill>
+              </a:rPr>
+              <a:t>map_helper</a:t>
+            </a:r>
+            <a:r>
+              <a:rPr lang="it-IT" b="1" dirty="0">
+                <a:solidFill>
+                  <a:srgbClr val="FFFF00"/>
+                </a:solidFill>
+              </a:rPr>
+              <a:t>.</a:t>
+            </a:r>
+          </a:p>
+        </p:txBody>
+      </p:sp>
+      <p:sp>
+        <p:nvSpPr>
+          <p:cNvPr id="7" name="CasellaDiTesto 6">
+            <a:extLst>
+              <a:ext uri="{FF2B5EF4-FFF2-40B4-BE49-F238E27FC236}">
+                <a16:creationId xmlns:a16="http://schemas.microsoft.com/office/drawing/2014/main" id="{31CCEE9F-0C23-93BD-BAD2-4B3E6FD9F8E2}"/>
+              </a:ext>
+            </a:extLst>
+          </p:cNvPr>
+          <p:cNvSpPr txBox="1"/>
+          <p:nvPr/>
+        </p:nvSpPr>
+        <p:spPr>
+          <a:xfrm>
+            <a:off x="287159" y="1932297"/>
+            <a:ext cx="5912675" cy="646331"/>
+          </a:xfrm>
+          <a:prstGeom prst="rect">
+            <a:avLst/>
+          </a:prstGeom>
+          <a:noFill/>
+        </p:spPr>
+        <p:txBody>
+          <a:bodyPr wrap="square" rtlCol="0">
+            <a:spAutoFit/>
+          </a:bodyPr>
+          <a:lstStyle/>
+          <a:p>
+            <a:r>
+              <a:rPr lang="it-IT" b="1" dirty="0"/>
+              <a:t>&gt;&gt;&gt; sp1=GD2.im_cut(sp,[22000,25000],[500,700])</a:t>
+            </a:r>
+          </a:p>
+          <a:p>
+            <a:r>
+              <a:rPr lang="it-IT" b="1" dirty="0"/>
+              <a:t>&gt;&gt;&gt; GD2.grey_map(</a:t>
+            </a:r>
+            <a:r>
+              <a:rPr lang="it-IT" b="1" dirty="0" err="1"/>
+              <a:t>abs</a:t>
+            </a:r>
+            <a:r>
+              <a:rPr lang="it-IT" b="1" dirty="0"/>
+              <a:t>(sp1.y),</a:t>
+            </a:r>
+            <a:r>
+              <a:rPr lang="it-IT" b="1" dirty="0" err="1"/>
+              <a:t>modif</a:t>
+            </a:r>
+            <a:r>
+              <a:rPr lang="it-IT" b="1" dirty="0"/>
+              <a:t>=1,modpar=2)</a:t>
+            </a:r>
+          </a:p>
+        </p:txBody>
+      </p:sp>
+      <p:pic>
+        <p:nvPicPr>
+          <p:cNvPr id="6" name="Immagine 5" descr="Immagine che contiene grafico&#10;&#10;Descrizione generata automaticamente">
+            <a:extLst>
+              <a:ext uri="{FF2B5EF4-FFF2-40B4-BE49-F238E27FC236}">
+                <a16:creationId xmlns:a16="http://schemas.microsoft.com/office/drawing/2014/main" id="{BA6642BF-F618-D472-A01B-CCB9071523E4}"/>
+              </a:ext>
+            </a:extLst>
+          </p:cNvPr>
+          <p:cNvPicPr>
+            <a:picLocks noChangeAspect="1"/>
+          </p:cNvPicPr>
+          <p:nvPr/>
+        </p:nvPicPr>
+        <p:blipFill>
+          <a:blip r:embed="rId2"/>
+          <a:stretch>
+            <a:fillRect/>
+          </a:stretch>
+        </p:blipFill>
+        <p:spPr>
+          <a:xfrm>
+            <a:off x="434350" y="2693626"/>
+            <a:ext cx="6506249" cy="4066406"/>
+          </a:xfrm>
+          <a:prstGeom prst="rect">
+            <a:avLst/>
+          </a:prstGeom>
+        </p:spPr>
+      </p:pic>
+      <p:pic>
+        <p:nvPicPr>
+          <p:cNvPr id="10" name="Immagine 9" descr="Immagine che contiene grafico&#10;&#10;Descrizione generata automaticamente">
+            <a:extLst>
+              <a:ext uri="{FF2B5EF4-FFF2-40B4-BE49-F238E27FC236}">
+                <a16:creationId xmlns:a16="http://schemas.microsoft.com/office/drawing/2014/main" id="{1CBE830A-F835-AE3E-9AAF-461E4F77B107}"/>
+              </a:ext>
+            </a:extLst>
+          </p:cNvPr>
+          <p:cNvPicPr>
+            <a:picLocks noChangeAspect="1"/>
+          </p:cNvPicPr>
+          <p:nvPr/>
+        </p:nvPicPr>
+        <p:blipFill>
+          <a:blip r:embed="rId3"/>
+          <a:stretch>
+            <a:fillRect/>
+          </a:stretch>
+        </p:blipFill>
+        <p:spPr>
+          <a:xfrm>
+            <a:off x="6812782" y="3224832"/>
+            <a:ext cx="5305530" cy="3315957"/>
+          </a:xfrm>
+          <a:prstGeom prst="rect">
+            <a:avLst/>
+          </a:prstGeom>
+        </p:spPr>
+      </p:pic>
+      <p:sp>
+        <p:nvSpPr>
+          <p:cNvPr id="11" name="CasellaDiTesto 10">
+            <a:extLst>
+              <a:ext uri="{FF2B5EF4-FFF2-40B4-BE49-F238E27FC236}">
+                <a16:creationId xmlns:a16="http://schemas.microsoft.com/office/drawing/2014/main" id="{3B763BF3-2CEC-1AC8-A640-8BEEFE89FD34}"/>
+              </a:ext>
+            </a:extLst>
+          </p:cNvPr>
+          <p:cNvSpPr txBox="1"/>
+          <p:nvPr/>
+        </p:nvSpPr>
+        <p:spPr>
+          <a:xfrm>
+            <a:off x="8943033" y="2747777"/>
+            <a:ext cx="1497204" cy="369332"/>
+          </a:xfrm>
+          <a:prstGeom prst="rect">
+            <a:avLst/>
+          </a:prstGeom>
+          <a:noFill/>
+        </p:spPr>
+        <p:txBody>
+          <a:bodyPr wrap="square" rtlCol="0">
+            <a:spAutoFit/>
+          </a:bodyPr>
+          <a:lstStyle/>
+          <a:p>
+            <a:r>
+              <a:rPr lang="it-IT" b="1" dirty="0"/>
+              <a:t>Il log10</a:t>
+            </a:r>
+          </a:p>
+        </p:txBody>
+      </p:sp>
+    </p:spTree>
+    <p:extLst>
+      <p:ext uri="{BB962C8B-B14F-4D97-AF65-F5344CB8AC3E}">
+        <p14:creationId xmlns:p14="http://schemas.microsoft.com/office/powerpoint/2010/main" val="517680360"/>
       </p:ext>
     </p:extLst>
   </p:cSld>
@@ -19479,7 +21247,7 @@
             <a:r>
               <a:rPr lang="en-US" sz="1800" b="1" dirty="0">
                 <a:solidFill>
-                  <a:srgbClr val="FFFF00"/>
+                  <a:srgbClr val="FFC000"/>
                 </a:solidFill>
                 <a:effectLst/>
                 <a:latin typeface="Calibri" panose="020F0502020204030204" pitchFamily="34" charset="0"/>
@@ -19597,8 +21365,8 @@
         </p:nvSpPr>
         <p:spPr>
           <a:xfrm>
-            <a:off x="7505700" y="2407793"/>
-            <a:ext cx="4686300" cy="3726148"/>
+            <a:off x="7505700" y="2589510"/>
+            <a:ext cx="4686300" cy="3264483"/>
           </a:xfrm>
           <a:prstGeom prst="rect">
             <a:avLst/>
@@ -19886,34 +21654,16 @@
               </a:rPr>
               <a:t> e help</a:t>
             </a:r>
-          </a:p>
-          <a:p>
-            <a:pPr>
-              <a:lnSpc>
-                <a:spcPct val="150000"/>
-              </a:lnSpc>
-            </a:pPr>
             <a:r>
               <a:rPr lang="en-US" sz="2000" b="1" dirty="0">
                 <a:solidFill>
-                  <a:srgbClr val="002060"/>
+                  <a:srgbClr val="FFC000"/>
                 </a:solidFill>
                 <a:highlight>
                   <a:srgbClr val="00FFFF"/>
                 </a:highlight>
               </a:rPr>
-              <a:t>  </a:t>
-            </a:r>
-            <a:r>
-              <a:rPr lang="en-US" sz="2000" b="1" dirty="0">
-                <a:solidFill>
-                  <a:srgbClr val="FFC000"/>
-                </a:solidFill>
-                <a:highlight>
-                  <a:srgbClr val="00FFFF"/>
-                </a:highlight>
-              </a:rPr>
-              <a:t>- docs	    Sphinx documentation </a:t>
+              <a:t> </a:t>
             </a:r>
           </a:p>
         </p:txBody>
@@ -20027,6 +21777,1320 @@
     <p:extLst>
       <p:ext uri="{BB962C8B-B14F-4D97-AF65-F5344CB8AC3E}">
         <p14:creationId xmlns:p14="http://schemas.microsoft.com/office/powerpoint/2010/main" val="3804905029"/>
+      </p:ext>
+    </p:extLst>
+  </p:cSld>
+  <p:clrMapOvr>
+    <a:masterClrMapping/>
+  </p:clrMapOvr>
+</p:sld>
+</file>
+
+<file path=ppt/slides/slide30.xml><?xml version="1.0" encoding="utf-8"?>
+<p:sld xmlns:a="http://schemas.openxmlformats.org/drawingml/2006/main" xmlns:r="http://schemas.openxmlformats.org/officeDocument/2006/relationships" xmlns:p="http://schemas.openxmlformats.org/presentationml/2006/main">
+  <p:cSld>
+    <p:spTree>
+      <p:nvGrpSpPr>
+        <p:cNvPr id="1" name=""/>
+        <p:cNvGrpSpPr/>
+        <p:nvPr/>
+      </p:nvGrpSpPr>
+      <p:grpSpPr>
+        <a:xfrm>
+          <a:off x="0" y="0"/>
+          <a:ext cx="0" cy="0"/>
+          <a:chOff x="0" y="0"/>
+          <a:chExt cx="0" cy="0"/>
+        </a:xfrm>
+      </p:grpSpPr>
+      <p:sp>
+        <p:nvSpPr>
+          <p:cNvPr id="2" name="Segnaposto numero diapositiva 1">
+            <a:extLst>
+              <a:ext uri="{FF2B5EF4-FFF2-40B4-BE49-F238E27FC236}">
+                <a16:creationId xmlns:a16="http://schemas.microsoft.com/office/drawing/2014/main" id="{FB210142-F8FA-AFFD-83C4-DCDEAE505735}"/>
+              </a:ext>
+            </a:extLst>
+          </p:cNvPr>
+          <p:cNvSpPr>
+            <a:spLocks noGrp="1"/>
+          </p:cNvSpPr>
+          <p:nvPr>
+            <p:ph type="sldNum" sz="quarter" idx="12"/>
+          </p:nvPr>
+        </p:nvSpPr>
+        <p:spPr/>
+        <p:txBody>
+          <a:bodyPr/>
+          <a:lstStyle/>
+          <a:p>
+            <a:pPr marL="0" marR="0" lvl="0" indent="0" algn="r" defTabSz="457200" rtl="0" eaLnBrk="1" fontAlgn="auto" latinLnBrk="0" hangingPunct="1">
+              <a:lnSpc>
+                <a:spcPct val="100000"/>
+              </a:lnSpc>
+              <a:spcBef>
+                <a:spcPts val="0"/>
+              </a:spcBef>
+              <a:spcAft>
+                <a:spcPts val="0"/>
+              </a:spcAft>
+              <a:buClrTx/>
+              <a:buSzTx/>
+              <a:buFontTx/>
+              <a:buNone/>
+              <a:tabLst/>
+              <a:defRPr/>
+            </a:pPr>
+            <a:fld id="{D57F1E4F-1CFF-5643-939E-217C01CDF565}" type="slidenum">
+              <a:rPr kumimoji="0" lang="en-US" sz="3200" b="0" i="0" u="none" strike="noStrike" kern="1200" cap="none" spc="0" normalizeH="0" baseline="0" noProof="0" smtClean="0">
+                <a:ln>
+                  <a:noFill/>
+                </a:ln>
+                <a:solidFill>
+                  <a:srgbClr val="146194">
+                    <a:lumMod val="50000"/>
+                  </a:srgbClr>
+                </a:solidFill>
+                <a:effectLst/>
+                <a:uLnTx/>
+                <a:uFillTx/>
+                <a:latin typeface="Century Gothic" panose="020B0502020202020204"/>
+                <a:ea typeface="+mn-ea"/>
+                <a:cs typeface="+mn-cs"/>
+              </a:rPr>
+              <a:pPr marL="0" marR="0" lvl="0" indent="0" algn="r" defTabSz="457200" rtl="0" eaLnBrk="1" fontAlgn="auto" latinLnBrk="0" hangingPunct="1">
+                <a:lnSpc>
+                  <a:spcPct val="100000"/>
+                </a:lnSpc>
+                <a:spcBef>
+                  <a:spcPts val="0"/>
+                </a:spcBef>
+                <a:spcAft>
+                  <a:spcPts val="0"/>
+                </a:spcAft>
+                <a:buClrTx/>
+                <a:buSzTx/>
+                <a:buFontTx/>
+                <a:buNone/>
+                <a:tabLst/>
+                <a:defRPr/>
+              </a:pPr>
+              <a:t>30</a:t>
+            </a:fld>
+            <a:endParaRPr kumimoji="0" lang="en-US" sz="3200" b="0" i="0" u="none" strike="noStrike" kern="1200" cap="none" spc="0" normalizeH="0" baseline="0" noProof="0" dirty="0">
+              <a:ln>
+                <a:noFill/>
+              </a:ln>
+              <a:solidFill>
+                <a:srgbClr val="146194">
+                  <a:lumMod val="50000"/>
+                </a:srgbClr>
+              </a:solidFill>
+              <a:effectLst/>
+              <a:uLnTx/>
+              <a:uFillTx/>
+              <a:latin typeface="Century Gothic" panose="020B0502020202020204"/>
+              <a:ea typeface="+mn-ea"/>
+              <a:cs typeface="+mn-cs"/>
+            </a:endParaRPr>
+          </a:p>
+        </p:txBody>
+      </p:sp>
+      <p:sp>
+        <p:nvSpPr>
+          <p:cNvPr id="3" name="CasellaDiTesto 2">
+            <a:extLst>
+              <a:ext uri="{FF2B5EF4-FFF2-40B4-BE49-F238E27FC236}">
+                <a16:creationId xmlns:a16="http://schemas.microsoft.com/office/drawing/2014/main" id="{D5D6FA7C-E224-38AB-8F1A-3909D88F9B55}"/>
+              </a:ext>
+            </a:extLst>
+          </p:cNvPr>
+          <p:cNvSpPr txBox="1"/>
+          <p:nvPr/>
+        </p:nvSpPr>
+        <p:spPr>
+          <a:xfrm>
+            <a:off x="673239" y="341644"/>
+            <a:ext cx="10832205" cy="523220"/>
+          </a:xfrm>
+          <a:prstGeom prst="rect">
+            <a:avLst/>
+          </a:prstGeom>
+          <a:noFill/>
+        </p:spPr>
+        <p:txBody>
+          <a:bodyPr wrap="square" rtlCol="0">
+            <a:spAutoFit/>
+          </a:bodyPr>
+          <a:lstStyle/>
+          <a:p>
+            <a:pPr marL="0" marR="0" lvl="0" indent="0" algn="l" defTabSz="457200" rtl="0" eaLnBrk="1" fontAlgn="auto" latinLnBrk="0" hangingPunct="1">
+              <a:lnSpc>
+                <a:spcPct val="100000"/>
+              </a:lnSpc>
+              <a:spcBef>
+                <a:spcPts val="0"/>
+              </a:spcBef>
+              <a:spcAft>
+                <a:spcPts val="0"/>
+              </a:spcAft>
+              <a:buClrTx/>
+              <a:buSzTx/>
+              <a:buFontTx/>
+              <a:buNone/>
+              <a:tabLst/>
+              <a:defRPr/>
+            </a:pPr>
+            <a:r>
+              <a:rPr lang="en-US" sz="2800" b="1" dirty="0" err="1">
+                <a:solidFill>
+                  <a:srgbClr val="FF0000"/>
+                </a:solidFill>
+                <a:latin typeface="Century Gothic" panose="020B0502020202020204"/>
+              </a:rPr>
+              <a:t>Qualche</a:t>
+            </a:r>
+            <a:r>
+              <a:rPr lang="en-US" sz="2800" b="1" dirty="0">
+                <a:solidFill>
+                  <a:srgbClr val="FF0000"/>
+                </a:solidFill>
+                <a:latin typeface="Century Gothic" panose="020B0502020202020204"/>
+              </a:rPr>
+              <a:t> </a:t>
+            </a:r>
+            <a:r>
+              <a:rPr lang="en-US" sz="2800" b="1" dirty="0" err="1">
+                <a:solidFill>
+                  <a:srgbClr val="FF0000"/>
+                </a:solidFill>
+                <a:latin typeface="Century Gothic" panose="020B0502020202020204"/>
+              </a:rPr>
+              <a:t>altro</a:t>
+            </a:r>
+            <a:r>
+              <a:rPr lang="en-US" sz="2800" b="1" dirty="0">
+                <a:solidFill>
+                  <a:srgbClr val="FF0000"/>
+                </a:solidFill>
+                <a:latin typeface="Century Gothic" panose="020B0502020202020204"/>
+              </a:rPr>
+              <a:t> </a:t>
+            </a:r>
+            <a:r>
+              <a:rPr lang="en-US" sz="2800" b="1" dirty="0" err="1">
+                <a:solidFill>
+                  <a:srgbClr val="FF0000"/>
+                </a:solidFill>
+                <a:latin typeface="Century Gothic" panose="020B0502020202020204"/>
+              </a:rPr>
+              <a:t>tipo</a:t>
+            </a:r>
+            <a:r>
+              <a:rPr lang="en-US" sz="2800" b="1" dirty="0">
+                <a:solidFill>
+                  <a:srgbClr val="FF0000"/>
+                </a:solidFill>
+                <a:latin typeface="Century Gothic" panose="020B0502020202020204"/>
+              </a:rPr>
+              <a:t> di </a:t>
+            </a:r>
+            <a:r>
+              <a:rPr lang="en-US" sz="2800" b="1" dirty="0" err="1">
+                <a:solidFill>
+                  <a:srgbClr val="FF0000"/>
+                </a:solidFill>
+                <a:latin typeface="Century Gothic" panose="020B0502020202020204"/>
+              </a:rPr>
+              <a:t>grafico</a:t>
+            </a:r>
+            <a:r>
+              <a:rPr lang="en-US" sz="2800" b="1" dirty="0">
+                <a:solidFill>
+                  <a:srgbClr val="FF0000"/>
+                </a:solidFill>
+                <a:latin typeface="Century Gothic" panose="020B0502020202020204"/>
+              </a:rPr>
+              <a:t> </a:t>
+            </a:r>
+            <a:r>
+              <a:rPr lang="en-US" sz="2800" b="1" dirty="0" err="1">
+                <a:solidFill>
+                  <a:srgbClr val="FF0000"/>
+                </a:solidFill>
+                <a:latin typeface="Century Gothic" panose="020B0502020202020204"/>
+              </a:rPr>
+              <a:t>realizzato</a:t>
+            </a:r>
+            <a:r>
+              <a:rPr lang="en-US" sz="2800" b="1" dirty="0">
+                <a:solidFill>
+                  <a:srgbClr val="FF0000"/>
+                </a:solidFill>
+                <a:latin typeface="Century Gothic" panose="020B0502020202020204"/>
+              </a:rPr>
+              <a:t>: scatter plot semplice</a:t>
+            </a:r>
+            <a:endParaRPr kumimoji="0" lang="it-IT" b="1" i="0" u="none" strike="noStrike" kern="1200" cap="none" spc="0" normalizeH="0" baseline="0" noProof="0" dirty="0">
+              <a:ln>
+                <a:noFill/>
+              </a:ln>
+              <a:solidFill>
+                <a:schemeClr val="accent2">
+                  <a:lumMod val="75000"/>
+                </a:schemeClr>
+              </a:solidFill>
+              <a:effectLst/>
+              <a:uLnTx/>
+              <a:uFillTx/>
+              <a:latin typeface="Century Gothic" panose="020B0502020202020204"/>
+              <a:ea typeface="+mn-ea"/>
+              <a:cs typeface="+mn-cs"/>
+            </a:endParaRPr>
+          </a:p>
+        </p:txBody>
+      </p:sp>
+      <p:pic>
+        <p:nvPicPr>
+          <p:cNvPr id="5" name="Immagine 4" descr="Immagine che contiene testo, diagramma, linea, Diagramma&#10;&#10;Descrizione generata automaticamente">
+            <a:extLst>
+              <a:ext uri="{FF2B5EF4-FFF2-40B4-BE49-F238E27FC236}">
+                <a16:creationId xmlns:a16="http://schemas.microsoft.com/office/drawing/2014/main" id="{F5FC3D34-3DC3-73D8-52B2-821E9003B2C9}"/>
+              </a:ext>
+            </a:extLst>
+          </p:cNvPr>
+          <p:cNvPicPr>
+            <a:picLocks noChangeAspect="1"/>
+          </p:cNvPicPr>
+          <p:nvPr/>
+        </p:nvPicPr>
+        <p:blipFill>
+          <a:blip r:embed="rId2"/>
+          <a:stretch>
+            <a:fillRect/>
+          </a:stretch>
+        </p:blipFill>
+        <p:spPr>
+          <a:xfrm>
+            <a:off x="1463710" y="1145930"/>
+            <a:ext cx="8785609" cy="5491006"/>
+          </a:xfrm>
+          <a:prstGeom prst="rect">
+            <a:avLst/>
+          </a:prstGeom>
+        </p:spPr>
+      </p:pic>
+    </p:spTree>
+    <p:extLst>
+      <p:ext uri="{BB962C8B-B14F-4D97-AF65-F5344CB8AC3E}">
+        <p14:creationId xmlns:p14="http://schemas.microsoft.com/office/powerpoint/2010/main" val="1350480639"/>
+      </p:ext>
+    </p:extLst>
+  </p:cSld>
+  <p:clrMapOvr>
+    <a:masterClrMapping/>
+  </p:clrMapOvr>
+</p:sld>
+</file>
+
+<file path=ppt/slides/slide31.xml><?xml version="1.0" encoding="utf-8"?>
+<p:sld xmlns:a="http://schemas.openxmlformats.org/drawingml/2006/main" xmlns:r="http://schemas.openxmlformats.org/officeDocument/2006/relationships" xmlns:p="http://schemas.openxmlformats.org/presentationml/2006/main">
+  <p:cSld>
+    <p:spTree>
+      <p:nvGrpSpPr>
+        <p:cNvPr id="1" name=""/>
+        <p:cNvGrpSpPr/>
+        <p:nvPr/>
+      </p:nvGrpSpPr>
+      <p:grpSpPr>
+        <a:xfrm>
+          <a:off x="0" y="0"/>
+          <a:ext cx="0" cy="0"/>
+          <a:chOff x="0" y="0"/>
+          <a:chExt cx="0" cy="0"/>
+        </a:xfrm>
+      </p:grpSpPr>
+      <p:sp>
+        <p:nvSpPr>
+          <p:cNvPr id="2" name="Segnaposto numero diapositiva 1">
+            <a:extLst>
+              <a:ext uri="{FF2B5EF4-FFF2-40B4-BE49-F238E27FC236}">
+                <a16:creationId xmlns:a16="http://schemas.microsoft.com/office/drawing/2014/main" id="{FB210142-F8FA-AFFD-83C4-DCDEAE505735}"/>
+              </a:ext>
+            </a:extLst>
+          </p:cNvPr>
+          <p:cNvSpPr>
+            <a:spLocks noGrp="1"/>
+          </p:cNvSpPr>
+          <p:nvPr>
+            <p:ph type="sldNum" sz="quarter" idx="12"/>
+          </p:nvPr>
+        </p:nvSpPr>
+        <p:spPr/>
+        <p:txBody>
+          <a:bodyPr/>
+          <a:lstStyle/>
+          <a:p>
+            <a:pPr marL="0" marR="0" lvl="0" indent="0" algn="r" defTabSz="457200" rtl="0" eaLnBrk="1" fontAlgn="auto" latinLnBrk="0" hangingPunct="1">
+              <a:lnSpc>
+                <a:spcPct val="100000"/>
+              </a:lnSpc>
+              <a:spcBef>
+                <a:spcPts val="0"/>
+              </a:spcBef>
+              <a:spcAft>
+                <a:spcPts val="0"/>
+              </a:spcAft>
+              <a:buClrTx/>
+              <a:buSzTx/>
+              <a:buFontTx/>
+              <a:buNone/>
+              <a:tabLst/>
+              <a:defRPr/>
+            </a:pPr>
+            <a:fld id="{D57F1E4F-1CFF-5643-939E-217C01CDF565}" type="slidenum">
+              <a:rPr kumimoji="0" lang="en-US" sz="3200" b="0" i="0" u="none" strike="noStrike" kern="1200" cap="none" spc="0" normalizeH="0" baseline="0" noProof="0" smtClean="0">
+                <a:ln>
+                  <a:noFill/>
+                </a:ln>
+                <a:solidFill>
+                  <a:srgbClr val="146194">
+                    <a:lumMod val="50000"/>
+                  </a:srgbClr>
+                </a:solidFill>
+                <a:effectLst/>
+                <a:uLnTx/>
+                <a:uFillTx/>
+                <a:latin typeface="Century Gothic" panose="020B0502020202020204"/>
+                <a:ea typeface="+mn-ea"/>
+                <a:cs typeface="+mn-cs"/>
+              </a:rPr>
+              <a:pPr marL="0" marR="0" lvl="0" indent="0" algn="r" defTabSz="457200" rtl="0" eaLnBrk="1" fontAlgn="auto" latinLnBrk="0" hangingPunct="1">
+                <a:lnSpc>
+                  <a:spcPct val="100000"/>
+                </a:lnSpc>
+                <a:spcBef>
+                  <a:spcPts val="0"/>
+                </a:spcBef>
+                <a:spcAft>
+                  <a:spcPts val="0"/>
+                </a:spcAft>
+                <a:buClrTx/>
+                <a:buSzTx/>
+                <a:buFontTx/>
+                <a:buNone/>
+                <a:tabLst/>
+                <a:defRPr/>
+              </a:pPr>
+              <a:t>31</a:t>
+            </a:fld>
+            <a:endParaRPr kumimoji="0" lang="en-US" sz="3200" b="0" i="0" u="none" strike="noStrike" kern="1200" cap="none" spc="0" normalizeH="0" baseline="0" noProof="0" dirty="0">
+              <a:ln>
+                <a:noFill/>
+              </a:ln>
+              <a:solidFill>
+                <a:srgbClr val="146194">
+                  <a:lumMod val="50000"/>
+                </a:srgbClr>
+              </a:solidFill>
+              <a:effectLst/>
+              <a:uLnTx/>
+              <a:uFillTx/>
+              <a:latin typeface="Century Gothic" panose="020B0502020202020204"/>
+              <a:ea typeface="+mn-ea"/>
+              <a:cs typeface="+mn-cs"/>
+            </a:endParaRPr>
+          </a:p>
+        </p:txBody>
+      </p:sp>
+      <p:sp>
+        <p:nvSpPr>
+          <p:cNvPr id="3" name="CasellaDiTesto 2">
+            <a:extLst>
+              <a:ext uri="{FF2B5EF4-FFF2-40B4-BE49-F238E27FC236}">
+                <a16:creationId xmlns:a16="http://schemas.microsoft.com/office/drawing/2014/main" id="{D5D6FA7C-E224-38AB-8F1A-3909D88F9B55}"/>
+              </a:ext>
+            </a:extLst>
+          </p:cNvPr>
+          <p:cNvSpPr txBox="1"/>
+          <p:nvPr/>
+        </p:nvSpPr>
+        <p:spPr>
+          <a:xfrm>
+            <a:off x="522514" y="190918"/>
+            <a:ext cx="10832205" cy="523220"/>
+          </a:xfrm>
+          <a:prstGeom prst="rect">
+            <a:avLst/>
+          </a:prstGeom>
+          <a:noFill/>
+        </p:spPr>
+        <p:txBody>
+          <a:bodyPr wrap="square" rtlCol="0">
+            <a:spAutoFit/>
+          </a:bodyPr>
+          <a:lstStyle/>
+          <a:p>
+            <a:pPr marL="0" marR="0" lvl="0" indent="0" algn="l" defTabSz="457200" rtl="0" eaLnBrk="1" fontAlgn="auto" latinLnBrk="0" hangingPunct="1">
+              <a:lnSpc>
+                <a:spcPct val="100000"/>
+              </a:lnSpc>
+              <a:spcBef>
+                <a:spcPts val="0"/>
+              </a:spcBef>
+              <a:spcAft>
+                <a:spcPts val="0"/>
+              </a:spcAft>
+              <a:buClrTx/>
+              <a:buSzTx/>
+              <a:buFontTx/>
+              <a:buNone/>
+              <a:tabLst/>
+              <a:defRPr/>
+            </a:pPr>
+            <a:r>
+              <a:rPr lang="en-US" sz="2800" b="1" dirty="0" err="1">
+                <a:solidFill>
+                  <a:srgbClr val="FF0000"/>
+                </a:solidFill>
+                <a:latin typeface="Century Gothic" panose="020B0502020202020204"/>
+              </a:rPr>
+              <a:t>Qualche</a:t>
+            </a:r>
+            <a:r>
+              <a:rPr lang="en-US" sz="2800" b="1" dirty="0">
+                <a:solidFill>
+                  <a:srgbClr val="FF0000"/>
+                </a:solidFill>
+                <a:latin typeface="Century Gothic" panose="020B0502020202020204"/>
+              </a:rPr>
+              <a:t> </a:t>
+            </a:r>
+            <a:r>
+              <a:rPr lang="en-US" sz="2800" b="1" dirty="0" err="1">
+                <a:solidFill>
+                  <a:srgbClr val="FF0000"/>
+                </a:solidFill>
+                <a:latin typeface="Century Gothic" panose="020B0502020202020204"/>
+              </a:rPr>
+              <a:t>altro</a:t>
+            </a:r>
+            <a:r>
+              <a:rPr lang="en-US" sz="2800" b="1" dirty="0">
+                <a:solidFill>
+                  <a:srgbClr val="FF0000"/>
+                </a:solidFill>
+                <a:latin typeface="Century Gothic" panose="020B0502020202020204"/>
+              </a:rPr>
+              <a:t> </a:t>
+            </a:r>
+            <a:r>
+              <a:rPr lang="en-US" sz="2800" b="1" dirty="0" err="1">
+                <a:solidFill>
+                  <a:srgbClr val="FF0000"/>
+                </a:solidFill>
+                <a:latin typeface="Century Gothic" panose="020B0502020202020204"/>
+              </a:rPr>
+              <a:t>tipo</a:t>
+            </a:r>
+            <a:r>
+              <a:rPr lang="en-US" sz="2800" b="1" dirty="0">
+                <a:solidFill>
+                  <a:srgbClr val="FF0000"/>
+                </a:solidFill>
+                <a:latin typeface="Century Gothic" panose="020B0502020202020204"/>
+              </a:rPr>
+              <a:t> di </a:t>
+            </a:r>
+            <a:r>
+              <a:rPr lang="en-US" sz="2800" b="1" dirty="0" err="1">
+                <a:solidFill>
+                  <a:srgbClr val="FF0000"/>
+                </a:solidFill>
+                <a:latin typeface="Century Gothic" panose="020B0502020202020204"/>
+              </a:rPr>
+              <a:t>grafico</a:t>
+            </a:r>
+            <a:r>
+              <a:rPr lang="en-US" sz="2800" b="1" dirty="0">
+                <a:solidFill>
+                  <a:srgbClr val="FF0000"/>
+                </a:solidFill>
+                <a:latin typeface="Century Gothic" panose="020B0502020202020204"/>
+              </a:rPr>
+              <a:t> </a:t>
+            </a:r>
+            <a:r>
+              <a:rPr lang="en-US" sz="2800" b="1" dirty="0" err="1">
+                <a:solidFill>
+                  <a:srgbClr val="FF0000"/>
+                </a:solidFill>
+                <a:latin typeface="Century Gothic" panose="020B0502020202020204"/>
+              </a:rPr>
+              <a:t>realizzato</a:t>
+            </a:r>
+            <a:r>
+              <a:rPr lang="en-US" sz="2800" b="1" dirty="0">
+                <a:solidFill>
+                  <a:srgbClr val="FF0000"/>
+                </a:solidFill>
+                <a:latin typeface="Century Gothic" panose="020B0502020202020204"/>
+              </a:rPr>
+              <a:t>: per GD2 o 2D-array</a:t>
+            </a:r>
+            <a:endParaRPr kumimoji="0" lang="it-IT" b="1" i="0" u="none" strike="noStrike" kern="1200" cap="none" spc="0" normalizeH="0" baseline="0" noProof="0" dirty="0">
+              <a:ln>
+                <a:noFill/>
+              </a:ln>
+              <a:solidFill>
+                <a:schemeClr val="accent2">
+                  <a:lumMod val="75000"/>
+                </a:schemeClr>
+              </a:solidFill>
+              <a:effectLst/>
+              <a:uLnTx/>
+              <a:uFillTx/>
+              <a:latin typeface="Century Gothic" panose="020B0502020202020204"/>
+              <a:ea typeface="+mn-ea"/>
+              <a:cs typeface="+mn-cs"/>
+            </a:endParaRPr>
+          </a:p>
+        </p:txBody>
+      </p:sp>
+      <p:pic>
+        <p:nvPicPr>
+          <p:cNvPr id="8" name="Immagine 7" descr="Immagine che contiene diagramma, testo, Policromia, schermata&#10;&#10;Descrizione generata automaticamente">
+            <a:extLst>
+              <a:ext uri="{FF2B5EF4-FFF2-40B4-BE49-F238E27FC236}">
+                <a16:creationId xmlns:a16="http://schemas.microsoft.com/office/drawing/2014/main" id="{3875C0FB-335C-88F5-68EB-107B7A7C24BF}"/>
+              </a:ext>
+            </a:extLst>
+          </p:cNvPr>
+          <p:cNvPicPr>
+            <a:picLocks noChangeAspect="1"/>
+          </p:cNvPicPr>
+          <p:nvPr/>
+        </p:nvPicPr>
+        <p:blipFill>
+          <a:blip r:embed="rId2"/>
+          <a:stretch>
+            <a:fillRect/>
+          </a:stretch>
+        </p:blipFill>
+        <p:spPr>
+          <a:xfrm>
+            <a:off x="860809" y="949989"/>
+            <a:ext cx="9147349" cy="5717093"/>
+          </a:xfrm>
+          <a:prstGeom prst="rect">
+            <a:avLst/>
+          </a:prstGeom>
+        </p:spPr>
+      </p:pic>
+    </p:spTree>
+    <p:extLst>
+      <p:ext uri="{BB962C8B-B14F-4D97-AF65-F5344CB8AC3E}">
+        <p14:creationId xmlns:p14="http://schemas.microsoft.com/office/powerpoint/2010/main" val="1813601678"/>
+      </p:ext>
+    </p:extLst>
+  </p:cSld>
+  <p:clrMapOvr>
+    <a:masterClrMapping/>
+  </p:clrMapOvr>
+</p:sld>
+</file>
+
+<file path=ppt/slides/slide32.xml><?xml version="1.0" encoding="utf-8"?>
+<p:sld xmlns:a="http://schemas.openxmlformats.org/drawingml/2006/main" xmlns:r="http://schemas.openxmlformats.org/officeDocument/2006/relationships" xmlns:p="http://schemas.openxmlformats.org/presentationml/2006/main">
+  <p:cSld>
+    <p:spTree>
+      <p:nvGrpSpPr>
+        <p:cNvPr id="1" name=""/>
+        <p:cNvGrpSpPr/>
+        <p:nvPr/>
+      </p:nvGrpSpPr>
+      <p:grpSpPr>
+        <a:xfrm>
+          <a:off x="0" y="0"/>
+          <a:ext cx="0" cy="0"/>
+          <a:chOff x="0" y="0"/>
+          <a:chExt cx="0" cy="0"/>
+        </a:xfrm>
+      </p:grpSpPr>
+      <p:sp>
+        <p:nvSpPr>
+          <p:cNvPr id="2" name="Segnaposto numero diapositiva 1">
+            <a:extLst>
+              <a:ext uri="{FF2B5EF4-FFF2-40B4-BE49-F238E27FC236}">
+                <a16:creationId xmlns:a16="http://schemas.microsoft.com/office/drawing/2014/main" id="{FB210142-F8FA-AFFD-83C4-DCDEAE505735}"/>
+              </a:ext>
+            </a:extLst>
+          </p:cNvPr>
+          <p:cNvSpPr>
+            <a:spLocks noGrp="1"/>
+          </p:cNvSpPr>
+          <p:nvPr>
+            <p:ph type="sldNum" sz="quarter" idx="12"/>
+          </p:nvPr>
+        </p:nvSpPr>
+        <p:spPr/>
+        <p:txBody>
+          <a:bodyPr/>
+          <a:lstStyle/>
+          <a:p>
+            <a:pPr marL="0" marR="0" lvl="0" indent="0" algn="r" defTabSz="457200" rtl="0" eaLnBrk="1" fontAlgn="auto" latinLnBrk="0" hangingPunct="1">
+              <a:lnSpc>
+                <a:spcPct val="100000"/>
+              </a:lnSpc>
+              <a:spcBef>
+                <a:spcPts val="0"/>
+              </a:spcBef>
+              <a:spcAft>
+                <a:spcPts val="0"/>
+              </a:spcAft>
+              <a:buClrTx/>
+              <a:buSzTx/>
+              <a:buFontTx/>
+              <a:buNone/>
+              <a:tabLst/>
+              <a:defRPr/>
+            </a:pPr>
+            <a:fld id="{D57F1E4F-1CFF-5643-939E-217C01CDF565}" type="slidenum">
+              <a:rPr kumimoji="0" lang="en-US" sz="3200" b="0" i="0" u="none" strike="noStrike" kern="1200" cap="none" spc="0" normalizeH="0" baseline="0" noProof="0" smtClean="0">
+                <a:ln>
+                  <a:noFill/>
+                </a:ln>
+                <a:solidFill>
+                  <a:srgbClr val="146194">
+                    <a:lumMod val="50000"/>
+                  </a:srgbClr>
+                </a:solidFill>
+                <a:effectLst/>
+                <a:uLnTx/>
+                <a:uFillTx/>
+                <a:latin typeface="Century Gothic" panose="020B0502020202020204"/>
+                <a:ea typeface="+mn-ea"/>
+                <a:cs typeface="+mn-cs"/>
+              </a:rPr>
+              <a:pPr marL="0" marR="0" lvl="0" indent="0" algn="r" defTabSz="457200" rtl="0" eaLnBrk="1" fontAlgn="auto" latinLnBrk="0" hangingPunct="1">
+                <a:lnSpc>
+                  <a:spcPct val="100000"/>
+                </a:lnSpc>
+                <a:spcBef>
+                  <a:spcPts val="0"/>
+                </a:spcBef>
+                <a:spcAft>
+                  <a:spcPts val="0"/>
+                </a:spcAft>
+                <a:buClrTx/>
+                <a:buSzTx/>
+                <a:buFontTx/>
+                <a:buNone/>
+                <a:tabLst/>
+                <a:defRPr/>
+              </a:pPr>
+              <a:t>32</a:t>
+            </a:fld>
+            <a:endParaRPr kumimoji="0" lang="en-US" sz="3200" b="0" i="0" u="none" strike="noStrike" kern="1200" cap="none" spc="0" normalizeH="0" baseline="0" noProof="0" dirty="0">
+              <a:ln>
+                <a:noFill/>
+              </a:ln>
+              <a:solidFill>
+                <a:srgbClr val="146194">
+                  <a:lumMod val="50000"/>
+                </a:srgbClr>
+              </a:solidFill>
+              <a:effectLst/>
+              <a:uLnTx/>
+              <a:uFillTx/>
+              <a:latin typeface="Century Gothic" panose="020B0502020202020204"/>
+              <a:ea typeface="+mn-ea"/>
+              <a:cs typeface="+mn-cs"/>
+            </a:endParaRPr>
+          </a:p>
+        </p:txBody>
+      </p:sp>
+      <p:sp>
+        <p:nvSpPr>
+          <p:cNvPr id="3" name="CasellaDiTesto 2">
+            <a:extLst>
+              <a:ext uri="{FF2B5EF4-FFF2-40B4-BE49-F238E27FC236}">
+                <a16:creationId xmlns:a16="http://schemas.microsoft.com/office/drawing/2014/main" id="{D5D6FA7C-E224-38AB-8F1A-3909D88F9B55}"/>
+              </a:ext>
+            </a:extLst>
+          </p:cNvPr>
+          <p:cNvSpPr txBox="1"/>
+          <p:nvPr/>
+        </p:nvSpPr>
+        <p:spPr>
+          <a:xfrm>
+            <a:off x="673239" y="341644"/>
+            <a:ext cx="10832205" cy="584775"/>
+          </a:xfrm>
+          <a:prstGeom prst="rect">
+            <a:avLst/>
+          </a:prstGeom>
+          <a:noFill/>
+        </p:spPr>
+        <p:txBody>
+          <a:bodyPr wrap="square" rtlCol="0">
+            <a:spAutoFit/>
+          </a:bodyPr>
+          <a:lstStyle/>
+          <a:p>
+            <a:pPr marL="0" marR="0" lvl="0" indent="0" algn="l" defTabSz="457200" rtl="0" eaLnBrk="1" fontAlgn="auto" latinLnBrk="0" hangingPunct="1">
+              <a:lnSpc>
+                <a:spcPct val="100000"/>
+              </a:lnSpc>
+              <a:spcBef>
+                <a:spcPts val="0"/>
+              </a:spcBef>
+              <a:spcAft>
+                <a:spcPts val="0"/>
+              </a:spcAft>
+              <a:buClrTx/>
+              <a:buSzTx/>
+              <a:buFontTx/>
+              <a:buNone/>
+              <a:tabLst/>
+              <a:defRPr/>
+            </a:pPr>
+            <a:r>
+              <a:rPr lang="en-US" sz="3200" b="1" dirty="0" err="1">
+                <a:solidFill>
+                  <a:srgbClr val="FF0000"/>
+                </a:solidFill>
+                <a:latin typeface="Century Gothic" panose="020B0502020202020204"/>
+              </a:rPr>
+              <a:t>Iniziato</a:t>
+            </a:r>
+            <a:r>
+              <a:rPr lang="en-US" sz="3200" b="1" dirty="0">
+                <a:solidFill>
+                  <a:srgbClr val="FF0000"/>
+                </a:solidFill>
+                <a:latin typeface="Century Gothic" panose="020B0502020202020204"/>
+              </a:rPr>
+              <a:t> GUISNAG</a:t>
+            </a:r>
+            <a:endParaRPr kumimoji="0" lang="it-IT" sz="2000" b="1" i="0" u="none" strike="noStrike" kern="1200" cap="none" spc="0" normalizeH="0" baseline="0" noProof="0" dirty="0">
+              <a:ln>
+                <a:noFill/>
+              </a:ln>
+              <a:solidFill>
+                <a:schemeClr val="accent2">
+                  <a:lumMod val="75000"/>
+                </a:schemeClr>
+              </a:solidFill>
+              <a:effectLst/>
+              <a:uLnTx/>
+              <a:uFillTx/>
+              <a:latin typeface="Century Gothic" panose="020B0502020202020204"/>
+              <a:ea typeface="+mn-ea"/>
+              <a:cs typeface="+mn-cs"/>
+            </a:endParaRPr>
+          </a:p>
+        </p:txBody>
+      </p:sp>
+      <p:sp>
+        <p:nvSpPr>
+          <p:cNvPr id="5" name="CasellaDiTesto 4">
+            <a:extLst>
+              <a:ext uri="{FF2B5EF4-FFF2-40B4-BE49-F238E27FC236}">
+                <a16:creationId xmlns:a16="http://schemas.microsoft.com/office/drawing/2014/main" id="{2BA99E83-FE26-26A4-DA75-2025CAFD8DF8}"/>
+              </a:ext>
+            </a:extLst>
+          </p:cNvPr>
+          <p:cNvSpPr txBox="1"/>
+          <p:nvPr/>
+        </p:nvSpPr>
+        <p:spPr>
+          <a:xfrm>
+            <a:off x="686555" y="1385131"/>
+            <a:ext cx="10952704" cy="4708981"/>
+          </a:xfrm>
+          <a:prstGeom prst="rect">
+            <a:avLst/>
+          </a:prstGeom>
+          <a:noFill/>
+        </p:spPr>
+        <p:txBody>
+          <a:bodyPr wrap="square">
+            <a:spAutoFit/>
+          </a:bodyPr>
+          <a:lstStyle/>
+          <a:p>
+            <a:r>
+              <a:rPr lang="it-IT" sz="2000" b="1" dirty="0">
+                <a:solidFill>
+                  <a:srgbClr val="FFFF00"/>
+                </a:solidFill>
+              </a:rPr>
+              <a:t>La prima function realizzata in GUISNAG:</a:t>
+            </a:r>
+          </a:p>
+          <a:p>
+            <a:endParaRPr lang="it-IT" sz="2000" b="1" dirty="0">
+              <a:solidFill>
+                <a:srgbClr val="FFFF00"/>
+              </a:solidFill>
+            </a:endParaRPr>
+          </a:p>
+          <a:p>
+            <a:r>
+              <a:rPr lang="it-IT" sz="2000" b="1" dirty="0">
+                <a:solidFill>
+                  <a:srgbClr val="FFFF00"/>
+                </a:solidFill>
+              </a:rPr>
+              <a:t> 	</a:t>
+            </a:r>
+            <a:r>
+              <a:rPr lang="it-IT" sz="2000" b="1" dirty="0" err="1">
+                <a:solidFill>
+                  <a:srgbClr val="FFFF00"/>
+                </a:solidFill>
+                <a:effectLst/>
+                <a:latin typeface="Consolas" panose="020B0609020204030204" pitchFamily="49" charset="0"/>
+              </a:rPr>
+              <a:t>get_posclick</a:t>
+            </a:r>
+            <a:r>
+              <a:rPr lang="it-IT" sz="2000" b="1" dirty="0">
+                <a:solidFill>
+                  <a:srgbClr val="FFFF00"/>
+                </a:solidFill>
+                <a:effectLst/>
+                <a:latin typeface="Consolas" panose="020B0609020204030204" pitchFamily="49" charset="0"/>
+              </a:rPr>
+              <a:t>(n=1)</a:t>
+            </a:r>
+          </a:p>
+          <a:p>
+            <a:endParaRPr lang="it-IT" sz="2000" b="1" dirty="0">
+              <a:solidFill>
+                <a:srgbClr val="FFFF00"/>
+              </a:solidFill>
+            </a:endParaRPr>
+          </a:p>
+          <a:p>
+            <a:r>
+              <a:rPr lang="it-IT" sz="2000" b="1" dirty="0">
+                <a:solidFill>
+                  <a:srgbClr val="FFFF00"/>
+                </a:solidFill>
+              </a:rPr>
+              <a:t>che prende n posizioni su un grafico realizzato con </a:t>
+            </a:r>
+            <a:r>
+              <a:rPr lang="it-IT" sz="2000" b="1" dirty="0" err="1">
+                <a:solidFill>
+                  <a:srgbClr val="FFFF00"/>
+                </a:solidFill>
+              </a:rPr>
+              <a:t>Matplotlib</a:t>
+            </a:r>
+            <a:r>
+              <a:rPr lang="it-IT" sz="2000" b="1" dirty="0">
+                <a:solidFill>
+                  <a:srgbClr val="FFFF00"/>
+                </a:solidFill>
+              </a:rPr>
+              <a:t>, cliccando col pulsante sinistro (il pulsante destro cancella l’ultimo punto e quello centrale interrompe) .</a:t>
+            </a:r>
+          </a:p>
+          <a:p>
+            <a:endParaRPr lang="it-IT" sz="2000" b="1" dirty="0">
+              <a:solidFill>
+                <a:srgbClr val="FFFF00"/>
+              </a:solidFill>
+            </a:endParaRPr>
+          </a:p>
+          <a:p>
+            <a:r>
+              <a:rPr lang="it-IT" sz="2000" b="1" dirty="0">
+                <a:solidFill>
+                  <a:srgbClr val="FFFF00"/>
+                </a:solidFill>
+              </a:rPr>
+              <a:t>Sto cercando di capire quale software utilizzare:</a:t>
+            </a:r>
+          </a:p>
+          <a:p>
+            <a:pPr marL="342900" indent="-342900">
+              <a:buFontTx/>
+              <a:buChar char="-"/>
+            </a:pPr>
+            <a:r>
+              <a:rPr lang="it-IT" sz="2000" b="1" dirty="0" err="1">
+                <a:solidFill>
+                  <a:srgbClr val="FFFF00"/>
+                </a:solidFill>
+              </a:rPr>
+              <a:t>Tkinter</a:t>
+            </a:r>
+            <a:r>
+              <a:rPr lang="it-IT" sz="2000" b="1" dirty="0">
+                <a:solidFill>
+                  <a:srgbClr val="FFFF00"/>
+                </a:solidFill>
+              </a:rPr>
+              <a:t> è quello «ufficiale», ma manca di strumenti di sviluppo interattivi e mi è sembrato un po’ incongruo</a:t>
+            </a:r>
+          </a:p>
+          <a:p>
+            <a:pPr marL="342900" indent="-342900">
+              <a:buFontTx/>
+              <a:buChar char="-"/>
+            </a:pPr>
+            <a:r>
+              <a:rPr lang="it-IT" sz="2000" b="1" dirty="0" err="1">
+                <a:solidFill>
+                  <a:srgbClr val="FFFF00"/>
+                </a:solidFill>
+              </a:rPr>
+              <a:t>PyQT</a:t>
+            </a:r>
+            <a:r>
+              <a:rPr lang="it-IT" sz="2000" b="1" dirty="0">
+                <a:solidFill>
+                  <a:srgbClr val="FFFF00"/>
+                </a:solidFill>
+              </a:rPr>
+              <a:t> (6) forse un po’ più complesso, ma il più professionale</a:t>
+            </a:r>
+          </a:p>
+          <a:p>
+            <a:pPr marL="342900" indent="-342900">
+              <a:buFontTx/>
+              <a:buChar char="-"/>
+            </a:pPr>
+            <a:r>
+              <a:rPr lang="it-IT" sz="2000" b="1" dirty="0">
+                <a:solidFill>
+                  <a:srgbClr val="FFFF00"/>
+                </a:solidFill>
+              </a:rPr>
+              <a:t>Altri non sembrano adeguati.</a:t>
+            </a:r>
+          </a:p>
+          <a:p>
+            <a:pPr marL="342900" indent="-342900">
+              <a:buFontTx/>
+              <a:buChar char="-"/>
+            </a:pPr>
+            <a:endParaRPr lang="it-IT" sz="2000" b="1" dirty="0">
+              <a:solidFill>
+                <a:srgbClr val="FFFF00"/>
+              </a:solidFill>
+            </a:endParaRPr>
+          </a:p>
+          <a:p>
+            <a:r>
+              <a:rPr lang="it-IT" sz="2000" b="1" dirty="0">
+                <a:solidFill>
+                  <a:srgbClr val="FFFF00"/>
+                </a:solidFill>
+              </a:rPr>
+              <a:t>Non c’è bisogno di fare una scelta unica, ma sarebbe utile sceglierne uno su cui focalizzare il know </a:t>
+            </a:r>
+            <a:r>
+              <a:rPr lang="it-IT" sz="2000" b="1" dirty="0" err="1">
+                <a:solidFill>
+                  <a:srgbClr val="FFFF00"/>
+                </a:solidFill>
+              </a:rPr>
+              <a:t>how</a:t>
+            </a:r>
+            <a:r>
+              <a:rPr lang="it-IT" sz="2000" b="1" dirty="0">
+                <a:solidFill>
+                  <a:srgbClr val="FFFF00"/>
+                </a:solidFill>
+              </a:rPr>
+              <a:t>.</a:t>
+            </a:r>
+          </a:p>
+        </p:txBody>
+      </p:sp>
+    </p:spTree>
+    <p:extLst>
+      <p:ext uri="{BB962C8B-B14F-4D97-AF65-F5344CB8AC3E}">
+        <p14:creationId xmlns:p14="http://schemas.microsoft.com/office/powerpoint/2010/main" val="1214978458"/>
+      </p:ext>
+    </p:extLst>
+  </p:cSld>
+  <p:clrMapOvr>
+    <a:masterClrMapping/>
+  </p:clrMapOvr>
+</p:sld>
+</file>
+
+<file path=ppt/slides/slide33.xml><?xml version="1.0" encoding="utf-8"?>
+<p:sld xmlns:a="http://schemas.openxmlformats.org/drawingml/2006/main" xmlns:r="http://schemas.openxmlformats.org/officeDocument/2006/relationships" xmlns:p="http://schemas.openxmlformats.org/presentationml/2006/main">
+  <p:cSld>
+    <p:spTree>
+      <p:nvGrpSpPr>
+        <p:cNvPr id="1" name=""/>
+        <p:cNvGrpSpPr/>
+        <p:nvPr/>
+      </p:nvGrpSpPr>
+      <p:grpSpPr>
+        <a:xfrm>
+          <a:off x="0" y="0"/>
+          <a:ext cx="0" cy="0"/>
+          <a:chOff x="0" y="0"/>
+          <a:chExt cx="0" cy="0"/>
+        </a:xfrm>
+      </p:grpSpPr>
+      <p:sp>
+        <p:nvSpPr>
+          <p:cNvPr id="2" name="Segnaposto numero diapositiva 1">
+            <a:extLst>
+              <a:ext uri="{FF2B5EF4-FFF2-40B4-BE49-F238E27FC236}">
+                <a16:creationId xmlns:a16="http://schemas.microsoft.com/office/drawing/2014/main" id="{FB210142-F8FA-AFFD-83C4-DCDEAE505735}"/>
+              </a:ext>
+            </a:extLst>
+          </p:cNvPr>
+          <p:cNvSpPr>
+            <a:spLocks noGrp="1"/>
+          </p:cNvSpPr>
+          <p:nvPr>
+            <p:ph type="sldNum" sz="quarter" idx="12"/>
+          </p:nvPr>
+        </p:nvSpPr>
+        <p:spPr/>
+        <p:txBody>
+          <a:bodyPr/>
+          <a:lstStyle/>
+          <a:p>
+            <a:pPr marL="0" marR="0" lvl="0" indent="0" algn="r" defTabSz="457200" rtl="0" eaLnBrk="1" fontAlgn="auto" latinLnBrk="0" hangingPunct="1">
+              <a:lnSpc>
+                <a:spcPct val="100000"/>
+              </a:lnSpc>
+              <a:spcBef>
+                <a:spcPts val="0"/>
+              </a:spcBef>
+              <a:spcAft>
+                <a:spcPts val="0"/>
+              </a:spcAft>
+              <a:buClrTx/>
+              <a:buSzTx/>
+              <a:buFontTx/>
+              <a:buNone/>
+              <a:tabLst/>
+              <a:defRPr/>
+            </a:pPr>
+            <a:fld id="{D57F1E4F-1CFF-5643-939E-217C01CDF565}" type="slidenum">
+              <a:rPr kumimoji="0" lang="en-US" sz="3200" b="0" i="0" u="none" strike="noStrike" kern="1200" cap="none" spc="0" normalizeH="0" baseline="0" noProof="0" smtClean="0">
+                <a:ln>
+                  <a:noFill/>
+                </a:ln>
+                <a:solidFill>
+                  <a:srgbClr val="146194">
+                    <a:lumMod val="50000"/>
+                  </a:srgbClr>
+                </a:solidFill>
+                <a:effectLst/>
+                <a:uLnTx/>
+                <a:uFillTx/>
+                <a:latin typeface="Century Gothic" panose="020B0502020202020204"/>
+                <a:ea typeface="+mn-ea"/>
+                <a:cs typeface="+mn-cs"/>
+              </a:rPr>
+              <a:pPr marL="0" marR="0" lvl="0" indent="0" algn="r" defTabSz="457200" rtl="0" eaLnBrk="1" fontAlgn="auto" latinLnBrk="0" hangingPunct="1">
+                <a:lnSpc>
+                  <a:spcPct val="100000"/>
+                </a:lnSpc>
+                <a:spcBef>
+                  <a:spcPts val="0"/>
+                </a:spcBef>
+                <a:spcAft>
+                  <a:spcPts val="0"/>
+                </a:spcAft>
+                <a:buClrTx/>
+                <a:buSzTx/>
+                <a:buFontTx/>
+                <a:buNone/>
+                <a:tabLst/>
+                <a:defRPr/>
+              </a:pPr>
+              <a:t>33</a:t>
+            </a:fld>
+            <a:endParaRPr kumimoji="0" lang="en-US" sz="3200" b="0" i="0" u="none" strike="noStrike" kern="1200" cap="none" spc="0" normalizeH="0" baseline="0" noProof="0" dirty="0">
+              <a:ln>
+                <a:noFill/>
+              </a:ln>
+              <a:solidFill>
+                <a:srgbClr val="146194">
+                  <a:lumMod val="50000"/>
+                </a:srgbClr>
+              </a:solidFill>
+              <a:effectLst/>
+              <a:uLnTx/>
+              <a:uFillTx/>
+              <a:latin typeface="Century Gothic" panose="020B0502020202020204"/>
+              <a:ea typeface="+mn-ea"/>
+              <a:cs typeface="+mn-cs"/>
+            </a:endParaRPr>
+          </a:p>
+        </p:txBody>
+      </p:sp>
+      <p:sp>
+        <p:nvSpPr>
+          <p:cNvPr id="3" name="CasellaDiTesto 2">
+            <a:extLst>
+              <a:ext uri="{FF2B5EF4-FFF2-40B4-BE49-F238E27FC236}">
+                <a16:creationId xmlns:a16="http://schemas.microsoft.com/office/drawing/2014/main" id="{D5D6FA7C-E224-38AB-8F1A-3909D88F9B55}"/>
+              </a:ext>
+            </a:extLst>
+          </p:cNvPr>
+          <p:cNvSpPr txBox="1"/>
+          <p:nvPr/>
+        </p:nvSpPr>
+        <p:spPr>
+          <a:xfrm>
+            <a:off x="673239" y="341644"/>
+            <a:ext cx="10832205" cy="584775"/>
+          </a:xfrm>
+          <a:prstGeom prst="rect">
+            <a:avLst/>
+          </a:prstGeom>
+          <a:noFill/>
+        </p:spPr>
+        <p:txBody>
+          <a:bodyPr wrap="square" rtlCol="0">
+            <a:spAutoFit/>
+          </a:bodyPr>
+          <a:lstStyle/>
+          <a:p>
+            <a:pPr marL="0" marR="0" lvl="0" indent="0" algn="l" defTabSz="457200" rtl="0" eaLnBrk="1" fontAlgn="auto" latinLnBrk="0" hangingPunct="1">
+              <a:lnSpc>
+                <a:spcPct val="100000"/>
+              </a:lnSpc>
+              <a:spcBef>
+                <a:spcPts val="0"/>
+              </a:spcBef>
+              <a:spcAft>
+                <a:spcPts val="0"/>
+              </a:spcAft>
+              <a:buClrTx/>
+              <a:buSzTx/>
+              <a:buFontTx/>
+              <a:buNone/>
+              <a:tabLst/>
+              <a:defRPr/>
+            </a:pPr>
+            <a:r>
+              <a:rPr lang="en-US" sz="3200" b="1" dirty="0" err="1">
+                <a:solidFill>
+                  <a:srgbClr val="FF0000"/>
+                </a:solidFill>
+                <a:latin typeface="Century Gothic" panose="020B0502020202020204"/>
+              </a:rPr>
+              <a:t>Sito</a:t>
+            </a:r>
+            <a:r>
+              <a:rPr lang="en-US" sz="3200" b="1" dirty="0">
+                <a:solidFill>
+                  <a:srgbClr val="FF0000"/>
+                </a:solidFill>
+                <a:latin typeface="Century Gothic" panose="020B0502020202020204"/>
+              </a:rPr>
+              <a:t> utile</a:t>
+            </a:r>
+            <a:endParaRPr kumimoji="0" lang="it-IT" sz="2000" b="1" i="0" u="none" strike="noStrike" kern="1200" cap="none" spc="0" normalizeH="0" baseline="0" noProof="0" dirty="0">
+              <a:ln>
+                <a:noFill/>
+              </a:ln>
+              <a:solidFill>
+                <a:schemeClr val="accent2">
+                  <a:lumMod val="75000"/>
+                </a:schemeClr>
+              </a:solidFill>
+              <a:effectLst/>
+              <a:uLnTx/>
+              <a:uFillTx/>
+              <a:latin typeface="Century Gothic" panose="020B0502020202020204"/>
+              <a:ea typeface="+mn-ea"/>
+              <a:cs typeface="+mn-cs"/>
+            </a:endParaRPr>
+          </a:p>
+        </p:txBody>
+      </p:sp>
+      <p:sp>
+        <p:nvSpPr>
+          <p:cNvPr id="5" name="CasellaDiTesto 4">
+            <a:extLst>
+              <a:ext uri="{FF2B5EF4-FFF2-40B4-BE49-F238E27FC236}">
+                <a16:creationId xmlns:a16="http://schemas.microsoft.com/office/drawing/2014/main" id="{2BA99E83-FE26-26A4-DA75-2025CAFD8DF8}"/>
+              </a:ext>
+            </a:extLst>
+          </p:cNvPr>
+          <p:cNvSpPr txBox="1"/>
+          <p:nvPr/>
+        </p:nvSpPr>
+        <p:spPr>
+          <a:xfrm>
+            <a:off x="673239" y="1867452"/>
+            <a:ext cx="10952704" cy="984885"/>
+          </a:xfrm>
+          <a:prstGeom prst="rect">
+            <a:avLst/>
+          </a:prstGeom>
+          <a:noFill/>
+        </p:spPr>
+        <p:txBody>
+          <a:bodyPr wrap="square">
+            <a:spAutoFit/>
+          </a:bodyPr>
+          <a:lstStyle/>
+          <a:p>
+            <a:endParaRPr lang="it-IT" b="1" dirty="0">
+              <a:solidFill>
+                <a:srgbClr val="FFFF00"/>
+              </a:solidFill>
+            </a:endParaRPr>
+          </a:p>
+          <a:p>
+            <a:r>
+              <a:rPr lang="it-IT" sz="2000" b="1" i="1" dirty="0">
+                <a:solidFill>
+                  <a:srgbClr val="FFFF00"/>
+                </a:solidFill>
+              </a:rPr>
+              <a:t>Vorrei segnalare questo sito </a:t>
+            </a:r>
+            <a:r>
+              <a:rPr lang="it-IT" sz="2000" b="1" i="1" dirty="0">
+                <a:solidFill>
+                  <a:srgbClr val="FFFF00"/>
+                </a:solidFill>
+                <a:hlinkClick r:id="rId2">
+                  <a:extLst>
+                    <a:ext uri="{A12FA001-AC4F-418D-AE19-62706E023703}">
+                      <ahyp:hlinkClr xmlns:ahyp="http://schemas.microsoft.com/office/drawing/2018/hyperlinkcolor" val="tx"/>
+                    </a:ext>
+                  </a:extLst>
+                </a:hlinkClick>
+              </a:rPr>
+              <a:t>http://robyp.x10host.com/3/</a:t>
+            </a:r>
+            <a:r>
+              <a:rPr lang="it-IT" sz="2000" b="1" i="1" dirty="0">
+                <a:solidFill>
+                  <a:srgbClr val="FFFF00"/>
+                </a:solidFill>
+              </a:rPr>
+              <a:t> che offre help per caratteristiche avanzate di Python (in genere non presenti nei manuali che si trovano).</a:t>
+            </a:r>
+          </a:p>
+        </p:txBody>
+      </p:sp>
+    </p:spTree>
+    <p:extLst>
+      <p:ext uri="{BB962C8B-B14F-4D97-AF65-F5344CB8AC3E}">
+        <p14:creationId xmlns:p14="http://schemas.microsoft.com/office/powerpoint/2010/main" val="2334505566"/>
       </p:ext>
     </p:extLst>
   </p:cSld>
@@ -20165,8 +23229,8 @@
         </p:nvSpPr>
         <p:spPr>
           <a:xfrm>
-            <a:off x="763675" y="1628507"/>
-            <a:ext cx="10570946" cy="3139321"/>
+            <a:off x="803868" y="1262420"/>
+            <a:ext cx="10570946" cy="4985980"/>
           </a:xfrm>
           <a:prstGeom prst="rect">
             <a:avLst/>
@@ -20278,6 +23342,125 @@
                 <a:srgbClr val="FFFF00"/>
               </a:solidFill>
             </a:endParaRPr>
+          </a:p>
+          <a:p>
+            <a:pPr marL="285750" indent="-285750">
+              <a:lnSpc>
+                <a:spcPct val="250000"/>
+              </a:lnSpc>
+              <a:buFont typeface="Arial" panose="020B0604020202020204" pitchFamily="34" charset="0"/>
+              <a:buChar char="•"/>
+            </a:pPr>
+            <a:r>
+              <a:rPr lang="en-US" sz="2400" b="1" dirty="0" err="1">
+                <a:solidFill>
+                  <a:srgbClr val="FFFF00"/>
+                </a:solidFill>
+              </a:rPr>
+              <a:t>Nuove</a:t>
+            </a:r>
+            <a:r>
+              <a:rPr lang="en-US" sz="2400" b="1" dirty="0">
+                <a:solidFill>
+                  <a:srgbClr val="FFFF00"/>
+                </a:solidFill>
+              </a:rPr>
+              <a:t> </a:t>
+            </a:r>
+            <a:r>
+              <a:rPr lang="en-US" sz="2400" b="1" dirty="0" err="1">
+                <a:solidFill>
+                  <a:srgbClr val="FFFF00"/>
+                </a:solidFill>
+              </a:rPr>
+              <a:t>funzioni</a:t>
+            </a:r>
+            <a:r>
+              <a:rPr lang="en-US" sz="2400" b="1" dirty="0">
+                <a:solidFill>
+                  <a:srgbClr val="FFFF00"/>
+                </a:solidFill>
+              </a:rPr>
+              <a:t> </a:t>
+            </a:r>
+            <a:r>
+              <a:rPr lang="en-US" sz="2400" b="1" dirty="0" err="1">
+                <a:solidFill>
+                  <a:srgbClr val="FFFF00"/>
+                </a:solidFill>
+              </a:rPr>
+              <a:t>grafiche</a:t>
+            </a:r>
+            <a:r>
+              <a:rPr lang="en-US" sz="2400" b="1" dirty="0">
+                <a:solidFill>
+                  <a:srgbClr val="FFFF00"/>
+                </a:solidFill>
+              </a:rPr>
+              <a:t> e </a:t>
+            </a:r>
+            <a:r>
+              <a:rPr lang="en-US" sz="2400" b="1" dirty="0" err="1">
+                <a:solidFill>
+                  <a:srgbClr val="FFFF00"/>
+                </a:solidFill>
+              </a:rPr>
+              <a:t>interattive</a:t>
+            </a:r>
+            <a:endParaRPr lang="en-US" sz="2400" b="1" dirty="0">
+              <a:solidFill>
+                <a:srgbClr val="FFFF00"/>
+              </a:solidFill>
+            </a:endParaRPr>
+          </a:p>
+          <a:p>
+            <a:pPr marL="285750" indent="-285750">
+              <a:lnSpc>
+                <a:spcPct val="250000"/>
+              </a:lnSpc>
+              <a:buFont typeface="Arial" panose="020B0604020202020204" pitchFamily="34" charset="0"/>
+              <a:buChar char="•"/>
+            </a:pPr>
+            <a:r>
+              <a:rPr lang="en-US" sz="2400" b="1" dirty="0">
+                <a:solidFill>
+                  <a:srgbClr val="FFFF00"/>
+                </a:solidFill>
+              </a:rPr>
+              <a:t>Lo </a:t>
+            </a:r>
+            <a:r>
+              <a:rPr lang="en-US" sz="2400" b="1" dirty="0" err="1">
+                <a:solidFill>
+                  <a:srgbClr val="FFFF00"/>
+                </a:solidFill>
+              </a:rPr>
+              <a:t>sviluppo</a:t>
+            </a:r>
+            <a:r>
+              <a:rPr lang="en-US" sz="2400" b="1" dirty="0">
+                <a:solidFill>
+                  <a:srgbClr val="FFFF00"/>
+                </a:solidFill>
+              </a:rPr>
+              <a:t> </a:t>
+            </a:r>
+            <a:r>
+              <a:rPr lang="en-US" sz="2400" b="1" dirty="0" err="1">
+                <a:solidFill>
+                  <a:srgbClr val="FFFF00"/>
+                </a:solidFill>
+              </a:rPr>
+              <a:t>dei</a:t>
+            </a:r>
+            <a:r>
+              <a:rPr lang="en-US" sz="2400" b="1" dirty="0">
+                <a:solidFill>
+                  <a:srgbClr val="FFFF00"/>
+                </a:solidFill>
+              </a:rPr>
+              <a:t> BSD</a:t>
+            </a:r>
           </a:p>
           <a:p>
             <a:pPr marL="285750" indent="-285750">

--- a/doc/SnagPy04.pptx
+++ b/doc/SnagPy04.pptx
@@ -5,7 +5,7 @@
     <p:sldMasterId id="2147483648" r:id="rId1"/>
   </p:sldMasterIdLst>
   <p:notesMasterIdLst>
-    <p:notesMasterId r:id="rId35"/>
+    <p:notesMasterId r:id="rId38"/>
   </p:notesMasterIdLst>
   <p:sldIdLst>
     <p:sldId id="256" r:id="rId2"/>
@@ -40,7 +40,10 @@
     <p:sldId id="328" r:id="rId31"/>
     <p:sldId id="326" r:id="rId32"/>
     <p:sldId id="327" r:id="rId33"/>
-    <p:sldId id="329" r:id="rId34"/>
+    <p:sldId id="331" r:id="rId34"/>
+    <p:sldId id="332" r:id="rId35"/>
+    <p:sldId id="330" r:id="rId36"/>
+    <p:sldId id="329" r:id="rId37"/>
   </p:sldIdLst>
   <p:sldSz cx="12192000" cy="6858000"/>
   <p:notesSz cx="6858000" cy="9144000"/>
@@ -150,7 +153,7 @@
 <file path=ppt/revisionInfo.xml><?xml version="1.0" encoding="utf-8"?>
 <p1510:revInfo xmlns:a="http://schemas.openxmlformats.org/drawingml/2006/main" xmlns:r="http://schemas.openxmlformats.org/officeDocument/2006/relationships" xmlns:p1510="http://schemas.microsoft.com/office/powerpoint/2015/10/main">
   <p1510:revLst>
-    <p1510:client id="{36911A39-C873-47E8-B0C9-7265D283C170}" v="100" dt="2023-05-07T19:31:26.733"/>
+    <p1510:client id="{36911A39-C873-47E8-B0C9-7265D283C170}" v="103" dt="2023-05-10T07:15:39.820"/>
   </p1510:revLst>
 </p1510:revInfo>
 </file>
@@ -1396,7 +1399,7 @@
   <pc:docChgLst>
     <pc:chgData name="Famiglia Frasca" userId="bb3c054bf86d7ba1" providerId="LiveId" clId="{36911A39-C873-47E8-B0C9-7265D283C170}"/>
     <pc:docChg chg="undo redo custSel addSld delSld modSld sldOrd">
-      <pc:chgData name="Famiglia Frasca" userId="bb3c054bf86d7ba1" providerId="LiveId" clId="{36911A39-C873-47E8-B0C9-7265D283C170}" dt="2023-05-09T19:35:16.998" v="12173" actId="1076"/>
+      <pc:chgData name="Famiglia Frasca" userId="bb3c054bf86d7ba1" providerId="LiveId" clId="{36911A39-C873-47E8-B0C9-7265D283C170}" dt="2023-05-10T07:47:07.288" v="12958" actId="14100"/>
       <pc:docMkLst>
         <pc:docMk/>
       </pc:docMkLst>
@@ -1416,7 +1419,7 @@
         </pc:spChg>
       </pc:sldChg>
       <pc:sldChg chg="modSp mod">
-        <pc:chgData name="Famiglia Frasca" userId="bb3c054bf86d7ba1" providerId="LiveId" clId="{36911A39-C873-47E8-B0C9-7265D283C170}" dt="2023-05-05T09:37:45.491" v="11059" actId="207"/>
+        <pc:chgData name="Famiglia Frasca" userId="bb3c054bf86d7ba1" providerId="LiveId" clId="{36911A39-C873-47E8-B0C9-7265D283C170}" dt="2023-05-10T07:47:07.288" v="12958" actId="14100"/>
         <pc:sldMkLst>
           <pc:docMk/>
           <pc:sldMk cId="3804905029" sldId="298"/>
@@ -1430,7 +1433,7 @@
           </ac:spMkLst>
         </pc:spChg>
         <pc:spChg chg="mod">
-          <ac:chgData name="Famiglia Frasca" userId="bb3c054bf86d7ba1" providerId="LiveId" clId="{36911A39-C873-47E8-B0C9-7265D283C170}" dt="2023-05-04T13:39:05.322" v="11058" actId="1076"/>
+          <ac:chgData name="Famiglia Frasca" userId="bb3c054bf86d7ba1" providerId="LiveId" clId="{36911A39-C873-47E8-B0C9-7265D283C170}" dt="2023-05-10T07:47:07.288" v="12958" actId="14100"/>
           <ac:spMkLst>
             <pc:docMk/>
             <pc:sldMk cId="3804905029" sldId="298"/>
@@ -2626,6 +2629,43 @@
           <pc:sldMk cId="2334505566" sldId="329"/>
         </pc:sldMkLst>
       </pc:sldChg>
+      <pc:sldChg chg="addSp modSp new add del mod ord">
+        <pc:chgData name="Famiglia Frasca" userId="bb3c054bf86d7ba1" providerId="LiveId" clId="{36911A39-C873-47E8-B0C9-7265D283C170}" dt="2023-05-10T07:43:41.564" v="12956" actId="20577"/>
+        <pc:sldMkLst>
+          <pc:docMk/>
+          <pc:sldMk cId="895349582" sldId="330"/>
+        </pc:sldMkLst>
+        <pc:spChg chg="add mod">
+          <ac:chgData name="Famiglia Frasca" userId="bb3c054bf86d7ba1" providerId="LiveId" clId="{36911A39-C873-47E8-B0C9-7265D283C170}" dt="2023-05-10T07:15:06.030" v="12207" actId="1076"/>
+          <ac:spMkLst>
+            <pc:docMk/>
+            <pc:sldMk cId="895349582" sldId="330"/>
+            <ac:spMk id="3" creationId="{954F41CC-0F2F-8DA8-A91B-835BEFBA5489}"/>
+          </ac:spMkLst>
+        </pc:spChg>
+        <pc:spChg chg="add mod">
+          <ac:chgData name="Famiglia Frasca" userId="bb3c054bf86d7ba1" providerId="LiveId" clId="{36911A39-C873-47E8-B0C9-7265D283C170}" dt="2023-05-10T07:43:41.564" v="12956" actId="20577"/>
+          <ac:spMkLst>
+            <pc:docMk/>
+            <pc:sldMk cId="895349582" sldId="330"/>
+            <ac:spMk id="4" creationId="{1C8C1666-A6E2-719F-22A3-44266A1CDA29}"/>
+          </ac:spMkLst>
+        </pc:spChg>
+      </pc:sldChg>
+      <pc:sldChg chg="add">
+        <pc:chgData name="Famiglia Frasca" userId="bb3c054bf86d7ba1" providerId="LiveId" clId="{36911A39-C873-47E8-B0C9-7265D283C170}" dt="2023-05-10T07:11:29.337" v="12175"/>
+        <pc:sldMkLst>
+          <pc:docMk/>
+          <pc:sldMk cId="398850156" sldId="331"/>
+        </pc:sldMkLst>
+      </pc:sldChg>
+      <pc:sldChg chg="add">
+        <pc:chgData name="Famiglia Frasca" userId="bb3c054bf86d7ba1" providerId="LiveId" clId="{36911A39-C873-47E8-B0C9-7265D283C170}" dt="2023-05-10T07:11:29.337" v="12175"/>
+        <pc:sldMkLst>
+          <pc:docMk/>
+          <pc:sldMk cId="596764478" sldId="332"/>
+        </pc:sldMkLst>
+      </pc:sldChg>
     </pc:docChg>
   </pc:docChgLst>
 </pc:chgInfo>
@@ -2713,7 +2753,7 @@
           <a:p>
             <a:fld id="{30B0BA31-C8A9-43DD-A40A-0688D227A51C}" type="datetimeFigureOut">
               <a:rPr lang="en-US" smtClean="0"/>
-              <a:t>5/9/2023</a:t>
+              <a:t>5/10/2023</a:t>
             </a:fld>
             <a:endParaRPr lang="en-US"/>
           </a:p>
@@ -3171,7 +3211,7 @@
           <a:p>
             <a:fld id="{98C9E10B-7D18-436D-8C9D-3D7F46357368}" type="datetime1">
               <a:rPr lang="en-US" smtClean="0"/>
-              <a:t>5/9/2023</a:t>
+              <a:t>5/10/2023</a:t>
             </a:fld>
             <a:endParaRPr lang="en-US" dirty="0"/>
           </a:p>
@@ -3603,7 +3643,7 @@
           <a:p>
             <a:fld id="{46073B20-64F9-4ADB-AE68-B96CF4262B59}" type="datetime1">
               <a:rPr lang="en-US" smtClean="0"/>
-              <a:t>5/9/2023</a:t>
+              <a:t>5/10/2023</a:t>
             </a:fld>
             <a:endParaRPr lang="en-US" dirty="0"/>
           </a:p>
@@ -3849,7 +3889,7 @@
           <a:p>
             <a:fld id="{620EEC1E-6B6B-47E9-8714-E91573E0F14D}" type="datetime1">
               <a:rPr lang="en-US" smtClean="0"/>
-              <a:t>5/9/2023</a:t>
+              <a:t>5/10/2023</a:t>
             </a:fld>
             <a:endParaRPr lang="en-US" dirty="0"/>
           </a:p>
@@ -4153,7 +4193,7 @@
           <a:p>
             <a:fld id="{ACFBFC28-A426-4B54-B8D0-AD19397A8A28}" type="datetime1">
               <a:rPr lang="en-US" smtClean="0"/>
-              <a:t>5/9/2023</a:t>
+              <a:t>5/10/2023</a:t>
             </a:fld>
             <a:endParaRPr lang="en-US" dirty="0"/>
           </a:p>
@@ -4467,7 +4507,7 @@
           <a:p>
             <a:fld id="{CFC8339E-8749-498C-B882-A50D536E71FB}" type="datetime1">
               <a:rPr lang="en-US" smtClean="0"/>
-              <a:t>5/9/2023</a:t>
+              <a:t>5/10/2023</a:t>
             </a:fld>
             <a:endParaRPr lang="en-US" dirty="0"/>
           </a:p>
@@ -4765,7 +4805,7 @@
           <a:p>
             <a:fld id="{49E744F5-6046-44B5-892D-7BF0F719275D}" type="datetime1">
               <a:rPr lang="en-US" smtClean="0"/>
-              <a:t>5/9/2023</a:t>
+              <a:t>5/10/2023</a:t>
             </a:fld>
             <a:endParaRPr lang="en-US" dirty="0"/>
           </a:p>
@@ -5128,7 +5168,7 @@
           <a:p>
             <a:fld id="{18467BB3-A0B1-4A78-A4E8-AA732A2385C9}" type="datetime1">
               <a:rPr lang="en-US" smtClean="0"/>
-              <a:t>5/9/2023</a:t>
+              <a:t>5/10/2023</a:t>
             </a:fld>
             <a:endParaRPr lang="en-US" dirty="0"/>
           </a:p>
@@ -5298,7 +5338,7 @@
           <a:p>
             <a:fld id="{0DBC8546-1571-4A63-B22A-8F50A4744B94}" type="datetime1">
               <a:rPr lang="en-US" smtClean="0"/>
-              <a:t>5/9/2023</a:t>
+              <a:t>5/10/2023</a:t>
             </a:fld>
             <a:endParaRPr lang="en-US" dirty="0"/>
           </a:p>
@@ -5474,7 +5514,7 @@
           <a:p>
             <a:fld id="{89CA6798-494D-403D-9109-FA6B5591D999}" type="datetime1">
               <a:rPr lang="en-US" smtClean="0"/>
-              <a:t>5/9/2023</a:t>
+              <a:t>5/10/2023</a:t>
             </a:fld>
             <a:endParaRPr lang="en-US" dirty="0"/>
           </a:p>
@@ -5640,7 +5680,7 @@
           <a:p>
             <a:fld id="{2418FB31-0A7C-4E3A-8A21-B21A6CB5E956}" type="datetime1">
               <a:rPr lang="en-US" smtClean="0"/>
-              <a:t>5/9/2023</a:t>
+              <a:t>5/10/2023</a:t>
             </a:fld>
             <a:endParaRPr lang="en-US" dirty="0"/>
           </a:p>
@@ -5886,7 +5926,7 @@
           <a:p>
             <a:fld id="{F0D1BDA7-ECDF-4191-A1D0-F2BB626BEB44}" type="datetime1">
               <a:rPr lang="en-US" smtClean="0"/>
-              <a:t>5/9/2023</a:t>
+              <a:t>5/10/2023</a:t>
             </a:fld>
             <a:endParaRPr lang="en-US" dirty="0"/>
           </a:p>
@@ -6118,7 +6158,7 @@
           <a:p>
             <a:fld id="{57B0E563-21A7-4833-90C7-9123E1C793FD}" type="datetime1">
               <a:rPr lang="en-US" smtClean="0"/>
-              <a:t>5/9/2023</a:t>
+              <a:t>5/10/2023</a:t>
             </a:fld>
             <a:endParaRPr lang="en-US" dirty="0"/>
           </a:p>
@@ -6496,7 +6536,7 @@
           <a:p>
             <a:fld id="{CC2A0605-CF22-4929-A9C8-4B63E07A5B5E}" type="datetime1">
               <a:rPr lang="en-US" smtClean="0"/>
-              <a:t>5/9/2023</a:t>
+              <a:t>5/10/2023</a:t>
             </a:fld>
             <a:endParaRPr lang="en-US" dirty="0"/>
           </a:p>
@@ -6610,7 +6650,7 @@
           <a:p>
             <a:fld id="{E31A972B-6721-4473-AED4-F58C3C74BD94}" type="datetime1">
               <a:rPr lang="en-US" smtClean="0"/>
-              <a:t>5/9/2023</a:t>
+              <a:t>5/10/2023</a:t>
             </a:fld>
             <a:endParaRPr lang="en-US" dirty="0"/>
           </a:p>
@@ -6701,7 +6741,7 @@
           <a:p>
             <a:fld id="{CBDC601E-0D3D-409F-93D6-9167C6098CA4}" type="datetime1">
               <a:rPr lang="en-US" smtClean="0"/>
-              <a:t>5/9/2023</a:t>
+              <a:t>5/10/2023</a:t>
             </a:fld>
             <a:endParaRPr lang="en-US" dirty="0"/>
           </a:p>
@@ -6952,7 +6992,7 @@
           <a:p>
             <a:fld id="{CF89C204-D136-439B-8D24-C6AAC728DB3A}" type="datetime1">
               <a:rPr lang="en-US" smtClean="0"/>
-              <a:t>5/9/2023</a:t>
+              <a:t>5/10/2023</a:t>
             </a:fld>
             <a:endParaRPr lang="en-US" dirty="0"/>
           </a:p>
@@ -7231,7 +7271,7 @@
           <a:p>
             <a:fld id="{BC711A0D-6EF5-4B02-984F-1E50B55C238B}" type="datetime1">
               <a:rPr lang="en-US" smtClean="0"/>
-              <a:t>5/9/2023</a:t>
+              <a:t>5/10/2023</a:t>
             </a:fld>
             <a:endParaRPr lang="en-US" dirty="0"/>
           </a:p>
@@ -7633,7 +7673,7 @@
           <a:p>
             <a:fld id="{DA7F3223-5E7C-499B-B9EC-EF9189971B1E}" type="datetime1">
               <a:rPr lang="en-US" smtClean="0"/>
-              <a:t>5/9/2023</a:t>
+              <a:t>5/10/2023</a:t>
             </a:fld>
             <a:endParaRPr lang="en-US" dirty="0"/>
           </a:p>
@@ -22864,6 +22904,3408 @@
           <a:bodyPr/>
           <a:lstStyle/>
           <a:p>
+            <a:fld id="{D57F1E4F-1CFF-5643-939E-217C01CDF565}" type="slidenum">
+              <a:rPr lang="en-US" smtClean="0"/>
+              <a:pPr/>
+              <a:t>33</a:t>
+            </a:fld>
+            <a:endParaRPr lang="en-US" dirty="0"/>
+          </a:p>
+        </p:txBody>
+      </p:sp>
+      <p:sp>
+        <p:nvSpPr>
+          <p:cNvPr id="5" name="CasellaDiTesto 4">
+            <a:extLst>
+              <a:ext uri="{FF2B5EF4-FFF2-40B4-BE49-F238E27FC236}">
+                <a16:creationId xmlns:a16="http://schemas.microsoft.com/office/drawing/2014/main" id="{303B516B-86FE-383F-B9EF-7C4922EB1EDB}"/>
+              </a:ext>
+            </a:extLst>
+          </p:cNvPr>
+          <p:cNvSpPr txBox="1"/>
+          <p:nvPr/>
+        </p:nvSpPr>
+        <p:spPr>
+          <a:xfrm>
+            <a:off x="3054699" y="934497"/>
+            <a:ext cx="7576457" cy="3693319"/>
+          </a:xfrm>
+          <a:prstGeom prst="rect">
+            <a:avLst/>
+          </a:prstGeom>
+          <a:noFill/>
+        </p:spPr>
+        <p:txBody>
+          <a:bodyPr wrap="square" rtlCol="0">
+            <a:spAutoFit/>
+          </a:bodyPr>
+          <a:lstStyle/>
+          <a:p>
+            <a:r>
+              <a:rPr lang="en-US" sz="1800" b="1" dirty="0">
+                <a:solidFill>
+                  <a:srgbClr val="FFFF00"/>
+                </a:solidFill>
+                <a:effectLst/>
+                <a:latin typeface="Calibri" panose="020F0502020204030204" pitchFamily="34" charset="0"/>
+                <a:ea typeface="Calibri" panose="020F0502020204030204" pitchFamily="34" charset="0"/>
+                <a:cs typeface="Times New Roman" panose="02020603050405020304" pitchFamily="18" charset="0"/>
+              </a:rPr>
+              <a:t>                            t0: 57757.15592592592</a:t>
+            </a:r>
+            <a:endParaRPr lang="it-IT" sz="1800" b="1" dirty="0">
+              <a:solidFill>
+                <a:srgbClr val="FFFF00"/>
+              </a:solidFill>
+              <a:effectLst/>
+              <a:latin typeface="Calibri" panose="020F0502020204030204" pitchFamily="34" charset="0"/>
+              <a:ea typeface="Calibri" panose="020F0502020204030204" pitchFamily="34" charset="0"/>
+              <a:cs typeface="Times New Roman" panose="02020603050405020304" pitchFamily="18" charset="0"/>
+            </a:endParaRPr>
+          </a:p>
+          <a:p>
+            <a:r>
+              <a:rPr lang="en-US" sz="1800" b="1" dirty="0">
+                <a:solidFill>
+                  <a:srgbClr val="FFFF00"/>
+                </a:solidFill>
+                <a:effectLst/>
+                <a:latin typeface="Calibri" panose="020F0502020204030204" pitchFamily="34" charset="0"/>
+                <a:ea typeface="Calibri" panose="020F0502020204030204" pitchFamily="34" charset="0"/>
+                <a:cs typeface="Times New Roman" panose="02020603050405020304" pitchFamily="18" charset="0"/>
+              </a:rPr>
+              <a:t>                        </a:t>
+            </a:r>
+            <a:r>
+              <a:rPr lang="en-US" sz="1800" b="1" dirty="0" err="1">
+                <a:solidFill>
+                  <a:srgbClr val="FFFF00"/>
+                </a:solidFill>
+                <a:effectLst/>
+                <a:latin typeface="Calibri" panose="020F0502020204030204" pitchFamily="34" charset="0"/>
+                <a:ea typeface="Calibri" panose="020F0502020204030204" pitchFamily="34" charset="0"/>
+                <a:cs typeface="Times New Roman" panose="02020603050405020304" pitchFamily="18" charset="0"/>
+              </a:rPr>
+              <a:t>inifr</a:t>
+            </a:r>
+            <a:r>
+              <a:rPr lang="en-US" sz="1800" b="1" dirty="0">
+                <a:solidFill>
+                  <a:srgbClr val="FFFF00"/>
+                </a:solidFill>
+                <a:effectLst/>
+                <a:latin typeface="Calibri" panose="020F0502020204030204" pitchFamily="34" charset="0"/>
+                <a:ea typeface="Calibri" panose="020F0502020204030204" pitchFamily="34" charset="0"/>
+                <a:cs typeface="Times New Roman" panose="02020603050405020304" pitchFamily="18" charset="0"/>
+              </a:rPr>
+              <a:t>: 60</a:t>
+            </a:r>
+            <a:endParaRPr lang="it-IT" sz="1800" b="1" dirty="0">
+              <a:solidFill>
+                <a:srgbClr val="FFFF00"/>
+              </a:solidFill>
+              <a:effectLst/>
+              <a:latin typeface="Calibri" panose="020F0502020204030204" pitchFamily="34" charset="0"/>
+              <a:ea typeface="Calibri" panose="020F0502020204030204" pitchFamily="34" charset="0"/>
+              <a:cs typeface="Times New Roman" panose="02020603050405020304" pitchFamily="18" charset="0"/>
+            </a:endParaRPr>
+          </a:p>
+          <a:p>
+            <a:r>
+              <a:rPr lang="en-US" sz="1800" b="1" dirty="0">
+                <a:solidFill>
+                  <a:srgbClr val="FFFF00"/>
+                </a:solidFill>
+                <a:effectLst/>
+                <a:latin typeface="Calibri" panose="020F0502020204030204" pitchFamily="34" charset="0"/>
+                <a:ea typeface="Calibri" panose="020F0502020204030204" pitchFamily="34" charset="0"/>
+                <a:cs typeface="Times New Roman" panose="02020603050405020304" pitchFamily="18" charset="0"/>
+              </a:rPr>
+              <a:t>                   </a:t>
+            </a:r>
+            <a:r>
+              <a:rPr lang="en-US" sz="1800" b="1" dirty="0" err="1">
+                <a:solidFill>
+                  <a:srgbClr val="FFFF00"/>
+                </a:solidFill>
+                <a:effectLst/>
+                <a:latin typeface="Calibri" panose="020F0502020204030204" pitchFamily="34" charset="0"/>
+                <a:ea typeface="Calibri" panose="020F0502020204030204" pitchFamily="34" charset="0"/>
+                <a:cs typeface="Times New Roman" panose="02020603050405020304" pitchFamily="18" charset="0"/>
+              </a:rPr>
+              <a:t>bandw</a:t>
+            </a:r>
+            <a:r>
+              <a:rPr lang="en-US" sz="1800" b="1" dirty="0">
+                <a:solidFill>
+                  <a:srgbClr val="FFFF00"/>
+                </a:solidFill>
+                <a:effectLst/>
+                <a:latin typeface="Calibri" panose="020F0502020204030204" pitchFamily="34" charset="0"/>
+                <a:ea typeface="Calibri" panose="020F0502020204030204" pitchFamily="34" charset="0"/>
+                <a:cs typeface="Times New Roman" panose="02020603050405020304" pitchFamily="18" charset="0"/>
+              </a:rPr>
+              <a:t>: 10</a:t>
+            </a:r>
+            <a:endParaRPr lang="it-IT" sz="1800" b="1" dirty="0">
+              <a:solidFill>
+                <a:srgbClr val="FFFF00"/>
+              </a:solidFill>
+              <a:effectLst/>
+              <a:latin typeface="Calibri" panose="020F0502020204030204" pitchFamily="34" charset="0"/>
+              <a:ea typeface="Calibri" panose="020F0502020204030204" pitchFamily="34" charset="0"/>
+              <a:cs typeface="Times New Roman" panose="02020603050405020304" pitchFamily="18" charset="0"/>
+            </a:endParaRPr>
+          </a:p>
+          <a:p>
+            <a:r>
+              <a:rPr lang="en-US" sz="1800" b="1" dirty="0">
+                <a:solidFill>
+                  <a:srgbClr val="FFFF00"/>
+                </a:solidFill>
+                <a:effectLst/>
+                <a:latin typeface="Calibri" panose="020F0502020204030204" pitchFamily="34" charset="0"/>
+                <a:ea typeface="Calibri" panose="020F0502020204030204" pitchFamily="34" charset="0"/>
+                <a:cs typeface="Times New Roman" panose="02020603050405020304" pitchFamily="18" charset="0"/>
+              </a:rPr>
+              <a:t>                      </a:t>
+            </a:r>
+            <a:r>
+              <a:rPr lang="en-US" sz="1800" b="1" dirty="0" err="1">
+                <a:solidFill>
+                  <a:srgbClr val="FFFF00"/>
+                </a:solidFill>
+                <a:effectLst/>
+                <a:latin typeface="Calibri" panose="020F0502020204030204" pitchFamily="34" charset="0"/>
+                <a:ea typeface="Calibri" panose="020F0502020204030204" pitchFamily="34" charset="0"/>
+                <a:cs typeface="Times New Roman" panose="02020603050405020304" pitchFamily="18" charset="0"/>
+              </a:rPr>
+              <a:t>v_eq</a:t>
+            </a:r>
+            <a:r>
+              <a:rPr lang="en-US" sz="1800" b="1" dirty="0">
+                <a:solidFill>
+                  <a:srgbClr val="FFFF00"/>
+                </a:solidFill>
+                <a:effectLst/>
+                <a:latin typeface="Calibri" panose="020F0502020204030204" pitchFamily="34" charset="0"/>
+                <a:ea typeface="Calibri" panose="020F0502020204030204" pitchFamily="34" charset="0"/>
+                <a:cs typeface="Times New Roman" panose="02020603050405020304" pitchFamily="18" charset="0"/>
+              </a:rPr>
+              <a:t>: [4301×4 double]</a:t>
+            </a:r>
+            <a:endParaRPr lang="it-IT" sz="1800" b="1" dirty="0">
+              <a:solidFill>
+                <a:srgbClr val="FFFF00"/>
+              </a:solidFill>
+              <a:effectLst/>
+              <a:latin typeface="Calibri" panose="020F0502020204030204" pitchFamily="34" charset="0"/>
+              <a:ea typeface="Calibri" panose="020F0502020204030204" pitchFamily="34" charset="0"/>
+              <a:cs typeface="Times New Roman" panose="02020603050405020304" pitchFamily="18" charset="0"/>
+            </a:endParaRPr>
+          </a:p>
+          <a:p>
+            <a:r>
+              <a:rPr lang="en-US" sz="1800" b="1" dirty="0">
+                <a:solidFill>
+                  <a:srgbClr val="FFFF00"/>
+                </a:solidFill>
+                <a:effectLst/>
+                <a:latin typeface="Calibri" panose="020F0502020204030204" pitchFamily="34" charset="0"/>
+                <a:ea typeface="Calibri" panose="020F0502020204030204" pitchFamily="34" charset="0"/>
+                <a:cs typeface="Times New Roman" panose="02020603050405020304" pitchFamily="18" charset="0"/>
+              </a:rPr>
+              <a:t>                     </a:t>
+            </a:r>
+            <a:r>
+              <a:rPr lang="en-US" sz="1800" b="1" dirty="0" err="1">
+                <a:solidFill>
+                  <a:srgbClr val="FFFF00"/>
+                </a:solidFill>
+                <a:effectLst/>
+                <a:latin typeface="Calibri" panose="020F0502020204030204" pitchFamily="34" charset="0"/>
+                <a:ea typeface="Calibri" panose="020F0502020204030204" pitchFamily="34" charset="0"/>
+                <a:cs typeface="Times New Roman" panose="02020603050405020304" pitchFamily="18" charset="0"/>
+              </a:rPr>
+              <a:t>p_eq</a:t>
+            </a:r>
+            <a:r>
+              <a:rPr lang="en-US" sz="1800" b="1" dirty="0">
+                <a:solidFill>
+                  <a:srgbClr val="FFFF00"/>
+                </a:solidFill>
+                <a:effectLst/>
+                <a:latin typeface="Calibri" panose="020F0502020204030204" pitchFamily="34" charset="0"/>
+                <a:ea typeface="Calibri" panose="020F0502020204030204" pitchFamily="34" charset="0"/>
+                <a:cs typeface="Times New Roman" panose="02020603050405020304" pitchFamily="18" charset="0"/>
+              </a:rPr>
+              <a:t>: [4301×4 double]</a:t>
+            </a:r>
+            <a:endParaRPr lang="it-IT" sz="1800" b="1" dirty="0">
+              <a:solidFill>
+                <a:srgbClr val="FFFF00"/>
+              </a:solidFill>
+              <a:effectLst/>
+              <a:latin typeface="Calibri" panose="020F0502020204030204" pitchFamily="34" charset="0"/>
+              <a:ea typeface="Calibri" panose="020F0502020204030204" pitchFamily="34" charset="0"/>
+              <a:cs typeface="Times New Roman" panose="02020603050405020304" pitchFamily="18" charset="0"/>
+            </a:endParaRPr>
+          </a:p>
+          <a:p>
+            <a:r>
+              <a:rPr lang="en-US" sz="1800" b="1" dirty="0">
+                <a:solidFill>
+                  <a:srgbClr val="FFFF00"/>
+                </a:solidFill>
+                <a:effectLst/>
+                <a:latin typeface="Calibri" panose="020F0502020204030204" pitchFamily="34" charset="0"/>
+                <a:ea typeface="Calibri" panose="020F0502020204030204" pitchFamily="34" charset="0"/>
+                <a:cs typeface="Times New Roman" panose="02020603050405020304" pitchFamily="18" charset="0"/>
+              </a:rPr>
+              <a:t>                        </a:t>
+            </a:r>
+            <a:r>
+              <a:rPr lang="en-US" sz="1800" b="1" dirty="0" err="1">
+                <a:solidFill>
+                  <a:srgbClr val="FFFF00"/>
+                </a:solidFill>
+                <a:effectLst/>
+                <a:latin typeface="Calibri" panose="020F0502020204030204" pitchFamily="34" charset="0"/>
+                <a:ea typeface="Calibri" panose="020F0502020204030204" pitchFamily="34" charset="0"/>
+                <a:cs typeface="Times New Roman" panose="02020603050405020304" pitchFamily="18" charset="0"/>
+              </a:rPr>
+              <a:t>Tfft</a:t>
+            </a:r>
+            <a:r>
+              <a:rPr lang="en-US" sz="1800" b="1" dirty="0">
+                <a:solidFill>
+                  <a:srgbClr val="FFFF00"/>
+                </a:solidFill>
+                <a:effectLst/>
+                <a:latin typeface="Calibri" panose="020F0502020204030204" pitchFamily="34" charset="0"/>
+                <a:ea typeface="Calibri" panose="020F0502020204030204" pitchFamily="34" charset="0"/>
+                <a:cs typeface="Times New Roman" panose="02020603050405020304" pitchFamily="18" charset="0"/>
+              </a:rPr>
+              <a:t>: 1024</a:t>
+            </a:r>
+            <a:endParaRPr lang="it-IT" sz="1800" b="1" dirty="0">
+              <a:solidFill>
+                <a:srgbClr val="FFFF00"/>
+              </a:solidFill>
+              <a:effectLst/>
+              <a:latin typeface="Calibri" panose="020F0502020204030204" pitchFamily="34" charset="0"/>
+              <a:ea typeface="Calibri" panose="020F0502020204030204" pitchFamily="34" charset="0"/>
+              <a:cs typeface="Times New Roman" panose="02020603050405020304" pitchFamily="18" charset="0"/>
+            </a:endParaRPr>
+          </a:p>
+          <a:p>
+            <a:r>
+              <a:rPr lang="en-US" sz="1800" b="1" dirty="0">
+                <a:solidFill>
+                  <a:srgbClr val="FFFF00"/>
+                </a:solidFill>
+                <a:effectLst/>
+                <a:latin typeface="Calibri" panose="020F0502020204030204" pitchFamily="34" charset="0"/>
+                <a:ea typeface="Calibri" panose="020F0502020204030204" pitchFamily="34" charset="0"/>
+                <a:cs typeface="Times New Roman" panose="02020603050405020304" pitchFamily="18" charset="0"/>
+              </a:rPr>
+              <a:t>                        ant: '</a:t>
+            </a:r>
+            <a:r>
+              <a:rPr lang="en-US" sz="1800" b="1" dirty="0" err="1">
+                <a:solidFill>
+                  <a:srgbClr val="FFFF00"/>
+                </a:solidFill>
+                <a:effectLst/>
+                <a:latin typeface="Calibri" panose="020F0502020204030204" pitchFamily="34" charset="0"/>
+                <a:ea typeface="Calibri" panose="020F0502020204030204" pitchFamily="34" charset="0"/>
+                <a:cs typeface="Times New Roman" panose="02020603050405020304" pitchFamily="18" charset="0"/>
+              </a:rPr>
+              <a:t>ligol</a:t>
+            </a:r>
+            <a:r>
+              <a:rPr lang="en-US" sz="1800" b="1" dirty="0">
+                <a:solidFill>
+                  <a:srgbClr val="FFFF00"/>
+                </a:solidFill>
+                <a:effectLst/>
+                <a:latin typeface="Calibri" panose="020F0502020204030204" pitchFamily="34" charset="0"/>
+                <a:ea typeface="Calibri" panose="020F0502020204030204" pitchFamily="34" charset="0"/>
+                <a:cs typeface="Times New Roman" panose="02020603050405020304" pitchFamily="18" charset="0"/>
+              </a:rPr>
+              <a:t>'</a:t>
+            </a:r>
+            <a:endParaRPr lang="it-IT" sz="1800" b="1" dirty="0">
+              <a:solidFill>
+                <a:srgbClr val="FFFF00"/>
+              </a:solidFill>
+              <a:effectLst/>
+              <a:latin typeface="Calibri" panose="020F0502020204030204" pitchFamily="34" charset="0"/>
+              <a:ea typeface="Calibri" panose="020F0502020204030204" pitchFamily="34" charset="0"/>
+              <a:cs typeface="Times New Roman" panose="02020603050405020304" pitchFamily="18" charset="0"/>
+            </a:endParaRPr>
+          </a:p>
+          <a:p>
+            <a:r>
+              <a:rPr lang="en-US" sz="1800" b="1" dirty="0">
+                <a:solidFill>
+                  <a:srgbClr val="FFFF00"/>
+                </a:solidFill>
+                <a:effectLst/>
+                <a:latin typeface="Calibri" panose="020F0502020204030204" pitchFamily="34" charset="0"/>
+                <a:ea typeface="Calibri" panose="020F0502020204030204" pitchFamily="34" charset="0"/>
+                <a:cs typeface="Times New Roman" panose="02020603050405020304" pitchFamily="18" charset="0"/>
+              </a:rPr>
+              <a:t>                       run: 'O2'</a:t>
+            </a:r>
+            <a:endParaRPr lang="it-IT" sz="1800" b="1" dirty="0">
+              <a:solidFill>
+                <a:srgbClr val="FFFF00"/>
+              </a:solidFill>
+              <a:effectLst/>
+              <a:latin typeface="Calibri" panose="020F0502020204030204" pitchFamily="34" charset="0"/>
+              <a:ea typeface="Calibri" panose="020F0502020204030204" pitchFamily="34" charset="0"/>
+              <a:cs typeface="Times New Roman" panose="02020603050405020304" pitchFamily="18" charset="0"/>
+            </a:endParaRPr>
+          </a:p>
+          <a:p>
+            <a:r>
+              <a:rPr lang="en-US" sz="1800" b="1" dirty="0">
+                <a:solidFill>
+                  <a:srgbClr val="FFFF00"/>
+                </a:solidFill>
+                <a:effectLst/>
+                <a:latin typeface="Calibri" panose="020F0502020204030204" pitchFamily="34" charset="0"/>
+                <a:ea typeface="Calibri" panose="020F0502020204030204" pitchFamily="34" charset="0"/>
+                <a:cs typeface="Times New Roman" panose="02020603050405020304" pitchFamily="18" charset="0"/>
+              </a:rPr>
+              <a:t>                        </a:t>
+            </a:r>
+            <a:r>
+              <a:rPr lang="en-US" sz="1800" b="1" dirty="0" err="1">
+                <a:solidFill>
+                  <a:srgbClr val="FFFF00"/>
+                </a:solidFill>
+                <a:effectLst/>
+                <a:latin typeface="Calibri" panose="020F0502020204030204" pitchFamily="34" charset="0"/>
+                <a:ea typeface="Calibri" panose="020F0502020204030204" pitchFamily="34" charset="0"/>
+                <a:cs typeface="Times New Roman" panose="02020603050405020304" pitchFamily="18" charset="0"/>
+              </a:rPr>
+              <a:t>cal</a:t>
+            </a:r>
+            <a:r>
+              <a:rPr lang="en-US" sz="1800" b="1" dirty="0">
+                <a:solidFill>
+                  <a:srgbClr val="FFFF00"/>
+                </a:solidFill>
+                <a:effectLst/>
+                <a:latin typeface="Calibri" panose="020F0502020204030204" pitchFamily="34" charset="0"/>
+                <a:ea typeface="Calibri" panose="020F0502020204030204" pitchFamily="34" charset="0"/>
+                <a:cs typeface="Times New Roman" panose="02020603050405020304" pitchFamily="18" charset="0"/>
+              </a:rPr>
+              <a:t>: 'C02_2048'</a:t>
+            </a:r>
+            <a:endParaRPr lang="it-IT" sz="1800" b="1" dirty="0">
+              <a:solidFill>
+                <a:srgbClr val="FFFF00"/>
+              </a:solidFill>
+              <a:effectLst/>
+              <a:latin typeface="Calibri" panose="020F0502020204030204" pitchFamily="34" charset="0"/>
+              <a:ea typeface="Calibri" panose="020F0502020204030204" pitchFamily="34" charset="0"/>
+              <a:cs typeface="Times New Roman" panose="02020603050405020304" pitchFamily="18" charset="0"/>
+            </a:endParaRPr>
+          </a:p>
+          <a:p>
+            <a:r>
+              <a:rPr lang="en-US" sz="1800" b="1" dirty="0">
+                <a:solidFill>
+                  <a:srgbClr val="FFFF00"/>
+                </a:solidFill>
+                <a:effectLst/>
+                <a:latin typeface="Calibri" panose="020F0502020204030204" pitchFamily="34" charset="0"/>
+                <a:ea typeface="Calibri" panose="020F0502020204030204" pitchFamily="34" charset="0"/>
+                <a:cs typeface="Times New Roman" panose="02020603050405020304" pitchFamily="18" charset="0"/>
+              </a:rPr>
+              <a:t>   </a:t>
+            </a:r>
+            <a:r>
+              <a:rPr lang="en-US" sz="1800" b="1" dirty="0" err="1">
+                <a:solidFill>
+                  <a:srgbClr val="FFFF00"/>
+                </a:solidFill>
+                <a:effectLst/>
+                <a:latin typeface="Calibri" panose="020F0502020204030204" pitchFamily="34" charset="0"/>
+                <a:ea typeface="Calibri" panose="020F0502020204030204" pitchFamily="34" charset="0"/>
+                <a:cs typeface="Times New Roman" panose="02020603050405020304" pitchFamily="18" charset="0"/>
+              </a:rPr>
+              <a:t>clean_fraction</a:t>
+            </a:r>
+            <a:r>
+              <a:rPr lang="en-US" sz="1800" b="1" dirty="0">
+                <a:solidFill>
+                  <a:srgbClr val="FFFF00"/>
+                </a:solidFill>
+                <a:effectLst/>
+                <a:latin typeface="Calibri" panose="020F0502020204030204" pitchFamily="34" charset="0"/>
+                <a:ea typeface="Calibri" panose="020F0502020204030204" pitchFamily="34" charset="0"/>
+                <a:cs typeface="Times New Roman" panose="02020603050405020304" pitchFamily="18" charset="0"/>
+              </a:rPr>
+              <a:t>: 5.3483e-04</a:t>
+            </a:r>
+            <a:endParaRPr lang="it-IT" sz="1800" b="1" dirty="0">
+              <a:solidFill>
+                <a:srgbClr val="FFFF00"/>
+              </a:solidFill>
+              <a:effectLst/>
+              <a:latin typeface="Calibri" panose="020F0502020204030204" pitchFamily="34" charset="0"/>
+              <a:ea typeface="Calibri" panose="020F0502020204030204" pitchFamily="34" charset="0"/>
+              <a:cs typeface="Times New Roman" panose="02020603050405020304" pitchFamily="18" charset="0"/>
+            </a:endParaRPr>
+          </a:p>
+          <a:p>
+            <a:r>
+              <a:rPr lang="en-US" sz="1800" b="1" dirty="0">
+                <a:solidFill>
+                  <a:srgbClr val="FFFF00"/>
+                </a:solidFill>
+                <a:effectLst/>
+                <a:latin typeface="Calibri" panose="020F0502020204030204" pitchFamily="34" charset="0"/>
+                <a:ea typeface="Calibri" panose="020F0502020204030204" pitchFamily="34" charset="0"/>
+                <a:cs typeface="Times New Roman" panose="02020603050405020304" pitchFamily="18" charset="0"/>
+              </a:rPr>
+              <a:t>            </a:t>
+            </a:r>
+            <a:r>
+              <a:rPr lang="en-US" sz="1800" b="1" dirty="0" err="1">
+                <a:solidFill>
+                  <a:srgbClr val="FFFF00"/>
+                </a:solidFill>
+                <a:effectLst/>
+                <a:latin typeface="Calibri" panose="020F0502020204030204" pitchFamily="34" charset="0"/>
+                <a:ea typeface="Calibri" panose="020F0502020204030204" pitchFamily="34" charset="0"/>
+                <a:cs typeface="Times New Roman" panose="02020603050405020304" pitchFamily="18" charset="0"/>
+              </a:rPr>
+              <a:t>tcreation</a:t>
+            </a:r>
+            <a:r>
+              <a:rPr lang="en-US" sz="1800" b="1" dirty="0">
+                <a:solidFill>
+                  <a:srgbClr val="FFFF00"/>
+                </a:solidFill>
+                <a:effectLst/>
+                <a:latin typeface="Calibri" panose="020F0502020204030204" pitchFamily="34" charset="0"/>
+                <a:ea typeface="Calibri" panose="020F0502020204030204" pitchFamily="34" charset="0"/>
+                <a:cs typeface="Times New Roman" panose="02020603050405020304" pitchFamily="18" charset="0"/>
+              </a:rPr>
+              <a:t>: '05-Apr-2019 12:57:09'</a:t>
+            </a:r>
+            <a:endParaRPr lang="it-IT" sz="1800" b="1" dirty="0">
+              <a:solidFill>
+                <a:srgbClr val="FFFF00"/>
+              </a:solidFill>
+              <a:effectLst/>
+              <a:latin typeface="Calibri" panose="020F0502020204030204" pitchFamily="34" charset="0"/>
+              <a:ea typeface="Calibri" panose="020F0502020204030204" pitchFamily="34" charset="0"/>
+              <a:cs typeface="Times New Roman" panose="02020603050405020304" pitchFamily="18" charset="0"/>
+            </a:endParaRPr>
+          </a:p>
+          <a:p>
+            <a:r>
+              <a:rPr lang="en-US" sz="1800" b="1" dirty="0">
+                <a:solidFill>
+                  <a:srgbClr val="FFFF00"/>
+                </a:solidFill>
+                <a:effectLst/>
+                <a:latin typeface="Calibri" panose="020F0502020204030204" pitchFamily="34" charset="0"/>
+                <a:ea typeface="Calibri" panose="020F0502020204030204" pitchFamily="34" charset="0"/>
+                <a:cs typeface="Times New Roman" panose="02020603050405020304" pitchFamily="18" charset="0"/>
+              </a:rPr>
+              <a:t>       </a:t>
+            </a:r>
+            <a:r>
+              <a:rPr lang="en-US" sz="1800" b="1" dirty="0" err="1">
+                <a:solidFill>
+                  <a:srgbClr val="FFFF00"/>
+                </a:solidFill>
+                <a:effectLst/>
+                <a:latin typeface="Calibri" panose="020F0502020204030204" pitchFamily="34" charset="0"/>
+                <a:ea typeface="Calibri" panose="020F0502020204030204" pitchFamily="34" charset="0"/>
+                <a:cs typeface="Times New Roman" panose="02020603050405020304" pitchFamily="18" charset="0"/>
+              </a:rPr>
+              <a:t>durcreation</a:t>
+            </a:r>
+            <a:r>
+              <a:rPr lang="en-US" sz="1800" b="1" dirty="0">
+                <a:solidFill>
+                  <a:srgbClr val="FFFF00"/>
+                </a:solidFill>
+                <a:effectLst/>
+                <a:latin typeface="Calibri" panose="020F0502020204030204" pitchFamily="34" charset="0"/>
+                <a:ea typeface="Calibri" panose="020F0502020204030204" pitchFamily="34" charset="0"/>
+                <a:cs typeface="Times New Roman" panose="02020603050405020304" pitchFamily="18" charset="0"/>
+              </a:rPr>
+              <a:t>: 64.7034</a:t>
+            </a:r>
+            <a:endParaRPr lang="it-IT" sz="1800" b="1" dirty="0">
+              <a:solidFill>
+                <a:srgbClr val="FFFF00"/>
+              </a:solidFill>
+              <a:effectLst/>
+              <a:latin typeface="Calibri" panose="020F0502020204030204" pitchFamily="34" charset="0"/>
+              <a:ea typeface="Calibri" panose="020F0502020204030204" pitchFamily="34" charset="0"/>
+              <a:cs typeface="Times New Roman" panose="02020603050405020304" pitchFamily="18" charset="0"/>
+            </a:endParaRPr>
+          </a:p>
+          <a:p>
+            <a:r>
+              <a:rPr lang="en-US" sz="1800" b="1" dirty="0">
+                <a:solidFill>
+                  <a:srgbClr val="FFFF00"/>
+                </a:solidFill>
+                <a:effectLst/>
+                <a:latin typeface="Calibri" panose="020F0502020204030204" pitchFamily="34" charset="0"/>
+                <a:ea typeface="Calibri" panose="020F0502020204030204" pitchFamily="34" charset="0"/>
+                <a:cs typeface="Times New Roman" panose="02020603050405020304" pitchFamily="18" charset="0"/>
+              </a:rPr>
+              <a:t>        </a:t>
+            </a:r>
+            <a:r>
+              <a:rPr lang="en-US" sz="1800" b="1" dirty="0" err="1">
+                <a:solidFill>
+                  <a:srgbClr val="FFFF00"/>
+                </a:solidFill>
+                <a:effectLst/>
+                <a:latin typeface="Calibri" panose="020F0502020204030204" pitchFamily="34" charset="0"/>
+                <a:ea typeface="Calibri" panose="020F0502020204030204" pitchFamily="34" charset="0"/>
+                <a:cs typeface="Times New Roman" panose="02020603050405020304" pitchFamily="18" charset="0"/>
+              </a:rPr>
+              <a:t>mi_abs_lev</a:t>
+            </a:r>
+            <a:r>
+              <a:rPr lang="en-US" sz="1800" b="1" dirty="0">
+                <a:solidFill>
+                  <a:srgbClr val="FFFF00"/>
+                </a:solidFill>
+                <a:effectLst/>
+                <a:latin typeface="Calibri" panose="020F0502020204030204" pitchFamily="34" charset="0"/>
+                <a:ea typeface="Calibri" panose="020F0502020204030204" pitchFamily="34" charset="0"/>
+                <a:cs typeface="Times New Roman" panose="02020603050405020304" pitchFamily="18" charset="0"/>
+              </a:rPr>
+              <a:t>: 0.0020</a:t>
+            </a:r>
+            <a:endParaRPr lang="it-IT" b="1" dirty="0">
+              <a:solidFill>
+                <a:srgbClr val="FFFF00"/>
+              </a:solidFill>
+            </a:endParaRPr>
+          </a:p>
+        </p:txBody>
+      </p:sp>
+      <p:sp>
+        <p:nvSpPr>
+          <p:cNvPr id="4" name="CasellaDiTesto 3">
+            <a:extLst>
+              <a:ext uri="{FF2B5EF4-FFF2-40B4-BE49-F238E27FC236}">
+                <a16:creationId xmlns:a16="http://schemas.microsoft.com/office/drawing/2014/main" id="{394505F1-A846-448C-17D9-2F878B1E51A2}"/>
+              </a:ext>
+            </a:extLst>
+          </p:cNvPr>
+          <p:cNvSpPr txBox="1"/>
+          <p:nvPr/>
+        </p:nvSpPr>
+        <p:spPr>
+          <a:xfrm>
+            <a:off x="542611" y="5164853"/>
+            <a:ext cx="10962834" cy="646331"/>
+          </a:xfrm>
+          <a:prstGeom prst="rect">
+            <a:avLst/>
+          </a:prstGeom>
+          <a:noFill/>
+        </p:spPr>
+        <p:txBody>
+          <a:bodyPr wrap="square" rtlCol="0">
+            <a:spAutoFit/>
+          </a:bodyPr>
+          <a:lstStyle/>
+          <a:p>
+            <a:pPr marL="285750" indent="-285750">
+              <a:buFont typeface="Arial" panose="020B0604020202020204" pitchFamily="34" charset="0"/>
+              <a:buChar char="•"/>
+            </a:pPr>
+            <a:r>
+              <a:rPr lang="en-US" b="1" dirty="0">
+                <a:solidFill>
+                  <a:srgbClr val="FFFF00"/>
+                </a:solidFill>
+              </a:rPr>
+              <a:t>A </a:t>
+            </a:r>
+            <a:r>
+              <a:rPr lang="en-US" b="1" dirty="0" err="1">
+                <a:solidFill>
+                  <a:srgbClr val="FFFF00"/>
+                </a:solidFill>
+              </a:rPr>
+              <a:t>questi</a:t>
+            </a:r>
+            <a:r>
+              <a:rPr lang="en-US" b="1" dirty="0">
+                <a:solidFill>
+                  <a:srgbClr val="FFFF00"/>
+                </a:solidFill>
+              </a:rPr>
+              <a:t> </a:t>
+            </a:r>
+            <a:r>
+              <a:rPr lang="en-US" b="1" dirty="0" err="1">
+                <a:solidFill>
+                  <a:srgbClr val="FFFF00"/>
+                </a:solidFill>
+              </a:rPr>
+              <a:t>dati</a:t>
+            </a:r>
+            <a:r>
+              <a:rPr lang="en-US" b="1" dirty="0">
+                <a:solidFill>
+                  <a:srgbClr val="FFFF00"/>
+                </a:solidFill>
+              </a:rPr>
+              <a:t> </a:t>
+            </a:r>
+            <a:r>
+              <a:rPr lang="en-US" b="1" dirty="0" err="1">
+                <a:solidFill>
+                  <a:srgbClr val="FFFF00"/>
+                </a:solidFill>
+              </a:rPr>
+              <a:t>viene</a:t>
+            </a:r>
+            <a:r>
+              <a:rPr lang="en-US" b="1" dirty="0">
+                <a:solidFill>
+                  <a:srgbClr val="FFFF00"/>
+                </a:solidFill>
+              </a:rPr>
+              <a:t> </a:t>
+            </a:r>
+            <a:r>
+              <a:rPr lang="en-US" b="1" dirty="0" err="1">
+                <a:solidFill>
+                  <a:srgbClr val="FFFF00"/>
+                </a:solidFill>
+              </a:rPr>
+              <a:t>aggiunta</a:t>
+            </a:r>
+            <a:r>
+              <a:rPr lang="en-US" b="1" dirty="0">
+                <a:solidFill>
+                  <a:srgbClr val="FFFF00"/>
+                </a:solidFill>
+              </a:rPr>
+              <a:t> </a:t>
+            </a:r>
+            <a:r>
+              <a:rPr lang="en-US" b="1" dirty="0" err="1">
+                <a:solidFill>
+                  <a:srgbClr val="FFFF00"/>
+                </a:solidFill>
+              </a:rPr>
+              <a:t>una</a:t>
+            </a:r>
+            <a:r>
+              <a:rPr lang="en-US" b="1" dirty="0">
+                <a:solidFill>
+                  <a:srgbClr val="FFFF00"/>
+                </a:solidFill>
+              </a:rPr>
+              <a:t> </a:t>
+            </a:r>
+            <a:r>
+              <a:rPr lang="en-US" b="1" dirty="0" err="1">
+                <a:solidFill>
+                  <a:srgbClr val="FFFF00"/>
+                </a:solidFill>
+              </a:rPr>
+              <a:t>nuova</a:t>
+            </a:r>
+            <a:r>
+              <a:rPr lang="en-US" b="1" dirty="0">
+                <a:solidFill>
+                  <a:srgbClr val="FFFF00"/>
+                </a:solidFill>
+              </a:rPr>
+              <a:t> </a:t>
+            </a:r>
+            <a:r>
+              <a:rPr lang="en-US" b="1" dirty="0" err="1">
+                <a:solidFill>
+                  <a:srgbClr val="FFFF00"/>
+                </a:solidFill>
+              </a:rPr>
+              <a:t>più</a:t>
+            </a:r>
+            <a:r>
+              <a:rPr lang="en-US" b="1" dirty="0">
+                <a:solidFill>
+                  <a:srgbClr val="FFFF00"/>
+                </a:solidFill>
+              </a:rPr>
+              <a:t> </a:t>
+            </a:r>
+            <a:r>
+              <a:rPr lang="en-US" b="1" dirty="0" err="1">
+                <a:solidFill>
+                  <a:srgbClr val="FFFF00"/>
+                </a:solidFill>
+              </a:rPr>
+              <a:t>complessa</a:t>
+            </a:r>
+            <a:r>
+              <a:rPr lang="en-US" b="1" dirty="0">
+                <a:solidFill>
+                  <a:srgbClr val="FFFF00"/>
+                </a:solidFill>
+              </a:rPr>
+              <a:t> </a:t>
+            </a:r>
+            <a:r>
+              <a:rPr lang="en-US" b="1" dirty="0" err="1">
+                <a:solidFill>
+                  <a:srgbClr val="FFFF00"/>
+                </a:solidFill>
+              </a:rPr>
+              <a:t>struttura</a:t>
+            </a:r>
+            <a:r>
+              <a:rPr lang="en-US" b="1" dirty="0">
+                <a:solidFill>
+                  <a:srgbClr val="FFFF00"/>
+                </a:solidFill>
+              </a:rPr>
+              <a:t> </a:t>
+            </a:r>
+            <a:r>
+              <a:rPr lang="en-US" b="1" dirty="0" err="1">
+                <a:solidFill>
+                  <a:srgbClr val="FFFF00"/>
+                </a:solidFill>
+              </a:rPr>
+              <a:t>tfstr</a:t>
+            </a:r>
+            <a:r>
+              <a:rPr lang="en-US" b="1" dirty="0">
+                <a:solidFill>
+                  <a:srgbClr val="FFFF00"/>
+                </a:solidFill>
+              </a:rPr>
+              <a:t>, </a:t>
+            </a:r>
+            <a:r>
+              <a:rPr lang="en-US" b="1" dirty="0" err="1">
+                <a:solidFill>
+                  <a:srgbClr val="FFFF00"/>
+                </a:solidFill>
+              </a:rPr>
+              <a:t>chiamata</a:t>
+            </a:r>
+            <a:r>
+              <a:rPr lang="en-US" b="1" dirty="0">
+                <a:solidFill>
+                  <a:srgbClr val="FFFF00"/>
+                </a:solidFill>
+              </a:rPr>
+              <a:t> </a:t>
+            </a:r>
+            <a:r>
+              <a:rPr lang="en-US" b="1" dirty="0" err="1">
+                <a:solidFill>
+                  <a:srgbClr val="FFFF00"/>
+                </a:solidFill>
+              </a:rPr>
+              <a:t>scherzosamente</a:t>
+            </a:r>
+            <a:r>
+              <a:rPr lang="en-US" b="1" dirty="0">
+                <a:solidFill>
+                  <a:srgbClr val="FFFF00"/>
+                </a:solidFill>
+              </a:rPr>
+              <a:t> “</a:t>
+            </a:r>
+            <a:r>
+              <a:rPr lang="en-US" b="1" dirty="0" err="1">
+                <a:solidFill>
+                  <a:srgbClr val="FFFF00"/>
+                </a:solidFill>
+              </a:rPr>
+              <a:t>addobbo</a:t>
+            </a:r>
+            <a:r>
+              <a:rPr lang="en-US" b="1" dirty="0">
+                <a:solidFill>
+                  <a:srgbClr val="FFFF00"/>
+                </a:solidFill>
+              </a:rPr>
+              <a:t>” (decoration), </a:t>
+            </a:r>
+            <a:r>
+              <a:rPr lang="en-US" b="1" dirty="0" err="1">
+                <a:solidFill>
+                  <a:srgbClr val="FFFF00"/>
+                </a:solidFill>
+              </a:rPr>
+              <a:t>che</a:t>
+            </a:r>
+            <a:r>
+              <a:rPr lang="en-US" b="1" dirty="0">
+                <a:solidFill>
+                  <a:srgbClr val="FFFF00"/>
+                </a:solidFill>
+              </a:rPr>
+              <a:t> </a:t>
+            </a:r>
+            <a:r>
+              <a:rPr lang="en-US" b="1" dirty="0" err="1">
+                <a:solidFill>
+                  <a:srgbClr val="FFFF00"/>
+                </a:solidFill>
+              </a:rPr>
+              <a:t>sintetizza</a:t>
+            </a:r>
+            <a:r>
+              <a:rPr lang="en-US" b="1" dirty="0">
+                <a:solidFill>
+                  <a:srgbClr val="FFFF00"/>
+                </a:solidFill>
+              </a:rPr>
+              <a:t> </a:t>
+            </a:r>
+            <a:r>
+              <a:rPr lang="en-US" b="1" dirty="0" err="1">
+                <a:solidFill>
+                  <a:srgbClr val="FFFF00"/>
+                </a:solidFill>
+              </a:rPr>
+              <a:t>delle</a:t>
+            </a:r>
+            <a:r>
+              <a:rPr lang="en-US" b="1" dirty="0">
+                <a:solidFill>
+                  <a:srgbClr val="FFFF00"/>
+                </a:solidFill>
+              </a:rPr>
+              <a:t> </a:t>
+            </a:r>
+            <a:r>
+              <a:rPr lang="en-US" b="1" dirty="0" err="1">
+                <a:solidFill>
+                  <a:srgbClr val="FFFF00"/>
+                </a:solidFill>
+              </a:rPr>
+              <a:t>analisi</a:t>
+            </a:r>
+            <a:r>
+              <a:rPr lang="en-US" b="1" dirty="0">
+                <a:solidFill>
+                  <a:srgbClr val="FFFF00"/>
+                </a:solidFill>
+              </a:rPr>
+              <a:t> di base del </a:t>
+            </a:r>
+            <a:r>
+              <a:rPr lang="en-US" b="1" dirty="0" err="1">
+                <a:solidFill>
+                  <a:srgbClr val="FFFF00"/>
+                </a:solidFill>
+              </a:rPr>
+              <a:t>bsd</a:t>
+            </a:r>
+            <a:r>
+              <a:rPr lang="en-US" b="1" dirty="0">
+                <a:solidFill>
+                  <a:srgbClr val="FFFF00"/>
+                </a:solidFill>
+              </a:rPr>
+              <a:t>.</a:t>
+            </a:r>
+            <a:endParaRPr lang="it-IT" b="1" dirty="0">
+              <a:solidFill>
+                <a:srgbClr val="FFFF00"/>
+              </a:solidFill>
+            </a:endParaRPr>
+          </a:p>
+        </p:txBody>
+      </p:sp>
+      <p:sp>
+        <p:nvSpPr>
+          <p:cNvPr id="6" name="CasellaDiTesto 5">
+            <a:extLst>
+              <a:ext uri="{FF2B5EF4-FFF2-40B4-BE49-F238E27FC236}">
+                <a16:creationId xmlns:a16="http://schemas.microsoft.com/office/drawing/2014/main" id="{03A13240-131F-CE2C-8F50-CD467D3012C7}"/>
+              </a:ext>
+            </a:extLst>
+          </p:cNvPr>
+          <p:cNvSpPr txBox="1"/>
+          <p:nvPr/>
+        </p:nvSpPr>
+        <p:spPr>
+          <a:xfrm>
+            <a:off x="1256043" y="251209"/>
+            <a:ext cx="7918101" cy="800219"/>
+          </a:xfrm>
+          <a:prstGeom prst="rect">
+            <a:avLst/>
+          </a:prstGeom>
+          <a:noFill/>
+        </p:spPr>
+        <p:txBody>
+          <a:bodyPr wrap="square" rtlCol="0">
+            <a:spAutoFit/>
+          </a:bodyPr>
+          <a:lstStyle/>
+          <a:p>
+            <a:r>
+              <a:rPr lang="it-IT" sz="2800" b="1" dirty="0">
+                <a:solidFill>
+                  <a:srgbClr val="FF0000"/>
+                </a:solidFill>
+                <a:latin typeface="Calibri" panose="020F0502020204030204" pitchFamily="34" charset="0"/>
+                <a:ea typeface="Calibri" panose="020F0502020204030204" pitchFamily="34" charset="0"/>
+                <a:cs typeface="Times New Roman" panose="02020603050405020304" pitchFamily="18" charset="0"/>
+              </a:rPr>
+              <a:t>Ecco come si presenta la struttura base dei </a:t>
+            </a:r>
+            <a:r>
+              <a:rPr lang="it-IT" sz="2800" b="1" dirty="0" err="1">
+                <a:solidFill>
+                  <a:srgbClr val="FF0000"/>
+                </a:solidFill>
+                <a:latin typeface="Calibri" panose="020F0502020204030204" pitchFamily="34" charset="0"/>
+                <a:ea typeface="Calibri" panose="020F0502020204030204" pitchFamily="34" charset="0"/>
+                <a:cs typeface="Times New Roman" panose="02020603050405020304" pitchFamily="18" charset="0"/>
+              </a:rPr>
+              <a:t>bsd</a:t>
+            </a:r>
+            <a:r>
+              <a:rPr lang="it-IT" sz="2800" b="1" dirty="0">
+                <a:solidFill>
+                  <a:srgbClr val="FF0000"/>
+                </a:solidFill>
+                <a:latin typeface="Calibri" panose="020F0502020204030204" pitchFamily="34" charset="0"/>
+                <a:ea typeface="Calibri" panose="020F0502020204030204" pitchFamily="34" charset="0"/>
+                <a:cs typeface="Times New Roman" panose="02020603050405020304" pitchFamily="18" charset="0"/>
+              </a:rPr>
+              <a:t>:</a:t>
+            </a:r>
+            <a:endParaRPr lang="it-IT" sz="2800" b="1" dirty="0">
+              <a:solidFill>
+                <a:srgbClr val="FF0000"/>
+              </a:solidFill>
+              <a:effectLst/>
+              <a:latin typeface="Calibri" panose="020F0502020204030204" pitchFamily="34" charset="0"/>
+              <a:ea typeface="Calibri" panose="020F0502020204030204" pitchFamily="34" charset="0"/>
+              <a:cs typeface="Times New Roman" panose="02020603050405020304" pitchFamily="18" charset="0"/>
+            </a:endParaRPr>
+          </a:p>
+          <a:p>
+            <a:endParaRPr lang="it-IT" dirty="0"/>
+          </a:p>
+        </p:txBody>
+      </p:sp>
+    </p:spTree>
+    <p:extLst>
+      <p:ext uri="{BB962C8B-B14F-4D97-AF65-F5344CB8AC3E}">
+        <p14:creationId xmlns:p14="http://schemas.microsoft.com/office/powerpoint/2010/main" val="398850156"/>
+      </p:ext>
+    </p:extLst>
+  </p:cSld>
+  <p:clrMapOvr>
+    <a:masterClrMapping/>
+  </p:clrMapOvr>
+</p:sld>
+</file>
+
+<file path=ppt/slides/slide34.xml><?xml version="1.0" encoding="utf-8"?>
+<p:sld xmlns:a="http://schemas.openxmlformats.org/drawingml/2006/main" xmlns:r="http://schemas.openxmlformats.org/officeDocument/2006/relationships" xmlns:p="http://schemas.openxmlformats.org/presentationml/2006/main">
+  <p:cSld>
+    <p:spTree>
+      <p:nvGrpSpPr>
+        <p:cNvPr id="1" name=""/>
+        <p:cNvGrpSpPr/>
+        <p:nvPr/>
+      </p:nvGrpSpPr>
+      <p:grpSpPr>
+        <a:xfrm>
+          <a:off x="0" y="0"/>
+          <a:ext cx="0" cy="0"/>
+          <a:chOff x="0" y="0"/>
+          <a:chExt cx="0" cy="0"/>
+        </a:xfrm>
+      </p:grpSpPr>
+      <p:sp>
+        <p:nvSpPr>
+          <p:cNvPr id="2" name="Segnaposto numero diapositiva 1">
+            <a:extLst>
+              <a:ext uri="{FF2B5EF4-FFF2-40B4-BE49-F238E27FC236}">
+                <a16:creationId xmlns:a16="http://schemas.microsoft.com/office/drawing/2014/main" id="{FB210142-F8FA-AFFD-83C4-DCDEAE505735}"/>
+              </a:ext>
+            </a:extLst>
+          </p:cNvPr>
+          <p:cNvSpPr>
+            <a:spLocks noGrp="1"/>
+          </p:cNvSpPr>
+          <p:nvPr>
+            <p:ph type="sldNum" sz="quarter" idx="12"/>
+          </p:nvPr>
+        </p:nvSpPr>
+        <p:spPr/>
+        <p:txBody>
+          <a:bodyPr/>
+          <a:lstStyle/>
+          <a:p>
+            <a:fld id="{D57F1E4F-1CFF-5643-939E-217C01CDF565}" type="slidenum">
+              <a:rPr lang="en-US" smtClean="0"/>
+              <a:pPr/>
+              <a:t>34</a:t>
+            </a:fld>
+            <a:endParaRPr lang="en-US" dirty="0"/>
+          </a:p>
+        </p:txBody>
+      </p:sp>
+      <p:sp>
+        <p:nvSpPr>
+          <p:cNvPr id="3" name="CasellaDiTesto 2">
+            <a:extLst>
+              <a:ext uri="{FF2B5EF4-FFF2-40B4-BE49-F238E27FC236}">
+                <a16:creationId xmlns:a16="http://schemas.microsoft.com/office/drawing/2014/main" id="{D5D6FA7C-E224-38AB-8F1A-3909D88F9B55}"/>
+              </a:ext>
+            </a:extLst>
+          </p:cNvPr>
+          <p:cNvSpPr txBox="1"/>
+          <p:nvPr/>
+        </p:nvSpPr>
+        <p:spPr>
+          <a:xfrm>
+            <a:off x="643095" y="341644"/>
+            <a:ext cx="10862350" cy="461665"/>
+          </a:xfrm>
+          <a:prstGeom prst="rect">
+            <a:avLst/>
+          </a:prstGeom>
+          <a:noFill/>
+        </p:spPr>
+        <p:txBody>
+          <a:bodyPr wrap="square" rtlCol="0">
+            <a:spAutoFit/>
+          </a:bodyPr>
+          <a:lstStyle/>
+          <a:p>
+            <a:r>
+              <a:rPr lang="en-US" sz="2400" b="1" dirty="0">
+                <a:solidFill>
+                  <a:srgbClr val="FF0000"/>
+                </a:solidFill>
+              </a:rPr>
+              <a:t>Ecco la </a:t>
+            </a:r>
+            <a:r>
+              <a:rPr lang="en-US" sz="2400" b="1" dirty="0" err="1">
+                <a:solidFill>
+                  <a:srgbClr val="FF0000"/>
+                </a:solidFill>
+              </a:rPr>
+              <a:t>struttura</a:t>
+            </a:r>
+            <a:r>
+              <a:rPr lang="en-US" sz="2400" b="1" dirty="0">
+                <a:solidFill>
+                  <a:srgbClr val="FF0000"/>
+                </a:solidFill>
+              </a:rPr>
+              <a:t> </a:t>
+            </a:r>
+            <a:r>
+              <a:rPr lang="en-US" sz="2400" b="1" dirty="0" err="1">
+                <a:solidFill>
+                  <a:srgbClr val="FF0000"/>
+                </a:solidFill>
+              </a:rPr>
+              <a:t>schematica</a:t>
+            </a:r>
+            <a:r>
+              <a:rPr lang="en-US" sz="2400" b="1" dirty="0">
+                <a:solidFill>
+                  <a:srgbClr val="FF0000"/>
+                </a:solidFill>
+              </a:rPr>
+              <a:t> </a:t>
+            </a:r>
+            <a:r>
+              <a:rPr lang="en-US" sz="2400" b="1" dirty="0" err="1">
+                <a:solidFill>
+                  <a:srgbClr val="FF0000"/>
+                </a:solidFill>
+              </a:rPr>
+              <a:t>delle</a:t>
+            </a:r>
+            <a:r>
+              <a:rPr lang="en-US" sz="2400" b="1" dirty="0">
+                <a:solidFill>
+                  <a:srgbClr val="FF0000"/>
+                </a:solidFill>
+              </a:rPr>
+              <a:t> </a:t>
+            </a:r>
+            <a:r>
+              <a:rPr lang="en-US" sz="2400" b="1" dirty="0" err="1">
+                <a:solidFill>
+                  <a:srgbClr val="FF0000"/>
+                </a:solidFill>
+              </a:rPr>
+              <a:t>strutture</a:t>
+            </a:r>
+            <a:r>
+              <a:rPr lang="en-US" sz="2400" b="1" dirty="0">
+                <a:solidFill>
+                  <a:srgbClr val="FF0000"/>
+                </a:solidFill>
+              </a:rPr>
+              <a:t> </a:t>
+            </a:r>
+            <a:r>
+              <a:rPr lang="en-US" sz="2400" b="1" dirty="0" err="1">
+                <a:solidFill>
+                  <a:srgbClr val="FF0000"/>
+                </a:solidFill>
+              </a:rPr>
+              <a:t>annidate</a:t>
+            </a:r>
+            <a:r>
+              <a:rPr lang="en-US" sz="2400" b="1" dirty="0">
+                <a:solidFill>
+                  <a:srgbClr val="FF0000"/>
+                </a:solidFill>
+              </a:rPr>
+              <a:t> </a:t>
+            </a:r>
+            <a:r>
+              <a:rPr lang="en-US" sz="2400" b="1" dirty="0" err="1">
+                <a:solidFill>
+                  <a:srgbClr val="FF0000"/>
+                </a:solidFill>
+              </a:rPr>
+              <a:t>della</a:t>
+            </a:r>
+            <a:r>
+              <a:rPr lang="en-US" sz="2400" b="1" dirty="0">
+                <a:solidFill>
+                  <a:srgbClr val="FF0000"/>
+                </a:solidFill>
+              </a:rPr>
+              <a:t> </a:t>
+            </a:r>
+            <a:r>
+              <a:rPr lang="en-US" sz="2400" b="1" dirty="0" err="1">
+                <a:solidFill>
+                  <a:srgbClr val="FF0000"/>
+                </a:solidFill>
+              </a:rPr>
+              <a:t>tfstr</a:t>
+            </a:r>
+            <a:r>
+              <a:rPr lang="en-US" sz="2400" b="1" dirty="0">
+                <a:solidFill>
+                  <a:srgbClr val="FF0000"/>
+                </a:solidFill>
+              </a:rPr>
+              <a:t>:</a:t>
+            </a:r>
+            <a:endParaRPr lang="it-IT" sz="2400" b="1" dirty="0">
+              <a:solidFill>
+                <a:srgbClr val="FF0000"/>
+              </a:solidFill>
+            </a:endParaRPr>
+          </a:p>
+        </p:txBody>
+      </p:sp>
+      <p:sp>
+        <p:nvSpPr>
+          <p:cNvPr id="5" name="CasellaDiTesto 4">
+            <a:extLst>
+              <a:ext uri="{FF2B5EF4-FFF2-40B4-BE49-F238E27FC236}">
+                <a16:creationId xmlns:a16="http://schemas.microsoft.com/office/drawing/2014/main" id="{303B516B-86FE-383F-B9EF-7C4922EB1EDB}"/>
+              </a:ext>
+            </a:extLst>
+          </p:cNvPr>
+          <p:cNvSpPr txBox="1"/>
+          <p:nvPr/>
+        </p:nvSpPr>
+        <p:spPr>
+          <a:xfrm>
+            <a:off x="411982" y="1215851"/>
+            <a:ext cx="10189029" cy="2103204"/>
+          </a:xfrm>
+          <a:prstGeom prst="rect">
+            <a:avLst/>
+          </a:prstGeom>
+          <a:noFill/>
+        </p:spPr>
+        <p:txBody>
+          <a:bodyPr wrap="square" rtlCol="0">
+            <a:spAutoFit/>
+          </a:bodyPr>
+          <a:lstStyle/>
+          <a:p>
+            <a:pPr algn="ctr">
+              <a:lnSpc>
+                <a:spcPct val="107000"/>
+              </a:lnSpc>
+              <a:spcAft>
+                <a:spcPts val="800"/>
+              </a:spcAft>
+            </a:pPr>
+            <a:r>
+              <a:rPr lang="en-US" sz="2000" b="1" dirty="0" err="1">
+                <a:solidFill>
+                  <a:srgbClr val="FFFF00"/>
+                </a:solidFill>
+                <a:effectLst/>
+                <a:latin typeface="Calibri" panose="020F0502020204030204" pitchFamily="34" charset="0"/>
+                <a:ea typeface="Calibri" panose="020F0502020204030204" pitchFamily="34" charset="0"/>
+                <a:cs typeface="Times New Roman" panose="02020603050405020304" pitchFamily="18" charset="0"/>
+              </a:rPr>
+              <a:t>cont</a:t>
+            </a:r>
+            <a:endParaRPr lang="it-IT" sz="2000" dirty="0">
+              <a:solidFill>
+                <a:srgbClr val="FFFF00"/>
+              </a:solidFill>
+              <a:effectLst/>
+              <a:latin typeface="Calibri" panose="020F0502020204030204" pitchFamily="34" charset="0"/>
+              <a:ea typeface="Calibri" panose="020F0502020204030204" pitchFamily="34" charset="0"/>
+              <a:cs typeface="Times New Roman" panose="02020603050405020304" pitchFamily="18" charset="0"/>
+            </a:endParaRPr>
+          </a:p>
+          <a:p>
+            <a:pPr algn="ctr">
+              <a:lnSpc>
+                <a:spcPct val="107000"/>
+              </a:lnSpc>
+              <a:spcAft>
+                <a:spcPts val="800"/>
+              </a:spcAft>
+            </a:pPr>
+            <a:r>
+              <a:rPr lang="en-US" sz="2000" b="1" dirty="0" err="1">
+                <a:solidFill>
+                  <a:srgbClr val="FFFF00"/>
+                </a:solidFill>
+                <a:effectLst/>
+                <a:latin typeface="Calibri" panose="020F0502020204030204" pitchFamily="34" charset="0"/>
+                <a:ea typeface="Calibri" panose="020F0502020204030204" pitchFamily="34" charset="0"/>
+                <a:cs typeface="Times New Roman" panose="02020603050405020304" pitchFamily="18" charset="0"/>
+              </a:rPr>
+              <a:t>tfstr</a:t>
+            </a:r>
+            <a:endParaRPr lang="it-IT" sz="2000" dirty="0">
+              <a:solidFill>
+                <a:srgbClr val="FFFF00"/>
+              </a:solidFill>
+              <a:effectLst/>
+              <a:latin typeface="Calibri" panose="020F0502020204030204" pitchFamily="34" charset="0"/>
+              <a:ea typeface="Calibri" panose="020F0502020204030204" pitchFamily="34" charset="0"/>
+              <a:cs typeface="Times New Roman" panose="02020603050405020304" pitchFamily="18" charset="0"/>
+            </a:endParaRPr>
+          </a:p>
+          <a:p>
+            <a:pPr algn="ctr">
+              <a:lnSpc>
+                <a:spcPct val="107000"/>
+              </a:lnSpc>
+              <a:spcAft>
+                <a:spcPts val="800"/>
+              </a:spcAft>
+            </a:pPr>
+            <a:r>
+              <a:rPr lang="en-US" sz="2000" b="1" dirty="0" err="1">
+                <a:solidFill>
+                  <a:srgbClr val="FFFF00"/>
+                </a:solidFill>
+                <a:effectLst/>
+                <a:latin typeface="Calibri" panose="020F0502020204030204" pitchFamily="34" charset="0"/>
+                <a:ea typeface="Calibri" panose="020F0502020204030204" pitchFamily="34" charset="0"/>
+                <a:cs typeface="Times New Roman" panose="02020603050405020304" pitchFamily="18" charset="0"/>
+              </a:rPr>
+              <a:t>subsp</a:t>
+            </a:r>
+            <a:r>
+              <a:rPr lang="en-US" sz="2000" b="1" dirty="0">
+                <a:solidFill>
+                  <a:srgbClr val="FFFF00"/>
+                </a:solidFill>
+                <a:effectLst/>
+                <a:latin typeface="Calibri" panose="020F0502020204030204" pitchFamily="34" charset="0"/>
+                <a:ea typeface="Calibri" panose="020F0502020204030204" pitchFamily="34" charset="0"/>
+                <a:cs typeface="Times New Roman" panose="02020603050405020304" pitchFamily="18" charset="0"/>
+              </a:rPr>
+              <a:t>          </a:t>
+            </a:r>
+            <a:r>
+              <a:rPr lang="en-US" sz="2000" b="1" dirty="0" err="1">
+                <a:solidFill>
+                  <a:srgbClr val="FFFF00"/>
+                </a:solidFill>
+                <a:effectLst/>
+                <a:latin typeface="Calibri" panose="020F0502020204030204" pitchFamily="34" charset="0"/>
+                <a:ea typeface="Calibri" panose="020F0502020204030204" pitchFamily="34" charset="0"/>
+                <a:cs typeface="Times New Roman" panose="02020603050405020304" pitchFamily="18" charset="0"/>
+              </a:rPr>
+              <a:t>pt</a:t>
+            </a:r>
+            <a:r>
+              <a:rPr lang="en-US" sz="2000" b="1" dirty="0">
+                <a:solidFill>
+                  <a:srgbClr val="FFFF00"/>
+                </a:solidFill>
+                <a:effectLst/>
+                <a:latin typeface="Calibri" panose="020F0502020204030204" pitchFamily="34" charset="0"/>
+                <a:ea typeface="Calibri" panose="020F0502020204030204" pitchFamily="34" charset="0"/>
+                <a:cs typeface="Times New Roman" panose="02020603050405020304" pitchFamily="18" charset="0"/>
+              </a:rPr>
+              <a:t>          </a:t>
+            </a:r>
+            <a:r>
+              <a:rPr lang="en-US" sz="2000" b="1" dirty="0" err="1">
+                <a:solidFill>
+                  <a:srgbClr val="FFFF00"/>
+                </a:solidFill>
+                <a:effectLst/>
+                <a:latin typeface="Calibri" panose="020F0502020204030204" pitchFamily="34" charset="0"/>
+                <a:ea typeface="Calibri" panose="020F0502020204030204" pitchFamily="34" charset="0"/>
+                <a:cs typeface="Times New Roman" panose="02020603050405020304" pitchFamily="18" charset="0"/>
+              </a:rPr>
+              <a:t>bsd_par</a:t>
+            </a:r>
+            <a:r>
+              <a:rPr lang="en-US" sz="2000" b="1" dirty="0">
+                <a:solidFill>
+                  <a:srgbClr val="FFFF00"/>
+                </a:solidFill>
+                <a:effectLst/>
+                <a:latin typeface="Calibri" panose="020F0502020204030204" pitchFamily="34" charset="0"/>
+                <a:ea typeface="Calibri" panose="020F0502020204030204" pitchFamily="34" charset="0"/>
+                <a:cs typeface="Times New Roman" panose="02020603050405020304" pitchFamily="18" charset="0"/>
+              </a:rPr>
+              <a:t>         clean</a:t>
+            </a:r>
+            <a:endParaRPr lang="it-IT" sz="2000" dirty="0">
+              <a:solidFill>
+                <a:srgbClr val="FFFF00"/>
+              </a:solidFill>
+              <a:effectLst/>
+              <a:latin typeface="Calibri" panose="020F0502020204030204" pitchFamily="34" charset="0"/>
+              <a:ea typeface="Calibri" panose="020F0502020204030204" pitchFamily="34" charset="0"/>
+              <a:cs typeface="Times New Roman" panose="02020603050405020304" pitchFamily="18" charset="0"/>
+            </a:endParaRPr>
+          </a:p>
+          <a:p>
+            <a:pPr algn="ctr">
+              <a:lnSpc>
+                <a:spcPct val="107000"/>
+              </a:lnSpc>
+              <a:spcAft>
+                <a:spcPts val="800"/>
+              </a:spcAft>
+            </a:pPr>
+            <a:r>
+              <a:rPr lang="en-US" sz="2000" b="1" dirty="0" err="1">
+                <a:solidFill>
+                  <a:srgbClr val="FFFF00"/>
+                </a:solidFill>
+                <a:effectLst/>
+                <a:latin typeface="Calibri" panose="020F0502020204030204" pitchFamily="34" charset="0"/>
+                <a:ea typeface="Calibri" panose="020F0502020204030204" pitchFamily="34" charset="0"/>
+                <a:cs typeface="Times New Roman" panose="02020603050405020304" pitchFamily="18" charset="0"/>
+              </a:rPr>
+              <a:t>typ</a:t>
+            </a:r>
+            <a:r>
+              <a:rPr lang="en-US" sz="2000" b="1" dirty="0">
+                <a:solidFill>
+                  <a:srgbClr val="FFFF00"/>
+                </a:solidFill>
+                <a:effectLst/>
+                <a:latin typeface="Calibri" panose="020F0502020204030204" pitchFamily="34" charset="0"/>
+                <a:ea typeface="Calibri" panose="020F0502020204030204" pitchFamily="34" charset="0"/>
+                <a:cs typeface="Times New Roman" panose="02020603050405020304" pitchFamily="18" charset="0"/>
+              </a:rPr>
+              <a:t>     </a:t>
+            </a:r>
+            <a:r>
+              <a:rPr lang="en-US" sz="2000" b="1">
+                <a:solidFill>
+                  <a:srgbClr val="FFFF00"/>
+                </a:solidFill>
+                <a:effectLst/>
+                <a:latin typeface="Calibri" panose="020F0502020204030204" pitchFamily="34" charset="0"/>
+                <a:ea typeface="Calibri" panose="020F0502020204030204" pitchFamily="34" charset="0"/>
+                <a:cs typeface="Times New Roman" panose="02020603050405020304" pitchFamily="18" charset="0"/>
+              </a:rPr>
+              <a:t>gd2                          </a:t>
+            </a:r>
+            <a:r>
+              <a:rPr lang="en-US" sz="2000" b="1" dirty="0">
+                <a:solidFill>
+                  <a:srgbClr val="FFFF00"/>
+                </a:solidFill>
+                <a:effectLst/>
+                <a:latin typeface="Calibri" panose="020F0502020204030204" pitchFamily="34" charset="0"/>
+                <a:ea typeface="Calibri" panose="020F0502020204030204" pitchFamily="34" charset="0"/>
+                <a:cs typeface="Times New Roman" panose="02020603050405020304" pitchFamily="18" charset="0"/>
+              </a:rPr>
+              <a:t>sky</a:t>
+            </a:r>
+            <a:r>
+              <a:rPr lang="en-US" sz="2000" dirty="0">
+                <a:solidFill>
+                  <a:srgbClr val="FFFF00"/>
+                </a:solidFill>
+                <a:effectLst/>
+                <a:latin typeface="Calibri" panose="020F0502020204030204" pitchFamily="34" charset="0"/>
+                <a:ea typeface="Calibri" panose="020F0502020204030204" pitchFamily="34" charset="0"/>
+                <a:cs typeface="Times New Roman" panose="02020603050405020304" pitchFamily="18" charset="0"/>
+              </a:rPr>
+              <a:t>                       </a:t>
+            </a:r>
+            <a:r>
+              <a:rPr lang="en-US" sz="1800" dirty="0">
+                <a:effectLst/>
+                <a:latin typeface="Calibri" panose="020F0502020204030204" pitchFamily="34" charset="0"/>
+                <a:ea typeface="Calibri" panose="020F0502020204030204" pitchFamily="34" charset="0"/>
+                <a:cs typeface="Times New Roman" panose="02020603050405020304" pitchFamily="18" charset="0"/>
+              </a:rPr>
+              <a:t>.</a:t>
+            </a:r>
+            <a:endParaRPr lang="it-IT" sz="1800" dirty="0">
+              <a:effectLst/>
+              <a:latin typeface="Calibri" panose="020F0502020204030204" pitchFamily="34" charset="0"/>
+              <a:ea typeface="Calibri" panose="020F0502020204030204" pitchFamily="34" charset="0"/>
+              <a:cs typeface="Times New Roman" panose="02020603050405020304" pitchFamily="18" charset="0"/>
+            </a:endParaRPr>
+          </a:p>
+          <a:p>
+            <a:pPr>
+              <a:lnSpc>
+                <a:spcPct val="107000"/>
+              </a:lnSpc>
+              <a:spcAft>
+                <a:spcPts val="800"/>
+              </a:spcAft>
+            </a:pPr>
+            <a:r>
+              <a:rPr lang="en-US" sz="1800" dirty="0">
+                <a:effectLst/>
+                <a:latin typeface="Calibri" panose="020F0502020204030204" pitchFamily="34" charset="0"/>
+                <a:ea typeface="Calibri" panose="020F0502020204030204" pitchFamily="34" charset="0"/>
+                <a:cs typeface="Times New Roman" panose="02020603050405020304" pitchFamily="18" charset="0"/>
+              </a:rPr>
+              <a:t> </a:t>
+            </a:r>
+            <a:endParaRPr lang="it-IT" sz="1800" dirty="0">
+              <a:effectLst/>
+              <a:latin typeface="Calibri" panose="020F0502020204030204" pitchFamily="34" charset="0"/>
+              <a:ea typeface="Calibri" panose="020F0502020204030204" pitchFamily="34" charset="0"/>
+              <a:cs typeface="Times New Roman" panose="02020603050405020304" pitchFamily="18" charset="0"/>
+            </a:endParaRPr>
+          </a:p>
+        </p:txBody>
+      </p:sp>
+      <p:sp>
+        <p:nvSpPr>
+          <p:cNvPr id="6" name="CasellaDiTesto 5">
+            <a:extLst>
+              <a:ext uri="{FF2B5EF4-FFF2-40B4-BE49-F238E27FC236}">
+                <a16:creationId xmlns:a16="http://schemas.microsoft.com/office/drawing/2014/main" id="{0E29CE0A-5F09-6C49-1E38-817660D3DBCC}"/>
+              </a:ext>
+            </a:extLst>
+          </p:cNvPr>
+          <p:cNvSpPr txBox="1"/>
+          <p:nvPr/>
+        </p:nvSpPr>
+        <p:spPr>
+          <a:xfrm>
+            <a:off x="934497" y="3245618"/>
+            <a:ext cx="10570948" cy="2308324"/>
+          </a:xfrm>
+          <a:prstGeom prst="rect">
+            <a:avLst/>
+          </a:prstGeom>
+          <a:noFill/>
+        </p:spPr>
+        <p:txBody>
+          <a:bodyPr wrap="square" rtlCol="0">
+            <a:spAutoFit/>
+          </a:bodyPr>
+          <a:lstStyle/>
+          <a:p>
+            <a:pPr marL="285750" indent="-285750">
+              <a:buFont typeface="Arial" panose="020B0604020202020204" pitchFamily="34" charset="0"/>
+              <a:buChar char="•"/>
+            </a:pPr>
+            <a:r>
+              <a:rPr lang="en-US" b="1" dirty="0" err="1">
+                <a:solidFill>
+                  <a:srgbClr val="FFFF00"/>
+                </a:solidFill>
+              </a:rPr>
+              <a:t>Sono</a:t>
+            </a:r>
+            <a:r>
+              <a:rPr lang="en-US" b="1" dirty="0">
+                <a:solidFill>
+                  <a:srgbClr val="FFFF00"/>
+                </a:solidFill>
+              </a:rPr>
+              <a:t> 9 </a:t>
+            </a:r>
+            <a:r>
+              <a:rPr lang="en-US" b="1" dirty="0" err="1">
+                <a:solidFill>
+                  <a:srgbClr val="FFFF00"/>
+                </a:solidFill>
+              </a:rPr>
+              <a:t>strutture</a:t>
+            </a:r>
+            <a:r>
+              <a:rPr lang="en-US" b="1" dirty="0">
+                <a:solidFill>
+                  <a:srgbClr val="FFFF00"/>
+                </a:solidFill>
+              </a:rPr>
+              <a:t> </a:t>
+            </a:r>
+            <a:r>
+              <a:rPr lang="en-US" b="1" dirty="0" err="1">
+                <a:solidFill>
+                  <a:srgbClr val="FFFF00"/>
+                </a:solidFill>
+              </a:rPr>
+              <a:t>annidate</a:t>
+            </a:r>
+            <a:r>
+              <a:rPr lang="en-US" b="1" dirty="0">
+                <a:solidFill>
+                  <a:srgbClr val="FFFF00"/>
+                </a:solidFill>
+              </a:rPr>
+              <a:t>, </a:t>
+            </a:r>
+            <a:r>
+              <a:rPr lang="en-US" b="1" dirty="0" err="1">
+                <a:solidFill>
+                  <a:srgbClr val="FFFF00"/>
+                </a:solidFill>
+              </a:rPr>
+              <a:t>comprendenti</a:t>
+            </a:r>
+            <a:r>
+              <a:rPr lang="en-US" b="1" dirty="0">
+                <a:solidFill>
+                  <a:srgbClr val="FFFF00"/>
+                </a:solidFill>
+              </a:rPr>
+              <a:t> </a:t>
+            </a:r>
+            <a:r>
+              <a:rPr lang="en-US" b="1" dirty="0" err="1">
+                <a:solidFill>
+                  <a:srgbClr val="FFFF00"/>
+                </a:solidFill>
+              </a:rPr>
+              <a:t>centinaia</a:t>
+            </a:r>
+            <a:r>
+              <a:rPr lang="en-US" b="1" dirty="0">
+                <a:solidFill>
+                  <a:srgbClr val="FFFF00"/>
+                </a:solidFill>
+              </a:rPr>
+              <a:t> di </a:t>
+            </a:r>
+            <a:r>
+              <a:rPr lang="en-US" b="1" dirty="0" err="1">
+                <a:solidFill>
+                  <a:srgbClr val="FFFF00"/>
+                </a:solidFill>
+              </a:rPr>
+              <a:t>variabili</a:t>
+            </a:r>
+            <a:r>
+              <a:rPr lang="en-US" b="1" dirty="0">
+                <a:solidFill>
+                  <a:srgbClr val="FFFF00"/>
+                </a:solidFill>
+              </a:rPr>
+              <a:t>, </a:t>
+            </a:r>
+            <a:r>
+              <a:rPr lang="en-US" b="1" dirty="0" err="1">
+                <a:solidFill>
+                  <a:srgbClr val="FFFF00"/>
+                </a:solidFill>
+              </a:rPr>
+              <a:t>alcune</a:t>
+            </a:r>
+            <a:r>
+              <a:rPr lang="en-US" b="1" dirty="0">
+                <a:solidFill>
+                  <a:srgbClr val="FFFF00"/>
+                </a:solidFill>
+              </a:rPr>
+              <a:t> </a:t>
+            </a:r>
+            <a:r>
+              <a:rPr lang="en-US" b="1" dirty="0" err="1">
+                <a:solidFill>
+                  <a:srgbClr val="FFFF00"/>
+                </a:solidFill>
+              </a:rPr>
+              <a:t>delle</a:t>
+            </a:r>
+            <a:r>
+              <a:rPr lang="en-US" b="1" dirty="0">
+                <a:solidFill>
+                  <a:srgbClr val="FFFF00"/>
+                </a:solidFill>
+              </a:rPr>
+              <a:t> </a:t>
+            </a:r>
+            <a:r>
+              <a:rPr lang="en-US" b="1" dirty="0" err="1">
+                <a:solidFill>
+                  <a:srgbClr val="FFFF00"/>
+                </a:solidFill>
+              </a:rPr>
+              <a:t>quali</a:t>
+            </a:r>
+            <a:r>
+              <a:rPr lang="en-US" b="1" dirty="0">
+                <a:solidFill>
+                  <a:srgbClr val="FFFF00"/>
+                </a:solidFill>
+              </a:rPr>
+              <a:t> array in </a:t>
+            </a:r>
+            <a:r>
+              <a:rPr lang="en-US" b="1" dirty="0" err="1">
+                <a:solidFill>
+                  <a:srgbClr val="FFFF00"/>
+                </a:solidFill>
+              </a:rPr>
+              <a:t>una</a:t>
+            </a:r>
+            <a:r>
+              <a:rPr lang="en-US" b="1" dirty="0">
+                <a:solidFill>
+                  <a:srgbClr val="FFFF00"/>
+                </a:solidFill>
+              </a:rPr>
+              <a:t> o due </a:t>
+            </a:r>
+            <a:r>
+              <a:rPr lang="en-US" b="1" dirty="0" err="1">
+                <a:solidFill>
+                  <a:srgbClr val="FFFF00"/>
+                </a:solidFill>
+              </a:rPr>
+              <a:t>dimensioni</a:t>
+            </a:r>
+            <a:r>
+              <a:rPr lang="en-US" b="1" dirty="0">
+                <a:solidFill>
+                  <a:srgbClr val="FFFF00"/>
+                </a:solidFill>
+              </a:rPr>
+              <a:t>.</a:t>
+            </a:r>
+          </a:p>
+          <a:p>
+            <a:endParaRPr lang="en-US" b="1" dirty="0">
+              <a:solidFill>
+                <a:srgbClr val="FFFF00"/>
+              </a:solidFill>
+            </a:endParaRPr>
+          </a:p>
+          <a:p>
+            <a:pPr marL="285750" indent="-285750">
+              <a:buFont typeface="Arial" panose="020B0604020202020204" pitchFamily="34" charset="0"/>
+              <a:buChar char="•"/>
+            </a:pPr>
+            <a:r>
+              <a:rPr lang="en-US" b="1" dirty="0" err="1">
+                <a:solidFill>
+                  <a:srgbClr val="FFFF00"/>
+                </a:solidFill>
+              </a:rPr>
+              <a:t>Ovviamente</a:t>
+            </a:r>
+            <a:r>
+              <a:rPr lang="en-US" b="1" dirty="0">
+                <a:solidFill>
+                  <a:srgbClr val="FFFF00"/>
+                </a:solidFill>
+              </a:rPr>
+              <a:t> la </a:t>
+            </a:r>
+            <a:r>
+              <a:rPr lang="en-US" b="1" dirty="0" err="1">
+                <a:solidFill>
+                  <a:srgbClr val="FFFF00"/>
+                </a:solidFill>
+              </a:rPr>
+              <a:t>situazione</a:t>
+            </a:r>
+            <a:r>
+              <a:rPr lang="en-US" b="1" dirty="0">
+                <a:solidFill>
+                  <a:srgbClr val="FFFF00"/>
+                </a:solidFill>
+              </a:rPr>
+              <a:t> </a:t>
+            </a:r>
+            <a:r>
+              <a:rPr lang="en-US" b="1" dirty="0" err="1">
+                <a:solidFill>
+                  <a:srgbClr val="FFFF00"/>
+                </a:solidFill>
+              </a:rPr>
+              <a:t>potrebbe</a:t>
+            </a:r>
+            <a:r>
+              <a:rPr lang="en-US" b="1" dirty="0">
+                <a:solidFill>
+                  <a:srgbClr val="FFFF00"/>
+                </a:solidFill>
+              </a:rPr>
+              <a:t> </a:t>
+            </a:r>
+            <a:r>
+              <a:rPr lang="en-US" b="1" dirty="0" err="1">
+                <a:solidFill>
+                  <a:srgbClr val="FFFF00"/>
+                </a:solidFill>
+              </a:rPr>
+              <a:t>cambiare</a:t>
+            </a:r>
+            <a:r>
+              <a:rPr lang="en-US" b="1" dirty="0">
+                <a:solidFill>
+                  <a:srgbClr val="FFFF00"/>
+                </a:solidFill>
+              </a:rPr>
+              <a:t> </a:t>
+            </a:r>
+            <a:r>
+              <a:rPr lang="en-US" b="1" dirty="0" err="1">
+                <a:solidFill>
+                  <a:srgbClr val="FFFF00"/>
+                </a:solidFill>
+              </a:rPr>
+              <a:t>nel</a:t>
+            </a:r>
+            <a:r>
+              <a:rPr lang="en-US" b="1" dirty="0">
+                <a:solidFill>
+                  <a:srgbClr val="FFFF00"/>
+                </a:solidFill>
+              </a:rPr>
+              <a:t> future e alter </a:t>
+            </a:r>
+            <a:r>
+              <a:rPr lang="en-US" b="1" dirty="0" err="1">
+                <a:solidFill>
+                  <a:srgbClr val="FFFF00"/>
+                </a:solidFill>
+              </a:rPr>
+              <a:t>strutture</a:t>
+            </a:r>
+            <a:r>
+              <a:rPr lang="en-US" b="1" dirty="0">
+                <a:solidFill>
+                  <a:srgbClr val="FFFF00"/>
+                </a:solidFill>
+              </a:rPr>
+              <a:t> </a:t>
+            </a:r>
+            <a:r>
+              <a:rPr lang="en-US" b="1" dirty="0" err="1">
+                <a:solidFill>
+                  <a:srgbClr val="FFFF00"/>
+                </a:solidFill>
+              </a:rPr>
+              <a:t>potrebbero</a:t>
+            </a:r>
+            <a:r>
+              <a:rPr lang="en-US" b="1" dirty="0">
+                <a:solidFill>
+                  <a:srgbClr val="FFFF00"/>
+                </a:solidFill>
+              </a:rPr>
+              <a:t> </a:t>
+            </a:r>
+            <a:r>
+              <a:rPr lang="en-US" b="1" dirty="0" err="1">
+                <a:solidFill>
+                  <a:srgbClr val="FFFF00"/>
+                </a:solidFill>
+              </a:rPr>
+              <a:t>aggiungersi</a:t>
+            </a:r>
+            <a:r>
+              <a:rPr lang="en-US" b="1" dirty="0">
+                <a:solidFill>
+                  <a:srgbClr val="FFFF00"/>
+                </a:solidFill>
+              </a:rPr>
+              <a:t>.</a:t>
+            </a:r>
+          </a:p>
+          <a:p>
+            <a:endParaRPr lang="en-US" b="1" dirty="0">
+              <a:solidFill>
+                <a:srgbClr val="FFFF00"/>
+              </a:solidFill>
+            </a:endParaRPr>
+          </a:p>
+          <a:p>
+            <a:pPr marL="285750" indent="-285750">
+              <a:buFont typeface="Arial" panose="020B0604020202020204" pitchFamily="34" charset="0"/>
+              <a:buChar char="•"/>
+            </a:pPr>
+            <a:r>
+              <a:rPr lang="en-US" b="1" dirty="0">
+                <a:solidFill>
+                  <a:srgbClr val="FFFF00"/>
+                </a:solidFill>
+              </a:rPr>
+              <a:t>Il </a:t>
+            </a:r>
+            <a:r>
+              <a:rPr lang="en-US" b="1" dirty="0" err="1">
+                <a:solidFill>
+                  <a:srgbClr val="FFFF00"/>
+                </a:solidFill>
+              </a:rPr>
+              <a:t>problema</a:t>
+            </a:r>
+            <a:r>
+              <a:rPr lang="en-US" b="1" dirty="0">
+                <a:solidFill>
+                  <a:srgbClr val="FFFF00"/>
+                </a:solidFill>
+              </a:rPr>
+              <a:t> è </a:t>
+            </a:r>
+            <a:r>
+              <a:rPr lang="en-US" b="1" dirty="0" err="1">
+                <a:solidFill>
+                  <a:srgbClr val="FFFF00"/>
+                </a:solidFill>
+              </a:rPr>
+              <a:t>quindi</a:t>
+            </a:r>
+            <a:r>
+              <a:rPr lang="en-US" b="1" dirty="0">
+                <a:solidFill>
+                  <a:srgbClr val="FFFF00"/>
+                </a:solidFill>
+              </a:rPr>
+              <a:t> </a:t>
+            </a:r>
+            <a:r>
+              <a:rPr lang="en-US" b="1" dirty="0" err="1">
+                <a:solidFill>
+                  <a:srgbClr val="FFFF00"/>
+                </a:solidFill>
+              </a:rPr>
+              <a:t>gestire</a:t>
+            </a:r>
+            <a:r>
+              <a:rPr lang="en-US" b="1" dirty="0">
+                <a:solidFill>
+                  <a:srgbClr val="FFFF00"/>
+                </a:solidFill>
+              </a:rPr>
+              <a:t> </a:t>
+            </a:r>
+            <a:r>
+              <a:rPr lang="en-US" b="1" dirty="0" err="1">
+                <a:solidFill>
+                  <a:srgbClr val="FFFF00"/>
+                </a:solidFill>
+              </a:rPr>
+              <a:t>efficacemente</a:t>
+            </a:r>
+            <a:r>
+              <a:rPr lang="en-US" b="1" dirty="0">
+                <a:solidFill>
+                  <a:srgbClr val="FFFF00"/>
+                </a:solidFill>
+              </a:rPr>
+              <a:t> </a:t>
+            </a:r>
+            <a:r>
+              <a:rPr lang="en-US" b="1" dirty="0" err="1">
+                <a:solidFill>
+                  <a:srgbClr val="FFFF00"/>
+                </a:solidFill>
+              </a:rPr>
+              <a:t>oggetti</a:t>
+            </a:r>
+            <a:r>
+              <a:rPr lang="en-US" b="1" dirty="0">
+                <a:solidFill>
+                  <a:srgbClr val="FFFF00"/>
+                </a:solidFill>
+              </a:rPr>
+              <a:t> di </a:t>
+            </a:r>
+            <a:r>
+              <a:rPr lang="en-US" b="1" dirty="0" err="1">
+                <a:solidFill>
+                  <a:srgbClr val="FFFF00"/>
+                </a:solidFill>
+              </a:rPr>
+              <a:t>questo</a:t>
+            </a:r>
+            <a:r>
+              <a:rPr lang="en-US" b="1" dirty="0">
+                <a:solidFill>
+                  <a:srgbClr val="FFFF00"/>
+                </a:solidFill>
+              </a:rPr>
+              <a:t> </a:t>
+            </a:r>
+            <a:r>
+              <a:rPr lang="en-US" b="1" dirty="0" err="1">
+                <a:solidFill>
+                  <a:srgbClr val="FFFF00"/>
+                </a:solidFill>
+              </a:rPr>
+              <a:t>genere</a:t>
+            </a:r>
+            <a:r>
+              <a:rPr lang="en-US" b="1" dirty="0">
+                <a:solidFill>
+                  <a:srgbClr val="FFFF00"/>
+                </a:solidFill>
+              </a:rPr>
+              <a:t>, </a:t>
+            </a:r>
+            <a:r>
+              <a:rPr lang="en-US" b="1" dirty="0" err="1">
+                <a:solidFill>
+                  <a:srgbClr val="FFFF00"/>
+                </a:solidFill>
+              </a:rPr>
+              <a:t>soprattutto</a:t>
+            </a:r>
+            <a:r>
+              <a:rPr lang="en-US" b="1" dirty="0">
+                <a:solidFill>
+                  <a:srgbClr val="FFFF00"/>
+                </a:solidFill>
+              </a:rPr>
+              <a:t> per la </a:t>
+            </a:r>
+            <a:r>
+              <a:rPr lang="en-US" b="1" dirty="0" err="1">
+                <a:solidFill>
+                  <a:srgbClr val="FFFF00"/>
+                </a:solidFill>
+              </a:rPr>
+              <a:t>conservazione</a:t>
+            </a:r>
+            <a:r>
+              <a:rPr lang="en-US" b="1" dirty="0">
+                <a:solidFill>
+                  <a:srgbClr val="FFFF00"/>
+                </a:solidFill>
+              </a:rPr>
+              <a:t> </a:t>
+            </a:r>
+            <a:r>
+              <a:rPr lang="en-US" b="1" dirty="0" err="1">
+                <a:solidFill>
+                  <a:srgbClr val="FFFF00"/>
+                </a:solidFill>
+              </a:rPr>
+              <a:t>su</a:t>
+            </a:r>
+            <a:r>
+              <a:rPr lang="en-US" b="1" dirty="0">
+                <a:solidFill>
+                  <a:srgbClr val="FFFF00"/>
+                </a:solidFill>
+              </a:rPr>
+              <a:t> disco </a:t>
+            </a:r>
+            <a:r>
+              <a:rPr lang="en-US" b="1" dirty="0" err="1">
+                <a:solidFill>
+                  <a:srgbClr val="FFFF00"/>
+                </a:solidFill>
+              </a:rPr>
+              <a:t>che</a:t>
+            </a:r>
+            <a:r>
+              <a:rPr lang="en-US" b="1" dirty="0">
+                <a:solidFill>
+                  <a:srgbClr val="FFFF00"/>
+                </a:solidFill>
+              </a:rPr>
+              <a:t> per </a:t>
+            </a:r>
+            <a:r>
+              <a:rPr lang="en-US" b="1" dirty="0" err="1">
+                <a:solidFill>
+                  <a:srgbClr val="FFFF00"/>
+                </a:solidFill>
+              </a:rPr>
+              <a:t>l’accesso</a:t>
+            </a:r>
+            <a:r>
+              <a:rPr lang="en-US" b="1" dirty="0">
+                <a:solidFill>
+                  <a:srgbClr val="FFFF00"/>
+                </a:solidFill>
+              </a:rPr>
+              <a:t>.</a:t>
+            </a:r>
+            <a:endParaRPr lang="it-IT" b="1" dirty="0">
+              <a:solidFill>
+                <a:srgbClr val="FFFF00"/>
+              </a:solidFill>
+            </a:endParaRPr>
+          </a:p>
+        </p:txBody>
+      </p:sp>
+    </p:spTree>
+    <p:extLst>
+      <p:ext uri="{BB962C8B-B14F-4D97-AF65-F5344CB8AC3E}">
+        <p14:creationId xmlns:p14="http://schemas.microsoft.com/office/powerpoint/2010/main" val="596764478"/>
+      </p:ext>
+    </p:extLst>
+  </p:cSld>
+  <p:clrMapOvr>
+    <a:masterClrMapping/>
+  </p:clrMapOvr>
+</p:sld>
+</file>
+
+<file path=ppt/slides/slide35.xml><?xml version="1.0" encoding="utf-8"?>
+<p:sld xmlns:a="http://schemas.openxmlformats.org/drawingml/2006/main" xmlns:r="http://schemas.openxmlformats.org/officeDocument/2006/relationships" xmlns:p="http://schemas.openxmlformats.org/presentationml/2006/main">
+  <p:cSld>
+    <p:spTree>
+      <p:nvGrpSpPr>
+        <p:cNvPr id="1" name=""/>
+        <p:cNvGrpSpPr/>
+        <p:nvPr/>
+      </p:nvGrpSpPr>
+      <p:grpSpPr>
+        <a:xfrm>
+          <a:off x="0" y="0"/>
+          <a:ext cx="0" cy="0"/>
+          <a:chOff x="0" y="0"/>
+          <a:chExt cx="0" cy="0"/>
+        </a:xfrm>
+      </p:grpSpPr>
+      <p:sp>
+        <p:nvSpPr>
+          <p:cNvPr id="2" name="Segnaposto numero diapositiva 1">
+            <a:extLst>
+              <a:ext uri="{FF2B5EF4-FFF2-40B4-BE49-F238E27FC236}">
+                <a16:creationId xmlns:a16="http://schemas.microsoft.com/office/drawing/2014/main" id="{1EB4AD79-11DD-74D2-DBAF-21C5CEAF0D97}"/>
+              </a:ext>
+            </a:extLst>
+          </p:cNvPr>
+          <p:cNvSpPr>
+            <a:spLocks noGrp="1"/>
+          </p:cNvSpPr>
+          <p:nvPr>
+            <p:ph type="sldNum" sz="quarter" idx="12"/>
+          </p:nvPr>
+        </p:nvSpPr>
+        <p:spPr/>
+        <p:txBody>
+          <a:bodyPr/>
+          <a:lstStyle/>
+          <a:p>
+            <a:fld id="{D57F1E4F-1CFF-5643-939E-217C01CDF565}" type="slidenum">
+              <a:rPr lang="en-US" smtClean="0"/>
+              <a:pPr/>
+              <a:t>35</a:t>
+            </a:fld>
+            <a:endParaRPr lang="en-US" dirty="0"/>
+          </a:p>
+        </p:txBody>
+      </p:sp>
+      <p:sp>
+        <p:nvSpPr>
+          <p:cNvPr id="3" name="CasellaDiTesto 2">
+            <a:extLst>
+              <a:ext uri="{FF2B5EF4-FFF2-40B4-BE49-F238E27FC236}">
+                <a16:creationId xmlns:a16="http://schemas.microsoft.com/office/drawing/2014/main" id="{954F41CC-0F2F-8DA8-A91B-835BEFBA5489}"/>
+              </a:ext>
+            </a:extLst>
+          </p:cNvPr>
+          <p:cNvSpPr txBox="1"/>
+          <p:nvPr/>
+        </p:nvSpPr>
+        <p:spPr>
+          <a:xfrm>
+            <a:off x="723480" y="371789"/>
+            <a:ext cx="6089301" cy="584775"/>
+          </a:xfrm>
+          <a:prstGeom prst="rect">
+            <a:avLst/>
+          </a:prstGeom>
+          <a:noFill/>
+        </p:spPr>
+        <p:txBody>
+          <a:bodyPr wrap="square" rtlCol="0">
+            <a:spAutoFit/>
+          </a:bodyPr>
+          <a:lstStyle/>
+          <a:p>
+            <a:r>
+              <a:rPr lang="en-US" sz="3200" b="1" dirty="0" err="1">
+                <a:solidFill>
+                  <a:srgbClr val="FF0000"/>
+                </a:solidFill>
+              </a:rPr>
+              <a:t>Nuove</a:t>
+            </a:r>
+            <a:r>
+              <a:rPr lang="en-US" sz="3200" b="1" dirty="0">
+                <a:solidFill>
+                  <a:srgbClr val="FF0000"/>
+                </a:solidFill>
+              </a:rPr>
+              <a:t> idee per </a:t>
+            </a:r>
+            <a:r>
+              <a:rPr lang="en-US" sz="3200" b="1" dirty="0" err="1">
+                <a:solidFill>
+                  <a:srgbClr val="FF0000"/>
+                </a:solidFill>
+              </a:rPr>
+              <a:t>i</a:t>
+            </a:r>
+            <a:r>
+              <a:rPr lang="en-US" sz="3200" b="1" dirty="0">
+                <a:solidFill>
+                  <a:srgbClr val="FF0000"/>
+                </a:solidFill>
+              </a:rPr>
+              <a:t> BSD</a:t>
+            </a:r>
+            <a:endParaRPr lang="it-IT" sz="3200" b="1" dirty="0">
+              <a:solidFill>
+                <a:srgbClr val="FF0000"/>
+              </a:solidFill>
+            </a:endParaRPr>
+          </a:p>
+        </p:txBody>
+      </p:sp>
+      <p:sp>
+        <p:nvSpPr>
+          <p:cNvPr id="4" name="CasellaDiTesto 3">
+            <a:extLst>
+              <a:ext uri="{FF2B5EF4-FFF2-40B4-BE49-F238E27FC236}">
+                <a16:creationId xmlns:a16="http://schemas.microsoft.com/office/drawing/2014/main" id="{1C8C1666-A6E2-719F-22A3-44266A1CDA29}"/>
+              </a:ext>
+            </a:extLst>
+          </p:cNvPr>
+          <p:cNvSpPr txBox="1"/>
+          <p:nvPr/>
+        </p:nvSpPr>
+        <p:spPr>
+          <a:xfrm>
+            <a:off x="723480" y="1527349"/>
+            <a:ext cx="9756951" cy="4247317"/>
+          </a:xfrm>
+          <a:prstGeom prst="rect">
+            <a:avLst/>
+          </a:prstGeom>
+          <a:noFill/>
+        </p:spPr>
+        <p:txBody>
+          <a:bodyPr wrap="square" rtlCol="0">
+            <a:spAutoFit/>
+          </a:bodyPr>
+          <a:lstStyle/>
+          <a:p>
+            <a:r>
+              <a:rPr lang="en-US" b="1" dirty="0">
+                <a:solidFill>
+                  <a:srgbClr val="FFFF00"/>
+                </a:solidFill>
+              </a:rPr>
+              <a:t>Il </a:t>
+            </a:r>
+            <a:r>
+              <a:rPr lang="en-US" b="1" dirty="0" err="1">
+                <a:solidFill>
+                  <a:srgbClr val="FFFF00"/>
+                </a:solidFill>
+              </a:rPr>
+              <a:t>problema</a:t>
+            </a:r>
+            <a:r>
+              <a:rPr lang="en-US" b="1" dirty="0">
+                <a:solidFill>
+                  <a:srgbClr val="FFFF00"/>
+                </a:solidFill>
+              </a:rPr>
+              <a:t> </a:t>
+            </a:r>
+            <a:r>
+              <a:rPr lang="en-US" b="1" dirty="0" err="1">
+                <a:solidFill>
+                  <a:srgbClr val="FFFF00"/>
+                </a:solidFill>
+              </a:rPr>
+              <a:t>principale</a:t>
+            </a:r>
+            <a:r>
+              <a:rPr lang="en-US" b="1" dirty="0">
+                <a:solidFill>
+                  <a:srgbClr val="FFFF00"/>
+                </a:solidFill>
+              </a:rPr>
+              <a:t> è la </a:t>
+            </a:r>
+            <a:r>
+              <a:rPr lang="en-US" b="1" dirty="0" err="1">
+                <a:solidFill>
+                  <a:srgbClr val="FFFF00"/>
+                </a:solidFill>
+              </a:rPr>
+              <a:t>mancanza</a:t>
+            </a:r>
+            <a:r>
+              <a:rPr lang="en-US" b="1" dirty="0">
+                <a:solidFill>
+                  <a:srgbClr val="FFFF00"/>
+                </a:solidFill>
+              </a:rPr>
+              <a:t> di “</a:t>
+            </a:r>
+            <a:r>
+              <a:rPr lang="en-US" b="1" dirty="0" err="1">
+                <a:solidFill>
+                  <a:srgbClr val="FFFF00"/>
+                </a:solidFill>
+              </a:rPr>
+              <a:t>strutture</a:t>
+            </a:r>
+            <a:r>
+              <a:rPr lang="en-US" b="1" dirty="0">
+                <a:solidFill>
+                  <a:srgbClr val="FFFF00"/>
+                </a:solidFill>
+              </a:rPr>
+              <a:t>” in Python, </a:t>
+            </a:r>
+            <a:r>
+              <a:rPr lang="en-US" b="1" dirty="0" err="1">
+                <a:solidFill>
+                  <a:srgbClr val="FFFF00"/>
+                </a:solidFill>
+              </a:rPr>
+              <a:t>che</a:t>
+            </a:r>
+            <a:r>
+              <a:rPr lang="en-US" b="1" dirty="0">
+                <a:solidFill>
+                  <a:srgbClr val="FFFF00"/>
+                </a:solidFill>
+              </a:rPr>
+              <a:t> </a:t>
+            </a:r>
+            <a:r>
+              <a:rPr lang="en-US" b="1" dirty="0" err="1">
+                <a:solidFill>
+                  <a:srgbClr val="FFFF00"/>
+                </a:solidFill>
+              </a:rPr>
+              <a:t>possono</a:t>
+            </a:r>
+            <a:r>
+              <a:rPr lang="en-US" b="1" dirty="0">
+                <a:solidFill>
+                  <a:srgbClr val="FFFF00"/>
+                </a:solidFill>
+              </a:rPr>
+              <a:t> </a:t>
+            </a:r>
+            <a:r>
+              <a:rPr lang="en-US" b="1" dirty="0" err="1">
+                <a:solidFill>
+                  <a:srgbClr val="FFFF00"/>
+                </a:solidFill>
+              </a:rPr>
+              <a:t>essere</a:t>
+            </a:r>
+            <a:r>
+              <a:rPr lang="en-US" b="1" dirty="0">
+                <a:solidFill>
+                  <a:srgbClr val="FFFF00"/>
+                </a:solidFill>
+              </a:rPr>
+              <a:t> </a:t>
+            </a:r>
+            <a:r>
+              <a:rPr lang="en-US" b="1" dirty="0" err="1">
+                <a:solidFill>
+                  <a:srgbClr val="FFFF00"/>
+                </a:solidFill>
+              </a:rPr>
+              <a:t>sostituite</a:t>
+            </a:r>
+            <a:r>
+              <a:rPr lang="en-US" b="1" dirty="0">
+                <a:solidFill>
+                  <a:srgbClr val="FFFF00"/>
+                </a:solidFill>
+              </a:rPr>
+              <a:t> con </a:t>
+            </a:r>
+            <a:r>
+              <a:rPr lang="en-US" b="1" dirty="0" err="1">
+                <a:solidFill>
+                  <a:srgbClr val="FFFF00"/>
+                </a:solidFill>
+              </a:rPr>
+              <a:t>qualche</a:t>
+            </a:r>
+            <a:r>
+              <a:rPr lang="en-US" b="1" dirty="0">
+                <a:solidFill>
+                  <a:srgbClr val="FFFF00"/>
+                </a:solidFill>
+              </a:rPr>
+              <a:t> </a:t>
+            </a:r>
+            <a:r>
+              <a:rPr lang="en-US" b="1" dirty="0" err="1">
+                <a:solidFill>
+                  <a:srgbClr val="FFFF00"/>
+                </a:solidFill>
+              </a:rPr>
+              <a:t>vantaggio</a:t>
+            </a:r>
+            <a:r>
+              <a:rPr lang="en-US" b="1" dirty="0">
+                <a:solidFill>
+                  <a:srgbClr val="FFFF00"/>
+                </a:solidFill>
+              </a:rPr>
+              <a:t> e </a:t>
+            </a:r>
+            <a:r>
+              <a:rPr lang="en-US" b="1" dirty="0" err="1">
+                <a:solidFill>
+                  <a:srgbClr val="FFFF00"/>
+                </a:solidFill>
+              </a:rPr>
+              <a:t>qualche</a:t>
+            </a:r>
+            <a:r>
+              <a:rPr lang="en-US" b="1" dirty="0">
+                <a:solidFill>
+                  <a:srgbClr val="FFFF00"/>
+                </a:solidFill>
+              </a:rPr>
+              <a:t> </a:t>
+            </a:r>
+            <a:r>
+              <a:rPr lang="en-US" b="1" dirty="0" err="1">
+                <a:solidFill>
+                  <a:srgbClr val="FFFF00"/>
+                </a:solidFill>
+              </a:rPr>
+              <a:t>svantaggio</a:t>
+            </a:r>
+            <a:r>
+              <a:rPr lang="en-US" b="1" dirty="0">
+                <a:solidFill>
+                  <a:srgbClr val="FFFF00"/>
+                </a:solidFill>
+              </a:rPr>
+              <a:t> con </a:t>
+            </a:r>
+            <a:r>
+              <a:rPr lang="en-US" b="1" dirty="0" err="1">
+                <a:solidFill>
+                  <a:srgbClr val="FFFF00"/>
+                </a:solidFill>
+              </a:rPr>
+              <a:t>classi</a:t>
+            </a:r>
+            <a:r>
+              <a:rPr lang="en-US" b="1" dirty="0">
+                <a:solidFill>
+                  <a:srgbClr val="FFFF00"/>
+                </a:solidFill>
+              </a:rPr>
+              <a:t> e </a:t>
+            </a:r>
+            <a:r>
+              <a:rPr lang="en-US" b="1" dirty="0" err="1">
+                <a:solidFill>
+                  <a:srgbClr val="FFFF00"/>
+                </a:solidFill>
+              </a:rPr>
+              <a:t>gestione</a:t>
+            </a:r>
+            <a:r>
+              <a:rPr lang="en-US" b="1" dirty="0">
+                <a:solidFill>
+                  <a:srgbClr val="FFFF00"/>
+                </a:solidFill>
+              </a:rPr>
+              <a:t> a </a:t>
+            </a:r>
+            <a:r>
+              <a:rPr lang="en-US" b="1" dirty="0" err="1">
+                <a:solidFill>
+                  <a:srgbClr val="FFFF00"/>
+                </a:solidFill>
+              </a:rPr>
+              <a:t>oggetti</a:t>
+            </a:r>
+            <a:r>
+              <a:rPr lang="en-US" b="1" dirty="0">
+                <a:solidFill>
+                  <a:srgbClr val="FFFF00"/>
+                </a:solidFill>
+              </a:rPr>
+              <a:t>. Un </a:t>
+            </a:r>
+            <a:r>
+              <a:rPr lang="en-US" b="1" dirty="0" err="1">
+                <a:solidFill>
+                  <a:srgbClr val="FFFF00"/>
+                </a:solidFill>
+              </a:rPr>
+              <a:t>altro</a:t>
+            </a:r>
+            <a:r>
+              <a:rPr lang="en-US" b="1" dirty="0">
+                <a:solidFill>
+                  <a:srgbClr val="FFFF00"/>
+                </a:solidFill>
+              </a:rPr>
+              <a:t> </a:t>
+            </a:r>
+            <a:r>
+              <a:rPr lang="en-US" b="1" dirty="0" err="1">
+                <a:solidFill>
+                  <a:srgbClr val="FFFF00"/>
+                </a:solidFill>
+              </a:rPr>
+              <a:t>problema</a:t>
+            </a:r>
+            <a:r>
+              <a:rPr lang="en-US" b="1" dirty="0">
+                <a:solidFill>
+                  <a:srgbClr val="FFFF00"/>
+                </a:solidFill>
+              </a:rPr>
+              <a:t> è lo </a:t>
+            </a:r>
+            <a:r>
+              <a:rPr lang="en-US" b="1" dirty="0" err="1">
+                <a:solidFill>
+                  <a:srgbClr val="FFFF00"/>
+                </a:solidFill>
+              </a:rPr>
+              <a:t>sviluppo</a:t>
+            </a:r>
+            <a:r>
+              <a:rPr lang="en-US" b="1" dirty="0">
+                <a:solidFill>
+                  <a:srgbClr val="FFFF00"/>
+                </a:solidFill>
+              </a:rPr>
+              <a:t> </a:t>
+            </a:r>
+            <a:r>
+              <a:rPr lang="en-US" b="1" dirty="0" err="1">
+                <a:solidFill>
+                  <a:srgbClr val="FFFF00"/>
+                </a:solidFill>
+              </a:rPr>
+              <a:t>dei</a:t>
+            </a:r>
+            <a:r>
+              <a:rPr lang="en-US" b="1" dirty="0">
+                <a:solidFill>
+                  <a:srgbClr val="FFFF00"/>
+                </a:solidFill>
+              </a:rPr>
+              <a:t> BSD con </a:t>
+            </a:r>
+            <a:r>
+              <a:rPr lang="en-US" b="1" dirty="0" err="1">
+                <a:solidFill>
+                  <a:srgbClr val="FFFF00"/>
+                </a:solidFill>
+              </a:rPr>
+              <a:t>nuove</a:t>
+            </a:r>
+            <a:r>
+              <a:rPr lang="en-US" b="1" dirty="0">
+                <a:solidFill>
+                  <a:srgbClr val="FFFF00"/>
+                </a:solidFill>
+              </a:rPr>
+              <a:t> features.</a:t>
+            </a:r>
+          </a:p>
+          <a:p>
+            <a:endParaRPr lang="en-US" b="1" dirty="0">
+              <a:solidFill>
+                <a:srgbClr val="FFFF00"/>
+              </a:solidFill>
+            </a:endParaRPr>
+          </a:p>
+          <a:p>
+            <a:r>
+              <a:rPr lang="en-US" b="1" dirty="0" err="1">
+                <a:solidFill>
+                  <a:srgbClr val="FFFF00"/>
+                </a:solidFill>
+              </a:rPr>
+              <a:t>L’idea</a:t>
+            </a:r>
+            <a:r>
+              <a:rPr lang="en-US" b="1" dirty="0">
+                <a:solidFill>
+                  <a:srgbClr val="FFFF00"/>
+                </a:solidFill>
+              </a:rPr>
+              <a:t> base è </a:t>
+            </a:r>
+            <a:r>
+              <a:rPr lang="en-US" b="1" dirty="0" err="1">
+                <a:solidFill>
+                  <a:srgbClr val="FFFF00"/>
+                </a:solidFill>
+              </a:rPr>
+              <a:t>quindi</a:t>
+            </a:r>
+            <a:r>
+              <a:rPr lang="en-US" b="1" dirty="0">
+                <a:solidFill>
+                  <a:srgbClr val="FFFF00"/>
+                </a:solidFill>
+              </a:rPr>
+              <a:t> </a:t>
+            </a:r>
+            <a:r>
+              <a:rPr lang="en-US" b="1" dirty="0" err="1">
+                <a:solidFill>
+                  <a:srgbClr val="FFFF00"/>
+                </a:solidFill>
+              </a:rPr>
+              <a:t>sostituire</a:t>
+            </a:r>
+            <a:r>
+              <a:rPr lang="en-US" b="1" dirty="0">
+                <a:solidFill>
+                  <a:srgbClr val="FFFF00"/>
+                </a:solidFill>
+              </a:rPr>
+              <a:t> la </a:t>
+            </a:r>
+            <a:r>
+              <a:rPr lang="en-US" b="1" dirty="0" err="1">
+                <a:solidFill>
+                  <a:srgbClr val="FFFF00"/>
+                </a:solidFill>
+              </a:rPr>
+              <a:t>struttura</a:t>
+            </a:r>
+            <a:r>
+              <a:rPr lang="en-US" b="1" dirty="0">
+                <a:solidFill>
+                  <a:srgbClr val="FFFF00"/>
+                </a:solidFill>
+              </a:rPr>
+              <a:t> ad </a:t>
+            </a:r>
+            <a:r>
+              <a:rPr lang="en-US" b="1" dirty="0" err="1">
+                <a:solidFill>
+                  <a:srgbClr val="FFFF00"/>
+                </a:solidFill>
+              </a:rPr>
+              <a:t>albero</a:t>
+            </a:r>
+            <a:r>
+              <a:rPr lang="en-US" b="1" dirty="0">
+                <a:solidFill>
+                  <a:srgbClr val="FFFF00"/>
+                </a:solidFill>
+              </a:rPr>
+              <a:t> con </a:t>
+            </a:r>
+            <a:r>
+              <a:rPr lang="en-US" b="1" dirty="0" err="1">
+                <a:solidFill>
+                  <a:srgbClr val="FFFF00"/>
+                </a:solidFill>
+              </a:rPr>
+              <a:t>oggetti</a:t>
+            </a:r>
+            <a:r>
+              <a:rPr lang="en-US" b="1" dirty="0">
+                <a:solidFill>
+                  <a:srgbClr val="FFFF00"/>
+                </a:solidFill>
+              </a:rPr>
+              <a:t> </a:t>
+            </a:r>
+            <a:r>
+              <a:rPr lang="en-US" b="1" dirty="0" err="1">
+                <a:solidFill>
+                  <a:srgbClr val="FFFF00"/>
+                </a:solidFill>
+              </a:rPr>
+              <a:t>concettuali</a:t>
+            </a:r>
+            <a:r>
+              <a:rPr lang="en-US" b="1" dirty="0">
+                <a:solidFill>
+                  <a:srgbClr val="FFFF00"/>
+                </a:solidFill>
+              </a:rPr>
+              <a:t> </a:t>
+            </a:r>
+            <a:r>
+              <a:rPr lang="en-US" b="1" dirty="0" err="1">
+                <a:solidFill>
+                  <a:srgbClr val="FFFF00"/>
+                </a:solidFill>
+              </a:rPr>
+              <a:t>indipendenti</a:t>
+            </a:r>
+            <a:r>
+              <a:rPr lang="en-US" b="1" dirty="0">
+                <a:solidFill>
+                  <a:srgbClr val="FFFF00"/>
+                </a:solidFill>
+              </a:rPr>
+              <a:t>, </a:t>
+            </a:r>
+            <a:r>
+              <a:rPr lang="en-US" b="1" dirty="0" err="1">
+                <a:solidFill>
+                  <a:srgbClr val="FFFF00"/>
+                </a:solidFill>
+              </a:rPr>
+              <a:t>visti</a:t>
+            </a:r>
+            <a:r>
+              <a:rPr lang="en-US" b="1" dirty="0">
+                <a:solidFill>
+                  <a:srgbClr val="FFFF00"/>
+                </a:solidFill>
+              </a:rPr>
+              <a:t> come </a:t>
+            </a:r>
+            <a:r>
+              <a:rPr lang="en-US" b="1" dirty="0" err="1">
+                <a:solidFill>
+                  <a:srgbClr val="FFFF00"/>
+                </a:solidFill>
+              </a:rPr>
+              <a:t>servizi</a:t>
+            </a:r>
+            <a:r>
+              <a:rPr lang="en-US" b="1" dirty="0">
+                <a:solidFill>
+                  <a:srgbClr val="FFFF00"/>
+                </a:solidFill>
+              </a:rPr>
+              <a:t>.</a:t>
+            </a:r>
+          </a:p>
+          <a:p>
+            <a:endParaRPr lang="en-US" b="1" dirty="0">
+              <a:solidFill>
+                <a:srgbClr val="FFFF00"/>
+              </a:solidFill>
+            </a:endParaRPr>
+          </a:p>
+          <a:p>
+            <a:r>
+              <a:rPr lang="en-US" b="1" dirty="0">
+                <a:solidFill>
+                  <a:srgbClr val="FFFF00"/>
+                </a:solidFill>
+              </a:rPr>
+              <a:t>Questa </a:t>
+            </a:r>
+            <a:r>
+              <a:rPr lang="en-US" b="1" dirty="0" err="1">
+                <a:solidFill>
+                  <a:srgbClr val="FFFF00"/>
+                </a:solidFill>
+              </a:rPr>
+              <a:t>nuova</a:t>
+            </a:r>
+            <a:r>
+              <a:rPr lang="en-US" b="1" dirty="0">
+                <a:solidFill>
+                  <a:srgbClr val="FFFF00"/>
+                </a:solidFill>
+              </a:rPr>
+              <a:t> </a:t>
+            </a:r>
+            <a:r>
+              <a:rPr lang="en-US" b="1" dirty="0" err="1">
+                <a:solidFill>
+                  <a:srgbClr val="FFFF00"/>
+                </a:solidFill>
+              </a:rPr>
+              <a:t>organizzazione</a:t>
+            </a:r>
+            <a:r>
+              <a:rPr lang="en-US" b="1" dirty="0">
+                <a:solidFill>
+                  <a:srgbClr val="FFFF00"/>
+                </a:solidFill>
+              </a:rPr>
+              <a:t> è “</a:t>
+            </a:r>
+            <a:r>
+              <a:rPr lang="en-US" b="1" dirty="0" err="1">
+                <a:solidFill>
+                  <a:srgbClr val="FFFF00"/>
+                </a:solidFill>
+              </a:rPr>
+              <a:t>virtuale</a:t>
+            </a:r>
+            <a:r>
+              <a:rPr lang="en-US" b="1" dirty="0">
+                <a:solidFill>
+                  <a:srgbClr val="FFFF00"/>
+                </a:solidFill>
+              </a:rPr>
+              <a:t>” e </a:t>
+            </a:r>
+            <a:r>
+              <a:rPr lang="en-US" b="1" dirty="0" err="1">
+                <a:solidFill>
+                  <a:srgbClr val="FFFF00"/>
+                </a:solidFill>
+              </a:rPr>
+              <a:t>slegata</a:t>
+            </a:r>
+            <a:r>
+              <a:rPr lang="en-US" b="1" dirty="0">
+                <a:solidFill>
+                  <a:srgbClr val="FFFF00"/>
+                </a:solidFill>
+              </a:rPr>
+              <a:t> da come </a:t>
+            </a:r>
+            <a:r>
+              <a:rPr lang="en-US" b="1" dirty="0" err="1">
+                <a:solidFill>
+                  <a:srgbClr val="FFFF00"/>
+                </a:solidFill>
+              </a:rPr>
+              <a:t>avviene</a:t>
+            </a:r>
+            <a:r>
+              <a:rPr lang="en-US" b="1" dirty="0">
+                <a:solidFill>
+                  <a:srgbClr val="FFFF00"/>
+                </a:solidFill>
+              </a:rPr>
+              <a:t> lo storage e </a:t>
+            </a:r>
+            <a:r>
+              <a:rPr lang="en-US" b="1" dirty="0" err="1">
+                <a:solidFill>
+                  <a:srgbClr val="FFFF00"/>
+                </a:solidFill>
+              </a:rPr>
+              <a:t>quindi</a:t>
+            </a:r>
+            <a:r>
+              <a:rPr lang="en-US" b="1" dirty="0">
+                <a:solidFill>
+                  <a:srgbClr val="FFFF00"/>
+                </a:solidFill>
+              </a:rPr>
+              <a:t> </a:t>
+            </a:r>
+            <a:r>
+              <a:rPr lang="en-US" b="1" dirty="0" err="1">
+                <a:solidFill>
+                  <a:srgbClr val="FFFF00"/>
+                </a:solidFill>
+              </a:rPr>
+              <a:t>sarebbe</a:t>
+            </a:r>
+            <a:r>
+              <a:rPr lang="en-US" b="1" dirty="0">
+                <a:solidFill>
+                  <a:srgbClr val="FFFF00"/>
+                </a:solidFill>
+              </a:rPr>
+              <a:t> in </a:t>
+            </a:r>
+            <a:r>
+              <a:rPr lang="en-US" b="1" dirty="0" err="1">
+                <a:solidFill>
+                  <a:srgbClr val="FFFF00"/>
+                </a:solidFill>
+              </a:rPr>
+              <a:t>grado</a:t>
+            </a:r>
+            <a:r>
+              <a:rPr lang="en-US" b="1" dirty="0">
+                <a:solidFill>
+                  <a:srgbClr val="FFFF00"/>
+                </a:solidFill>
+              </a:rPr>
+              <a:t> di </a:t>
+            </a:r>
+            <a:r>
+              <a:rPr lang="en-US" b="1" dirty="0" err="1">
+                <a:solidFill>
+                  <a:srgbClr val="FFFF00"/>
+                </a:solidFill>
+              </a:rPr>
+              <a:t>gestire</a:t>
+            </a:r>
+            <a:r>
+              <a:rPr lang="en-US" b="1" dirty="0">
+                <a:solidFill>
+                  <a:srgbClr val="FFFF00"/>
+                </a:solidFill>
+              </a:rPr>
+              <a:t> </a:t>
+            </a:r>
+            <a:r>
+              <a:rPr lang="en-US" b="1" dirty="0" err="1">
+                <a:solidFill>
+                  <a:srgbClr val="FFFF00"/>
+                </a:solidFill>
+              </a:rPr>
+              <a:t>allo</a:t>
+            </a:r>
+            <a:r>
+              <a:rPr lang="en-US" b="1" dirty="0">
+                <a:solidFill>
+                  <a:srgbClr val="FFFF00"/>
+                </a:solidFill>
+              </a:rPr>
+              <a:t> </a:t>
+            </a:r>
+            <a:r>
+              <a:rPr lang="en-US" b="1" dirty="0" err="1">
+                <a:solidFill>
+                  <a:srgbClr val="FFFF00"/>
+                </a:solidFill>
+              </a:rPr>
+              <a:t>stesso</a:t>
+            </a:r>
+            <a:r>
+              <a:rPr lang="en-US" b="1" dirty="0">
+                <a:solidFill>
+                  <a:srgbClr val="FFFF00"/>
+                </a:solidFill>
+              </a:rPr>
+              <a:t> modo </a:t>
+            </a:r>
+            <a:r>
+              <a:rPr lang="en-US" b="1" dirty="0" err="1">
+                <a:solidFill>
+                  <a:srgbClr val="FFFF00"/>
+                </a:solidFill>
+              </a:rPr>
+              <a:t>anche</a:t>
+            </a:r>
+            <a:r>
+              <a:rPr lang="en-US" b="1" dirty="0">
+                <a:solidFill>
+                  <a:srgbClr val="FFFF00"/>
+                </a:solidFill>
+              </a:rPr>
+              <a:t> </a:t>
+            </a:r>
+            <a:r>
+              <a:rPr lang="en-US" b="1" dirty="0" err="1">
+                <a:solidFill>
+                  <a:srgbClr val="FFFF00"/>
+                </a:solidFill>
+              </a:rPr>
+              <a:t>i</a:t>
+            </a:r>
+            <a:r>
+              <a:rPr lang="en-US" b="1" dirty="0">
+                <a:solidFill>
+                  <a:srgbClr val="FFFF00"/>
+                </a:solidFill>
+              </a:rPr>
+              <a:t> </a:t>
+            </a:r>
+            <a:r>
+              <a:rPr lang="en-US" b="1" dirty="0" err="1">
+                <a:solidFill>
+                  <a:srgbClr val="FFFF00"/>
+                </a:solidFill>
+              </a:rPr>
+              <a:t>vecchi</a:t>
+            </a:r>
+            <a:r>
+              <a:rPr lang="en-US" b="1" dirty="0">
+                <a:solidFill>
+                  <a:srgbClr val="FFFF00"/>
+                </a:solidFill>
+              </a:rPr>
+              <a:t> BSD. I </a:t>
+            </a:r>
+            <a:r>
+              <a:rPr lang="en-US" b="1" dirty="0" err="1">
+                <a:solidFill>
+                  <a:srgbClr val="FFFF00"/>
+                </a:solidFill>
+              </a:rPr>
+              <a:t>nuovi</a:t>
+            </a:r>
+            <a:r>
+              <a:rPr lang="en-US" b="1" dirty="0">
+                <a:solidFill>
+                  <a:srgbClr val="FFFF00"/>
+                </a:solidFill>
+              </a:rPr>
+              <a:t> </a:t>
+            </a:r>
+            <a:r>
+              <a:rPr lang="en-US" b="1" dirty="0" err="1">
+                <a:solidFill>
+                  <a:srgbClr val="FFFF00"/>
+                </a:solidFill>
+              </a:rPr>
+              <a:t>saranno</a:t>
+            </a:r>
+            <a:r>
+              <a:rPr lang="en-US" b="1" dirty="0">
+                <a:solidFill>
+                  <a:srgbClr val="FFFF00"/>
+                </a:solidFill>
+              </a:rPr>
+              <a:t> </a:t>
+            </a:r>
+            <a:r>
+              <a:rPr lang="en-US" b="1" dirty="0" err="1">
+                <a:solidFill>
+                  <a:srgbClr val="FFFF00"/>
+                </a:solidFill>
+              </a:rPr>
+              <a:t>ottimizzati</a:t>
+            </a:r>
+            <a:r>
+              <a:rPr lang="en-US" b="1" dirty="0">
+                <a:solidFill>
+                  <a:srgbClr val="FFFF00"/>
+                </a:solidFill>
+              </a:rPr>
+              <a:t> per </a:t>
+            </a:r>
+            <a:r>
+              <a:rPr lang="en-US" b="1" dirty="0" err="1">
+                <a:solidFill>
+                  <a:srgbClr val="FFFF00"/>
+                </a:solidFill>
+              </a:rPr>
+              <a:t>l’accesso</a:t>
+            </a:r>
+            <a:r>
+              <a:rPr lang="en-US" b="1" dirty="0">
+                <a:solidFill>
+                  <a:srgbClr val="FFFF00"/>
+                </a:solidFill>
+              </a:rPr>
+              <a:t> e la </a:t>
+            </a:r>
+            <a:r>
+              <a:rPr lang="en-US" b="1" dirty="0" err="1">
+                <a:solidFill>
+                  <a:srgbClr val="FFFF00"/>
+                </a:solidFill>
+              </a:rPr>
+              <a:t>gestione</a:t>
+            </a:r>
+            <a:r>
+              <a:rPr lang="en-US" b="1" dirty="0">
+                <a:solidFill>
+                  <a:srgbClr val="FFFF00"/>
+                </a:solidFill>
+              </a:rPr>
+              <a:t>.</a:t>
+            </a:r>
+          </a:p>
+          <a:p>
+            <a:endParaRPr lang="en-US" b="1" dirty="0">
+              <a:solidFill>
+                <a:srgbClr val="FFFF00"/>
+              </a:solidFill>
+            </a:endParaRPr>
+          </a:p>
+          <a:p>
+            <a:r>
+              <a:rPr lang="en-US" b="1" dirty="0" err="1">
+                <a:solidFill>
+                  <a:srgbClr val="FFFF00"/>
+                </a:solidFill>
+              </a:rPr>
+              <a:t>Occorre</a:t>
+            </a:r>
+            <a:r>
+              <a:rPr lang="en-US" b="1" dirty="0">
+                <a:solidFill>
+                  <a:srgbClr val="FFFF00"/>
+                </a:solidFill>
+              </a:rPr>
+              <a:t> </a:t>
+            </a:r>
+            <a:r>
+              <a:rPr lang="en-US" b="1" dirty="0" err="1">
+                <a:solidFill>
+                  <a:srgbClr val="FFFF00"/>
+                </a:solidFill>
+              </a:rPr>
+              <a:t>una</a:t>
+            </a:r>
+            <a:r>
+              <a:rPr lang="en-US" b="1" dirty="0">
+                <a:solidFill>
+                  <a:srgbClr val="FFFF00"/>
+                </a:solidFill>
+              </a:rPr>
+              <a:t> </a:t>
+            </a:r>
+            <a:r>
+              <a:rPr lang="en-US" b="1" dirty="0" err="1">
+                <a:solidFill>
+                  <a:srgbClr val="FFFF00"/>
+                </a:solidFill>
+              </a:rPr>
+              <a:t>riflessione</a:t>
+            </a:r>
+            <a:r>
+              <a:rPr lang="en-US" b="1" dirty="0">
+                <a:solidFill>
+                  <a:srgbClr val="FFFF00"/>
+                </a:solidFill>
+              </a:rPr>
+              <a:t> </a:t>
+            </a:r>
+            <a:r>
+              <a:rPr lang="en-US" b="1" dirty="0" err="1">
+                <a:solidFill>
+                  <a:srgbClr val="FFFF00"/>
+                </a:solidFill>
+              </a:rPr>
+              <a:t>collettiva</a:t>
+            </a:r>
+            <a:r>
+              <a:rPr lang="en-US" b="1" dirty="0">
+                <a:solidFill>
+                  <a:srgbClr val="FFFF00"/>
+                </a:solidFill>
+              </a:rPr>
+              <a:t> </a:t>
+            </a:r>
+            <a:r>
+              <a:rPr lang="en-US" b="1" dirty="0" err="1">
+                <a:solidFill>
+                  <a:srgbClr val="FFFF00"/>
+                </a:solidFill>
+              </a:rPr>
+              <a:t>su</a:t>
+            </a:r>
+            <a:r>
+              <a:rPr lang="en-US" b="1" dirty="0">
+                <a:solidFill>
+                  <a:srgbClr val="FFFF00"/>
+                </a:solidFill>
+              </a:rPr>
+              <a:t> come </a:t>
+            </a:r>
+            <a:r>
+              <a:rPr lang="en-US" b="1" dirty="0" err="1">
+                <a:solidFill>
+                  <a:srgbClr val="FFFF00"/>
+                </a:solidFill>
+              </a:rPr>
+              <a:t>realizzarlo</a:t>
+            </a:r>
+            <a:r>
+              <a:rPr lang="en-US" b="1" dirty="0">
+                <a:solidFill>
+                  <a:srgbClr val="FFFF00"/>
+                </a:solidFill>
+              </a:rPr>
+              <a:t> e </a:t>
+            </a:r>
+            <a:r>
+              <a:rPr lang="en-US" b="1" dirty="0" err="1">
+                <a:solidFill>
+                  <a:srgbClr val="FFFF00"/>
+                </a:solidFill>
+              </a:rPr>
+              <a:t>su</a:t>
+            </a:r>
+            <a:r>
+              <a:rPr lang="en-US" b="1" dirty="0">
+                <a:solidFill>
+                  <a:srgbClr val="FFFF00"/>
+                </a:solidFill>
+              </a:rPr>
+              <a:t> </a:t>
+            </a:r>
+            <a:r>
+              <a:rPr lang="en-US" b="1" dirty="0" err="1">
+                <a:solidFill>
+                  <a:srgbClr val="FFFF00"/>
+                </a:solidFill>
+              </a:rPr>
+              <a:t>quali</a:t>
+            </a:r>
+            <a:r>
+              <a:rPr lang="en-US" b="1" dirty="0">
+                <a:solidFill>
+                  <a:srgbClr val="FFFF00"/>
+                </a:solidFill>
+              </a:rPr>
+              <a:t> </a:t>
+            </a:r>
+            <a:r>
+              <a:rPr lang="en-US" b="1" dirty="0" err="1">
+                <a:solidFill>
+                  <a:srgbClr val="FFFF00"/>
+                </a:solidFill>
+              </a:rPr>
+              <a:t>servizi</a:t>
+            </a:r>
+            <a:r>
+              <a:rPr lang="en-US" b="1" dirty="0">
+                <a:solidFill>
+                  <a:srgbClr val="FFFF00"/>
+                </a:solidFill>
+              </a:rPr>
+              <a:t> </a:t>
+            </a:r>
+            <a:r>
+              <a:rPr lang="en-US" b="1" dirty="0" err="1">
+                <a:solidFill>
+                  <a:srgbClr val="FFFF00"/>
+                </a:solidFill>
+              </a:rPr>
+              <a:t>sviluppare</a:t>
+            </a:r>
+            <a:r>
+              <a:rPr lang="en-US" b="1" dirty="0">
+                <a:solidFill>
+                  <a:srgbClr val="FFFF00"/>
+                </a:solidFill>
+              </a:rPr>
+              <a:t> e come.</a:t>
+            </a:r>
+          </a:p>
+          <a:p>
+            <a:endParaRPr lang="en-US" b="1" dirty="0">
+              <a:solidFill>
+                <a:srgbClr val="FFFF00"/>
+              </a:solidFill>
+            </a:endParaRPr>
+          </a:p>
+          <a:p>
+            <a:r>
+              <a:rPr lang="en-US" b="1" dirty="0">
+                <a:solidFill>
+                  <a:srgbClr val="FFFF00"/>
+                </a:solidFill>
+              </a:rPr>
+              <a:t>Per </a:t>
+            </a:r>
+            <a:r>
+              <a:rPr lang="en-US" b="1" dirty="0" err="1">
+                <a:solidFill>
+                  <a:srgbClr val="FFFF00"/>
+                </a:solidFill>
+              </a:rPr>
+              <a:t>l’accesso</a:t>
+            </a:r>
+            <a:r>
+              <a:rPr lang="en-US" b="1" dirty="0">
+                <a:solidFill>
+                  <a:srgbClr val="FFFF00"/>
+                </a:solidFill>
+              </a:rPr>
+              <a:t> e la </a:t>
+            </a:r>
+            <a:r>
+              <a:rPr lang="en-US" b="1" dirty="0" err="1">
+                <a:solidFill>
+                  <a:srgbClr val="FFFF00"/>
+                </a:solidFill>
+              </a:rPr>
+              <a:t>gestione</a:t>
+            </a:r>
+            <a:r>
+              <a:rPr lang="en-US" b="1" dirty="0">
+                <a:solidFill>
+                  <a:srgbClr val="FFFF00"/>
+                </a:solidFill>
+              </a:rPr>
+              <a:t> </a:t>
+            </a:r>
+            <a:r>
+              <a:rPr lang="en-US" b="1" dirty="0" err="1">
+                <a:solidFill>
+                  <a:srgbClr val="FFFF00"/>
+                </a:solidFill>
+              </a:rPr>
+              <a:t>va</a:t>
+            </a:r>
+            <a:r>
+              <a:rPr lang="en-US" b="1" dirty="0">
+                <a:solidFill>
+                  <a:srgbClr val="FFFF00"/>
+                </a:solidFill>
+              </a:rPr>
+              <a:t> </a:t>
+            </a:r>
+            <a:r>
+              <a:rPr lang="en-US" b="1" dirty="0" err="1">
+                <a:solidFill>
+                  <a:srgbClr val="FFFF00"/>
+                </a:solidFill>
+              </a:rPr>
+              <a:t>sviluppata</a:t>
+            </a:r>
+            <a:r>
+              <a:rPr lang="en-US" b="1" dirty="0">
+                <a:solidFill>
+                  <a:srgbClr val="FFFF00"/>
+                </a:solidFill>
+              </a:rPr>
+              <a:t> </a:t>
+            </a:r>
+            <a:r>
+              <a:rPr lang="en-US" b="1" dirty="0" err="1">
+                <a:solidFill>
+                  <a:srgbClr val="FFFF00"/>
+                </a:solidFill>
+              </a:rPr>
+              <a:t>una</a:t>
+            </a:r>
+            <a:r>
+              <a:rPr lang="en-US" b="1" dirty="0">
+                <a:solidFill>
+                  <a:srgbClr val="FFFF00"/>
+                </a:solidFill>
+              </a:rPr>
+              <a:t> </a:t>
+            </a:r>
+            <a:r>
+              <a:rPr lang="en-US" b="1" dirty="0" err="1">
+                <a:solidFill>
+                  <a:srgbClr val="FFFF00"/>
+                </a:solidFill>
+              </a:rPr>
+              <a:t>opportuna</a:t>
+            </a:r>
+            <a:r>
+              <a:rPr lang="en-US" b="1" dirty="0">
+                <a:solidFill>
+                  <a:srgbClr val="FFFF00"/>
+                </a:solidFill>
+              </a:rPr>
+              <a:t> GUI.</a:t>
+            </a:r>
+            <a:endParaRPr lang="it-IT" b="1" dirty="0">
+              <a:solidFill>
+                <a:srgbClr val="FFFF00"/>
+              </a:solidFill>
+            </a:endParaRPr>
+          </a:p>
+        </p:txBody>
+      </p:sp>
+    </p:spTree>
+    <p:extLst>
+      <p:ext uri="{BB962C8B-B14F-4D97-AF65-F5344CB8AC3E}">
+        <p14:creationId xmlns:p14="http://schemas.microsoft.com/office/powerpoint/2010/main" val="895349582"/>
+      </p:ext>
+    </p:extLst>
+  </p:cSld>
+  <p:clrMapOvr>
+    <a:masterClrMapping/>
+  </p:clrMapOvr>
+</p:sld>
+</file>
+
+<file path=ppt/slides/slide36.xml><?xml version="1.0" encoding="utf-8"?>
+<p:sld xmlns:a="http://schemas.openxmlformats.org/drawingml/2006/main" xmlns:r="http://schemas.openxmlformats.org/officeDocument/2006/relationships" xmlns:p="http://schemas.openxmlformats.org/presentationml/2006/main">
+  <p:cSld>
+    <p:spTree>
+      <p:nvGrpSpPr>
+        <p:cNvPr id="1" name=""/>
+        <p:cNvGrpSpPr/>
+        <p:nvPr/>
+      </p:nvGrpSpPr>
+      <p:grpSpPr>
+        <a:xfrm>
+          <a:off x="0" y="0"/>
+          <a:ext cx="0" cy="0"/>
+          <a:chOff x="0" y="0"/>
+          <a:chExt cx="0" cy="0"/>
+        </a:xfrm>
+      </p:grpSpPr>
+      <p:sp>
+        <p:nvSpPr>
+          <p:cNvPr id="2" name="Segnaposto numero diapositiva 1">
+            <a:extLst>
+              <a:ext uri="{FF2B5EF4-FFF2-40B4-BE49-F238E27FC236}">
+                <a16:creationId xmlns:a16="http://schemas.microsoft.com/office/drawing/2014/main" id="{FB210142-F8FA-AFFD-83C4-DCDEAE505735}"/>
+              </a:ext>
+            </a:extLst>
+          </p:cNvPr>
+          <p:cNvSpPr>
+            <a:spLocks noGrp="1"/>
+          </p:cNvSpPr>
+          <p:nvPr>
+            <p:ph type="sldNum" sz="quarter" idx="12"/>
+          </p:nvPr>
+        </p:nvSpPr>
+        <p:spPr/>
+        <p:txBody>
+          <a:bodyPr/>
+          <a:lstStyle/>
+          <a:p>
             <a:pPr marL="0" marR="0" lvl="0" indent="0" algn="r" defTabSz="457200" rtl="0" eaLnBrk="1" fontAlgn="auto" latinLnBrk="0" hangingPunct="1">
               <a:lnSpc>
                 <a:spcPct val="100000"/>
@@ -22915,7 +26357,7 @@
                 <a:tabLst/>
                 <a:defRPr/>
               </a:pPr>
-              <a:t>33</a:t>
+              <a:t>36</a:t>
             </a:fld>
             <a:endParaRPr kumimoji="0" lang="en-US" sz="3200" b="0" i="0" u="none" strike="noStrike" kern="1200" cap="none" spc="0" normalizeH="0" baseline="0" noProof="0" dirty="0">
               <a:ln>
